--- a/Presentations/First Presentation/midterm_presentation.pptx
+++ b/Presentations/First Presentation/midterm_presentation.pptx
@@ -10,7 +10,8 @@
     <p:sldId id="258" r:id="rId4"/>
     <p:sldId id="259" r:id="rId5"/>
     <p:sldId id="260" r:id="rId6"/>
-    <p:sldId id="261" r:id="rId7"/>
+    <p:sldId id="262" r:id="rId7"/>
+    <p:sldId id="261" r:id="rId8"/>
   </p:sldIdLst>
   <p:sldSz cx="12192000" cy="6858000"/>
   <p:notesSz cx="6858000" cy="9144000"/>
@@ -109,7 +110,144 @@
       </a:defRPr>
     </a:lvl9pPr>
   </p:defaultTextStyle>
+  <p:extLst>
+    <p:ext uri="{EFAFB233-063F-42B5-8137-9DF3F51BA10A}">
+      <p15:sldGuideLst xmlns:p15="http://schemas.microsoft.com/office/powerpoint/2012/main"/>
+    </p:ext>
+  </p:extLst>
 </p:presentation>
+</file>
+
+<file path=ppt/revisionInfo.xml><?xml version="1.0" encoding="utf-8"?>
+<p1510:revInfo xmlns:a="http://schemas.openxmlformats.org/drawingml/2006/main" xmlns:r="http://schemas.openxmlformats.org/officeDocument/2006/relationships" xmlns:p1510="http://schemas.microsoft.com/office/powerpoint/2015/10/main">
+  <p1510:revLst>
+    <p1510:client id="{7AC47B72-C765-4CFF-BD64-A38374DB7393}" v="2" dt="2022-12-08T11:34:11.424"/>
+  </p1510:revLst>
+</p1510:revInfo>
+</file>
+
+<file path=ppt/changesInfos/changesInfo1.xml><?xml version="1.0" encoding="utf-8"?>
+<pc:chgInfo xmlns:a="http://schemas.openxmlformats.org/drawingml/2006/main" xmlns:r="http://schemas.openxmlformats.org/officeDocument/2006/relationships" xmlns:ac="http://schemas.microsoft.com/office/drawing/2013/main/command" xmlns:pc="http://schemas.microsoft.com/office/powerpoint/2013/main/command">
+  <pc:docChgLst>
+    <pc:chgData name="Fabian Blasch" userId="91b698f49155f71e" providerId="LiveId" clId="{7AC47B72-C765-4CFF-BD64-A38374DB7393}"/>
+    <pc:docChg chg="custSel addSld modSld">
+      <pc:chgData name="Fabian Blasch" userId="91b698f49155f71e" providerId="LiveId" clId="{7AC47B72-C765-4CFF-BD64-A38374DB7393}" dt="2022-12-08T11:36:52.316" v="153" actId="1076"/>
+      <pc:docMkLst>
+        <pc:docMk/>
+      </pc:docMkLst>
+      <pc:sldChg chg="addSp delSp modSp mod">
+        <pc:chgData name="Fabian Blasch" userId="91b698f49155f71e" providerId="LiveId" clId="{7AC47B72-C765-4CFF-BD64-A38374DB7393}" dt="2022-12-08T11:20:40.055" v="61" actId="20577"/>
+        <pc:sldMkLst>
+          <pc:docMk/>
+          <pc:sldMk cId="1115239791" sldId="260"/>
+        </pc:sldMkLst>
+        <pc:spChg chg="mod">
+          <ac:chgData name="Fabian Blasch" userId="91b698f49155f71e" providerId="LiveId" clId="{7AC47B72-C765-4CFF-BD64-A38374DB7393}" dt="2022-12-08T11:20:40.055" v="61" actId="20577"/>
+          <ac:spMkLst>
+            <pc:docMk/>
+            <pc:sldMk cId="1115239791" sldId="260"/>
+            <ac:spMk id="2" creationId="{2A8F8DD3-63A6-3B13-E68E-D035184C8DA5}"/>
+          </ac:spMkLst>
+        </pc:spChg>
+        <pc:spChg chg="add del mod">
+          <ac:chgData name="Fabian Blasch" userId="91b698f49155f71e" providerId="LiveId" clId="{7AC47B72-C765-4CFF-BD64-A38374DB7393}" dt="2022-12-08T11:19:07.641" v="6" actId="931"/>
+          <ac:spMkLst>
+            <pc:docMk/>
+            <pc:sldMk cId="1115239791" sldId="260"/>
+            <ac:spMk id="4" creationId="{62296B21-EEEA-F327-1881-CC5513D6EB1A}"/>
+          </ac:spMkLst>
+        </pc:spChg>
+        <pc:picChg chg="add mod">
+          <ac:chgData name="Fabian Blasch" userId="91b698f49155f71e" providerId="LiveId" clId="{7AC47B72-C765-4CFF-BD64-A38374DB7393}" dt="2022-12-08T11:19:54.703" v="15" actId="1076"/>
+          <ac:picMkLst>
+            <pc:docMk/>
+            <pc:sldMk cId="1115239791" sldId="260"/>
+            <ac:picMk id="6" creationId="{4A9A1D75-DD23-B93B-B160-7A8A272651A1}"/>
+          </ac:picMkLst>
+        </pc:picChg>
+        <pc:picChg chg="del">
+          <ac:chgData name="Fabian Blasch" userId="91b698f49155f71e" providerId="LiveId" clId="{7AC47B72-C765-4CFF-BD64-A38374DB7393}" dt="2022-12-08T11:18:34.191" v="2" actId="478"/>
+          <ac:picMkLst>
+            <pc:docMk/>
+            <pc:sldMk cId="1115239791" sldId="260"/>
+            <ac:picMk id="7" creationId="{9521CA76-D2FC-FD89-E92F-E3FD781CDF8C}"/>
+          </ac:picMkLst>
+        </pc:picChg>
+        <pc:picChg chg="del mod">
+          <ac:chgData name="Fabian Blasch" userId="91b698f49155f71e" providerId="LiveId" clId="{7AC47B72-C765-4CFF-BD64-A38374DB7393}" dt="2022-12-08T11:18:32.311" v="1" actId="478"/>
+          <ac:picMkLst>
+            <pc:docMk/>
+            <pc:sldMk cId="1115239791" sldId="260"/>
+            <ac:picMk id="9" creationId="{82D1CDFC-A0B2-1B4C-7055-7A793A94F19A}"/>
+          </ac:picMkLst>
+        </pc:picChg>
+        <pc:picChg chg="add mod">
+          <ac:chgData name="Fabian Blasch" userId="91b698f49155f71e" providerId="LiveId" clId="{7AC47B72-C765-4CFF-BD64-A38374DB7393}" dt="2022-12-08T11:20:00.724" v="18" actId="1076"/>
+          <ac:picMkLst>
+            <pc:docMk/>
+            <pc:sldMk cId="1115239791" sldId="260"/>
+            <ac:picMk id="10" creationId="{8B254128-88B0-A85E-31ED-EB4915134844}"/>
+          </ac:picMkLst>
+        </pc:picChg>
+      </pc:sldChg>
+      <pc:sldChg chg="addSp delSp modSp new mod">
+        <pc:chgData name="Fabian Blasch" userId="91b698f49155f71e" providerId="LiveId" clId="{7AC47B72-C765-4CFF-BD64-A38374DB7393}" dt="2022-12-08T11:36:52.316" v="153" actId="1076"/>
+        <pc:sldMkLst>
+          <pc:docMk/>
+          <pc:sldMk cId="3681023647" sldId="262"/>
+        </pc:sldMkLst>
+        <pc:spChg chg="mod">
+          <ac:chgData name="Fabian Blasch" userId="91b698f49155f71e" providerId="LiveId" clId="{7AC47B72-C765-4CFF-BD64-A38374DB7393}" dt="2022-12-08T11:35:16.670" v="135" actId="27636"/>
+          <ac:spMkLst>
+            <pc:docMk/>
+            <pc:sldMk cId="3681023647" sldId="262"/>
+            <ac:spMk id="2" creationId="{DC37769C-68EF-9A16-5E91-B24068F361C9}"/>
+          </ac:spMkLst>
+        </pc:spChg>
+        <pc:spChg chg="del mod">
+          <ac:chgData name="Fabian Blasch" userId="91b698f49155f71e" providerId="LiveId" clId="{7AC47B72-C765-4CFF-BD64-A38374DB7393}" dt="2022-12-08T11:34:11.424" v="103" actId="931"/>
+          <ac:spMkLst>
+            <pc:docMk/>
+            <pc:sldMk cId="3681023647" sldId="262"/>
+            <ac:spMk id="3" creationId="{903288DA-768A-D752-8D6B-B654D149E504}"/>
+          </ac:spMkLst>
+        </pc:spChg>
+        <pc:picChg chg="add mod">
+          <ac:chgData name="Fabian Blasch" userId="91b698f49155f71e" providerId="LiveId" clId="{7AC47B72-C765-4CFF-BD64-A38374DB7393}" dt="2022-12-08T11:36:52.316" v="153" actId="1076"/>
+          <ac:picMkLst>
+            <pc:docMk/>
+            <pc:sldMk cId="3681023647" sldId="262"/>
+            <ac:picMk id="5" creationId="{D76316F5-A838-6E95-1436-72DF1A107EE9}"/>
+          </ac:picMkLst>
+        </pc:picChg>
+        <pc:picChg chg="add mod">
+          <ac:chgData name="Fabian Blasch" userId="91b698f49155f71e" providerId="LiveId" clId="{7AC47B72-C765-4CFF-BD64-A38374DB7393}" dt="2022-12-08T11:36:52.316" v="153" actId="1076"/>
+          <ac:picMkLst>
+            <pc:docMk/>
+            <pc:sldMk cId="3681023647" sldId="262"/>
+            <ac:picMk id="7" creationId="{5DD166CD-E351-9B26-70A0-4BB200405238}"/>
+          </ac:picMkLst>
+        </pc:picChg>
+        <pc:picChg chg="add mod">
+          <ac:chgData name="Fabian Blasch" userId="91b698f49155f71e" providerId="LiveId" clId="{7AC47B72-C765-4CFF-BD64-A38374DB7393}" dt="2022-12-08T11:36:52.316" v="153" actId="1076"/>
+          <ac:picMkLst>
+            <pc:docMk/>
+            <pc:sldMk cId="3681023647" sldId="262"/>
+            <ac:picMk id="9" creationId="{8053750D-0D1D-54F5-4CE8-C1C811BBEE0B}"/>
+          </ac:picMkLst>
+        </pc:picChg>
+        <pc:picChg chg="add mod">
+          <ac:chgData name="Fabian Blasch" userId="91b698f49155f71e" providerId="LiveId" clId="{7AC47B72-C765-4CFF-BD64-A38374DB7393}" dt="2022-12-08T11:36:52.316" v="153" actId="1076"/>
+          <ac:picMkLst>
+            <pc:docMk/>
+            <pc:sldMk cId="3681023647" sldId="262"/>
+            <ac:picMk id="11" creationId="{2F00AB17-2E70-086E-7F28-F406FA958DC3}"/>
+          </ac:picMkLst>
+        </pc:picChg>
+      </pc:sldChg>
+    </pc:docChg>
+  </pc:docChgLst>
+</pc:chgInfo>
 </file>
 
 <file path=ppt/slideLayouts/slideLayout1.xml><?xml version="1.0" encoding="utf-8"?>
@@ -294,7 +432,7 @@
           <a:p>
             <a:fld id="{BEE95682-5D6A-47FC-87E3-D350DC45A65C}" type="datetimeFigureOut">
               <a:rPr lang="de-AT" smtClean="0"/>
-              <a:t>06.12.2022</a:t>
+              <a:t>08.12.2022</a:t>
             </a:fld>
             <a:endParaRPr lang="de-AT"/>
           </a:p>
@@ -348,7 +486,7 @@
           <a:p>
             <a:fld id="{6510C8EE-8F42-4D7D-A368-E9EFA8FE638A}" type="slidenum">
               <a:rPr lang="de-AT" smtClean="0"/>
-              <a:t>‹Nr.›</a:t>
+              <a:t>‹#›</a:t>
             </a:fld>
             <a:endParaRPr lang="de-AT"/>
           </a:p>
@@ -494,7 +632,7 @@
           <a:p>
             <a:fld id="{BEE95682-5D6A-47FC-87E3-D350DC45A65C}" type="datetimeFigureOut">
               <a:rPr lang="de-AT" smtClean="0"/>
-              <a:t>06.12.2022</a:t>
+              <a:t>08.12.2022</a:t>
             </a:fld>
             <a:endParaRPr lang="de-AT"/>
           </a:p>
@@ -548,7 +686,7 @@
           <a:p>
             <a:fld id="{6510C8EE-8F42-4D7D-A368-E9EFA8FE638A}" type="slidenum">
               <a:rPr lang="de-AT" smtClean="0"/>
-              <a:t>‹Nr.›</a:t>
+              <a:t>‹#›</a:t>
             </a:fld>
             <a:endParaRPr lang="de-AT"/>
           </a:p>
@@ -704,7 +842,7 @@
           <a:p>
             <a:fld id="{BEE95682-5D6A-47FC-87E3-D350DC45A65C}" type="datetimeFigureOut">
               <a:rPr lang="de-AT" smtClean="0"/>
-              <a:t>06.12.2022</a:t>
+              <a:t>08.12.2022</a:t>
             </a:fld>
             <a:endParaRPr lang="de-AT"/>
           </a:p>
@@ -758,7 +896,7 @@
           <a:p>
             <a:fld id="{6510C8EE-8F42-4D7D-A368-E9EFA8FE638A}" type="slidenum">
               <a:rPr lang="de-AT" smtClean="0"/>
-              <a:t>‹Nr.›</a:t>
+              <a:t>‹#›</a:t>
             </a:fld>
             <a:endParaRPr lang="de-AT"/>
           </a:p>
@@ -973,7 +1111,7 @@
           <a:p>
             <a:fld id="{BEE95682-5D6A-47FC-87E3-D350DC45A65C}" type="datetimeFigureOut">
               <a:rPr lang="de-AT" smtClean="0"/>
-              <a:t>06.12.2022</a:t>
+              <a:t>08.12.2022</a:t>
             </a:fld>
             <a:endParaRPr lang="de-AT"/>
           </a:p>
@@ -1027,7 +1165,7 @@
           <a:p>
             <a:fld id="{6510C8EE-8F42-4D7D-A368-E9EFA8FE638A}" type="slidenum">
               <a:rPr lang="de-AT" smtClean="0"/>
-              <a:t>‹Nr.›</a:t>
+              <a:t>‹#›</a:t>
             </a:fld>
             <a:endParaRPr lang="de-AT"/>
           </a:p>
@@ -1249,7 +1387,7 @@
           <a:p>
             <a:fld id="{BEE95682-5D6A-47FC-87E3-D350DC45A65C}" type="datetimeFigureOut">
               <a:rPr lang="de-AT" smtClean="0"/>
-              <a:t>06.12.2022</a:t>
+              <a:t>08.12.2022</a:t>
             </a:fld>
             <a:endParaRPr lang="de-AT"/>
           </a:p>
@@ -1303,7 +1441,7 @@
           <a:p>
             <a:fld id="{6510C8EE-8F42-4D7D-A368-E9EFA8FE638A}" type="slidenum">
               <a:rPr lang="de-AT" smtClean="0"/>
-              <a:t>‹Nr.›</a:t>
+              <a:t>‹#›</a:t>
             </a:fld>
             <a:endParaRPr lang="de-AT"/>
           </a:p>
@@ -1517,7 +1655,7 @@
           <a:p>
             <a:fld id="{BEE95682-5D6A-47FC-87E3-D350DC45A65C}" type="datetimeFigureOut">
               <a:rPr lang="de-AT" smtClean="0"/>
-              <a:t>06.12.2022</a:t>
+              <a:t>08.12.2022</a:t>
             </a:fld>
             <a:endParaRPr lang="de-AT"/>
           </a:p>
@@ -1571,7 +1709,7 @@
           <a:p>
             <a:fld id="{6510C8EE-8F42-4D7D-A368-E9EFA8FE638A}" type="slidenum">
               <a:rPr lang="de-AT" smtClean="0"/>
-              <a:t>‹Nr.›</a:t>
+              <a:t>‹#›</a:t>
             </a:fld>
             <a:endParaRPr lang="de-AT"/>
           </a:p>
@@ -1932,7 +2070,7 @@
           <a:p>
             <a:fld id="{BEE95682-5D6A-47FC-87E3-D350DC45A65C}" type="datetimeFigureOut">
               <a:rPr lang="de-AT" smtClean="0"/>
-              <a:t>06.12.2022</a:t>
+              <a:t>08.12.2022</a:t>
             </a:fld>
             <a:endParaRPr lang="de-AT"/>
           </a:p>
@@ -1986,7 +2124,7 @@
           <a:p>
             <a:fld id="{6510C8EE-8F42-4D7D-A368-E9EFA8FE638A}" type="slidenum">
               <a:rPr lang="de-AT" smtClean="0"/>
-              <a:t>‹Nr.›</a:t>
+              <a:t>‹#›</a:t>
             </a:fld>
             <a:endParaRPr lang="de-AT"/>
           </a:p>
@@ -2074,7 +2212,7 @@
           <a:p>
             <a:fld id="{BEE95682-5D6A-47FC-87E3-D350DC45A65C}" type="datetimeFigureOut">
               <a:rPr lang="de-AT" smtClean="0"/>
-              <a:t>06.12.2022</a:t>
+              <a:t>08.12.2022</a:t>
             </a:fld>
             <a:endParaRPr lang="de-AT"/>
           </a:p>
@@ -2128,7 +2266,7 @@
           <a:p>
             <a:fld id="{6510C8EE-8F42-4D7D-A368-E9EFA8FE638A}" type="slidenum">
               <a:rPr lang="de-AT" smtClean="0"/>
-              <a:t>‹Nr.›</a:t>
+              <a:t>‹#›</a:t>
             </a:fld>
             <a:endParaRPr lang="de-AT"/>
           </a:p>
@@ -2187,7 +2325,7 @@
           <a:p>
             <a:fld id="{BEE95682-5D6A-47FC-87E3-D350DC45A65C}" type="datetimeFigureOut">
               <a:rPr lang="de-AT" smtClean="0"/>
-              <a:t>06.12.2022</a:t>
+              <a:t>08.12.2022</a:t>
             </a:fld>
             <a:endParaRPr lang="de-AT"/>
           </a:p>
@@ -2241,7 +2379,7 @@
           <a:p>
             <a:fld id="{6510C8EE-8F42-4D7D-A368-E9EFA8FE638A}" type="slidenum">
               <a:rPr lang="de-AT" smtClean="0"/>
-              <a:t>‹Nr.›</a:t>
+              <a:t>‹#›</a:t>
             </a:fld>
             <a:endParaRPr lang="de-AT"/>
           </a:p>
@@ -2500,7 +2638,7 @@
           <a:p>
             <a:fld id="{BEE95682-5D6A-47FC-87E3-D350DC45A65C}" type="datetimeFigureOut">
               <a:rPr lang="de-AT" smtClean="0"/>
-              <a:t>06.12.2022</a:t>
+              <a:t>08.12.2022</a:t>
             </a:fld>
             <a:endParaRPr lang="de-AT"/>
           </a:p>
@@ -2554,7 +2692,7 @@
           <a:p>
             <a:fld id="{6510C8EE-8F42-4D7D-A368-E9EFA8FE638A}" type="slidenum">
               <a:rPr lang="de-AT" smtClean="0"/>
-              <a:t>‹Nr.›</a:t>
+              <a:t>‹#›</a:t>
             </a:fld>
             <a:endParaRPr lang="de-AT"/>
           </a:p>
@@ -2789,7 +2927,7 @@
           <a:p>
             <a:fld id="{BEE95682-5D6A-47FC-87E3-D350DC45A65C}" type="datetimeFigureOut">
               <a:rPr lang="de-AT" smtClean="0"/>
-              <a:t>06.12.2022</a:t>
+              <a:t>08.12.2022</a:t>
             </a:fld>
             <a:endParaRPr lang="de-AT"/>
           </a:p>
@@ -2843,7 +2981,7 @@
           <a:p>
             <a:fld id="{6510C8EE-8F42-4D7D-A368-E9EFA8FE638A}" type="slidenum">
               <a:rPr lang="de-AT" smtClean="0"/>
-              <a:t>‹Nr.›</a:t>
+              <a:t>‹#›</a:t>
             </a:fld>
             <a:endParaRPr lang="de-AT"/>
           </a:p>
@@ -3032,7 +3170,7 @@
           <a:p>
             <a:fld id="{BEE95682-5D6A-47FC-87E3-D350DC45A65C}" type="datetimeFigureOut">
               <a:rPr lang="de-AT" smtClean="0"/>
-              <a:t>06.12.2022</a:t>
+              <a:t>08.12.2022</a:t>
             </a:fld>
             <a:endParaRPr lang="de-AT"/>
           </a:p>
@@ -3122,7 +3260,7 @@
           <a:p>
             <a:fld id="{6510C8EE-8F42-4D7D-A368-E9EFA8FE638A}" type="slidenum">
               <a:rPr lang="de-AT" smtClean="0"/>
-              <a:t>‹Nr.›</a:t>
+              <a:t>‹#›</a:t>
             </a:fld>
             <a:endParaRPr lang="de-AT"/>
           </a:p>
@@ -3810,33 +3948,39 @@
             <p:ph type="title"/>
           </p:nvPr>
         </p:nvSpPr>
-        <p:spPr/>
-        <p:txBody>
-          <a:bodyPr/>
-          <a:lstStyle/>
-          <a:p>
+        <p:spPr>
+          <a:xfrm>
+            <a:off x="838200" y="365125"/>
+            <a:ext cx="10515600" cy="1069699"/>
+          </a:xfrm>
+        </p:spPr>
+        <p:txBody>
+          <a:bodyPr>
+            <a:normAutofit/>
+          </a:bodyPr>
+          <a:lstStyle/>
+          <a:p>
+            <a:r>
+              <a:rPr lang="de-AT" dirty="0"/>
+              <a:t>Health Care </a:t>
+            </a:r>
             <a:r>
               <a:rPr lang="de-AT" dirty="0" err="1"/>
-              <a:t>Some</a:t>
+              <a:t>Expenditure</a:t>
             </a:r>
             <a:r>
               <a:rPr lang="de-AT" dirty="0"/>
               <a:t> </a:t>
             </a:r>
-            <a:r>
-              <a:rPr lang="de-AT" dirty="0" err="1"/>
-              <a:t>Insights</a:t>
-            </a:r>
-            <a:endParaRPr lang="de-AT" dirty="0"/>
           </a:p>
         </p:txBody>
       </p:sp>
       <p:pic>
         <p:nvPicPr>
-          <p:cNvPr id="7" name="Inhaltsplatzhalter 6" descr="Ein Bild, das Karte enthält.&#10;&#10;Automatisch generierte Beschreibung">
-            <a:extLst>
-              <a:ext uri="{FF2B5EF4-FFF2-40B4-BE49-F238E27FC236}">
-                <a16:creationId xmlns:a16="http://schemas.microsoft.com/office/drawing/2014/main" id="{9521CA76-D2FC-FD89-E92F-E3FD781CDF8C}"/>
+          <p:cNvPr id="6" name="Content Placeholder 5" descr="Map&#10;&#10;Description automatically generated">
+            <a:extLst>
+              <a:ext uri="{FF2B5EF4-FFF2-40B4-BE49-F238E27FC236}">
+                <a16:creationId xmlns:a16="http://schemas.microsoft.com/office/drawing/2014/main" id="{4A9A1D75-DD23-B93B-B160-7A8A272651A1}"/>
               </a:ext>
             </a:extLst>
           </p:cNvPr>
@@ -3861,17 +4005,17 @@
         </p:blipFill>
         <p:spPr>
           <a:xfrm>
-            <a:off x="6453120" y="1845003"/>
-            <a:ext cx="4846892" cy="3231261"/>
+            <a:off x="399603" y="1838584"/>
+            <a:ext cx="5466503" cy="3584592"/>
           </a:xfrm>
         </p:spPr>
       </p:pic>
       <p:pic>
         <p:nvPicPr>
-          <p:cNvPr id="9" name="Grafik 8" descr="Ein Bild, das Karte enthält.&#10;&#10;Automatisch generierte Beschreibung">
-            <a:extLst>
-              <a:ext uri="{FF2B5EF4-FFF2-40B4-BE49-F238E27FC236}">
-                <a16:creationId xmlns:a16="http://schemas.microsoft.com/office/drawing/2014/main" id="{82D1CDFC-A0B2-1B4C-7055-7A793A94F19A}"/>
+          <p:cNvPr id="10" name="Picture 9" descr="Map&#10;&#10;Description automatically generated">
+            <a:extLst>
+              <a:ext uri="{FF2B5EF4-FFF2-40B4-BE49-F238E27FC236}">
+                <a16:creationId xmlns:a16="http://schemas.microsoft.com/office/drawing/2014/main" id="{8B254128-88B0-A85E-31ED-EB4915134844}"/>
               </a:ext>
             </a:extLst>
           </p:cNvPr>
@@ -3894,8 +4038,8 @@
         </p:blipFill>
         <p:spPr>
           <a:xfrm>
-            <a:off x="838200" y="1845003"/>
-            <a:ext cx="4831189" cy="3167993"/>
+            <a:off x="6325894" y="1838584"/>
+            <a:ext cx="5466503" cy="3584592"/>
           </a:xfrm>
           <a:prstGeom prst="rect">
             <a:avLst/>
@@ -3916,6 +4060,215 @@
 </file>
 
 <file path=ppt/slides/slide6.xml><?xml version="1.0" encoding="utf-8"?>
+<p:sld xmlns:a="http://schemas.openxmlformats.org/drawingml/2006/main" xmlns:r="http://schemas.openxmlformats.org/officeDocument/2006/relationships" xmlns:p="http://schemas.openxmlformats.org/presentationml/2006/main">
+  <p:cSld>
+    <p:spTree>
+      <p:nvGrpSpPr>
+        <p:cNvPr id="1" name=""/>
+        <p:cNvGrpSpPr/>
+        <p:nvPr/>
+      </p:nvGrpSpPr>
+      <p:grpSpPr>
+        <a:xfrm>
+          <a:off x="0" y="0"/>
+          <a:ext cx="0" cy="0"/>
+          <a:chOff x="0" y="0"/>
+          <a:chExt cx="0" cy="0"/>
+        </a:xfrm>
+      </p:grpSpPr>
+      <p:sp>
+        <p:nvSpPr>
+          <p:cNvPr id="2" name="Title 1">
+            <a:extLst>
+              <a:ext uri="{FF2B5EF4-FFF2-40B4-BE49-F238E27FC236}">
+                <a16:creationId xmlns:a16="http://schemas.microsoft.com/office/drawing/2014/main" id="{DC37769C-68EF-9A16-5E91-B24068F361C9}"/>
+              </a:ext>
+            </a:extLst>
+          </p:cNvPr>
+          <p:cNvSpPr>
+            <a:spLocks noGrp="1"/>
+          </p:cNvSpPr>
+          <p:nvPr>
+            <p:ph type="title"/>
+          </p:nvPr>
+        </p:nvSpPr>
+        <p:spPr>
+          <a:xfrm>
+            <a:off x="838200" y="188536"/>
+            <a:ext cx="10515600" cy="546755"/>
+          </a:xfrm>
+        </p:spPr>
+        <p:txBody>
+          <a:bodyPr>
+            <a:normAutofit fontScale="90000"/>
+          </a:bodyPr>
+          <a:lstStyle/>
+          <a:p>
+            <a:r>
+              <a:rPr lang="de-AT" dirty="0"/>
+              <a:t>Air Pollution Variables</a:t>
+            </a:r>
+            <a:endParaRPr lang="en-US" dirty="0"/>
+          </a:p>
+        </p:txBody>
+      </p:sp>
+      <p:pic>
+        <p:nvPicPr>
+          <p:cNvPr id="5" name="Content Placeholder 4" descr="Map&#10;&#10;Description automatically generated">
+            <a:extLst>
+              <a:ext uri="{FF2B5EF4-FFF2-40B4-BE49-F238E27FC236}">
+                <a16:creationId xmlns:a16="http://schemas.microsoft.com/office/drawing/2014/main" id="{D76316F5-A838-6E95-1436-72DF1A107EE9}"/>
+              </a:ext>
+            </a:extLst>
+          </p:cNvPr>
+          <p:cNvPicPr>
+            <a:picLocks noGrp="1" noChangeAspect="1"/>
+          </p:cNvPicPr>
+          <p:nvPr>
+            <p:ph idx="1"/>
+          </p:nvPr>
+        </p:nvPicPr>
+        <p:blipFill>
+          <a:blip r:embed="rId2">
+            <a:extLst>
+              <a:ext uri="{28A0092B-C50C-407E-A947-70E740481C1C}">
+                <a14:useLocalDpi xmlns:a14="http://schemas.microsoft.com/office/drawing/2010/main" val="0"/>
+              </a:ext>
+            </a:extLst>
+          </a:blip>
+          <a:stretch>
+            <a:fillRect/>
+          </a:stretch>
+        </p:blipFill>
+        <p:spPr>
+          <a:xfrm>
+            <a:off x="1655445" y="833679"/>
+            <a:ext cx="4223661" cy="2769614"/>
+          </a:xfrm>
+        </p:spPr>
+      </p:pic>
+      <p:pic>
+        <p:nvPicPr>
+          <p:cNvPr id="7" name="Picture 6" descr="Map&#10;&#10;Description automatically generated">
+            <a:extLst>
+              <a:ext uri="{FF2B5EF4-FFF2-40B4-BE49-F238E27FC236}">
+                <a16:creationId xmlns:a16="http://schemas.microsoft.com/office/drawing/2014/main" id="{5DD166CD-E351-9B26-70A0-4BB200405238}"/>
+              </a:ext>
+            </a:extLst>
+          </p:cNvPr>
+          <p:cNvPicPr>
+            <a:picLocks noChangeAspect="1"/>
+          </p:cNvPicPr>
+          <p:nvPr/>
+        </p:nvPicPr>
+        <p:blipFill>
+          <a:blip r:embed="rId3">
+            <a:extLst>
+              <a:ext uri="{28A0092B-C50C-407E-A947-70E740481C1C}">
+                <a14:useLocalDpi xmlns:a14="http://schemas.microsoft.com/office/drawing/2010/main" val="0"/>
+              </a:ext>
+            </a:extLst>
+          </a:blip>
+          <a:stretch>
+            <a:fillRect/>
+          </a:stretch>
+        </p:blipFill>
+        <p:spPr>
+          <a:xfrm>
+            <a:off x="1655445" y="3814802"/>
+            <a:ext cx="4223661" cy="2769614"/>
+          </a:xfrm>
+          <a:prstGeom prst="rect">
+            <a:avLst/>
+          </a:prstGeom>
+        </p:spPr>
+      </p:pic>
+      <p:pic>
+        <p:nvPicPr>
+          <p:cNvPr id="9" name="Picture 8" descr="Map&#10;&#10;Description automatically generated">
+            <a:extLst>
+              <a:ext uri="{FF2B5EF4-FFF2-40B4-BE49-F238E27FC236}">
+                <a16:creationId xmlns:a16="http://schemas.microsoft.com/office/drawing/2014/main" id="{8053750D-0D1D-54F5-4CE8-C1C811BBEE0B}"/>
+              </a:ext>
+            </a:extLst>
+          </p:cNvPr>
+          <p:cNvPicPr>
+            <a:picLocks noChangeAspect="1"/>
+          </p:cNvPicPr>
+          <p:nvPr/>
+        </p:nvPicPr>
+        <p:blipFill>
+          <a:blip r:embed="rId4">
+            <a:extLst>
+              <a:ext uri="{28A0092B-C50C-407E-A947-70E740481C1C}">
+                <a14:useLocalDpi xmlns:a14="http://schemas.microsoft.com/office/drawing/2010/main" val="0"/>
+              </a:ext>
+            </a:extLst>
+          </a:blip>
+          <a:stretch>
+            <a:fillRect/>
+          </a:stretch>
+        </p:blipFill>
+        <p:spPr>
+          <a:xfrm>
+            <a:off x="6206849" y="833680"/>
+            <a:ext cx="4223662" cy="2769614"/>
+          </a:xfrm>
+          <a:prstGeom prst="rect">
+            <a:avLst/>
+          </a:prstGeom>
+        </p:spPr>
+      </p:pic>
+      <p:pic>
+        <p:nvPicPr>
+          <p:cNvPr id="11" name="Picture 10" descr="Map&#10;&#10;Description automatically generated">
+            <a:extLst>
+              <a:ext uri="{FF2B5EF4-FFF2-40B4-BE49-F238E27FC236}">
+                <a16:creationId xmlns:a16="http://schemas.microsoft.com/office/drawing/2014/main" id="{2F00AB17-2E70-086E-7F28-F406FA958DC3}"/>
+              </a:ext>
+            </a:extLst>
+          </p:cNvPr>
+          <p:cNvPicPr>
+            <a:picLocks noChangeAspect="1"/>
+          </p:cNvPicPr>
+          <p:nvPr/>
+        </p:nvPicPr>
+        <p:blipFill>
+          <a:blip r:embed="rId5">
+            <a:extLst>
+              <a:ext uri="{28A0092B-C50C-407E-A947-70E740481C1C}">
+                <a14:useLocalDpi xmlns:a14="http://schemas.microsoft.com/office/drawing/2010/main" val="0"/>
+              </a:ext>
+            </a:extLst>
+          </a:blip>
+          <a:stretch>
+            <a:fillRect/>
+          </a:stretch>
+        </p:blipFill>
+        <p:spPr>
+          <a:xfrm>
+            <a:off x="6206849" y="3842875"/>
+            <a:ext cx="4180850" cy="2741541"/>
+          </a:xfrm>
+          <a:prstGeom prst="rect">
+            <a:avLst/>
+          </a:prstGeom>
+        </p:spPr>
+      </p:pic>
+    </p:spTree>
+    <p:extLst>
+      <p:ext uri="{BB962C8B-B14F-4D97-AF65-F5344CB8AC3E}">
+        <p14:creationId xmlns:p14="http://schemas.microsoft.com/office/powerpoint/2010/main" val="3681023647"/>
+      </p:ext>
+    </p:extLst>
+  </p:cSld>
+  <p:clrMapOvr>
+    <a:masterClrMapping/>
+  </p:clrMapOvr>
+</p:sld>
+</file>
+
+<file path=ppt/slides/slide7.xml><?xml version="1.0" encoding="utf-8"?>
 <p:sld xmlns:a="http://schemas.openxmlformats.org/drawingml/2006/main" xmlns:r="http://schemas.openxmlformats.org/officeDocument/2006/relationships" xmlns:p="http://schemas.openxmlformats.org/presentationml/2006/main">
   <p:cSld>
     <p:spTree>

--- a/Presentations/First Presentation/midterm_presentation.pptx
+++ b/Presentations/First Presentation/midterm_presentation.pptx
@@ -131,12 +131,27 @@
   <pc:docChgLst>
     <pc:chgData name="Fabian Blasch" userId="91b698f49155f71e" providerId="LiveId" clId="{7AC47B72-C765-4CFF-BD64-A38374DB7393}"/>
     <pc:docChg chg="custSel addSld modSld">
-      <pc:chgData name="Fabian Blasch" userId="91b698f49155f71e" providerId="LiveId" clId="{7AC47B72-C765-4CFF-BD64-A38374DB7393}" dt="2022-12-08T11:36:52.316" v="153" actId="1076"/>
+      <pc:chgData name="Fabian Blasch" userId="91b698f49155f71e" providerId="LiveId" clId="{7AC47B72-C765-4CFF-BD64-A38374DB7393}" dt="2022-12-08T11:53:43.652" v="228" actId="20577"/>
       <pc:docMkLst>
         <pc:docMk/>
       </pc:docMkLst>
+      <pc:sldChg chg="modSp mod">
+        <pc:chgData name="Fabian Blasch" userId="91b698f49155f71e" providerId="LiveId" clId="{7AC47B72-C765-4CFF-BD64-A38374DB7393}" dt="2022-12-08T11:53:43.652" v="228" actId="20577"/>
+        <pc:sldMkLst>
+          <pc:docMk/>
+          <pc:sldMk cId="3629649981" sldId="259"/>
+        </pc:sldMkLst>
+        <pc:spChg chg="mod">
+          <ac:chgData name="Fabian Blasch" userId="91b698f49155f71e" providerId="LiveId" clId="{7AC47B72-C765-4CFF-BD64-A38374DB7393}" dt="2022-12-08T11:53:43.652" v="228" actId="20577"/>
+          <ac:spMkLst>
+            <pc:docMk/>
+            <pc:sldMk cId="3629649981" sldId="259"/>
+            <ac:spMk id="3" creationId="{96AC0CC4-0001-CB02-8FE5-BB5C661A5E38}"/>
+          </ac:spMkLst>
+        </pc:spChg>
+      </pc:sldChg>
       <pc:sldChg chg="addSp delSp modSp mod">
-        <pc:chgData name="Fabian Blasch" userId="91b698f49155f71e" providerId="LiveId" clId="{7AC47B72-C765-4CFF-BD64-A38374DB7393}" dt="2022-12-08T11:20:40.055" v="61" actId="20577"/>
+        <pc:chgData name="Fabian Blasch" userId="91b698f49155f71e" providerId="LiveId" clId="{7AC47B72-C765-4CFF-BD64-A38374DB7393}" dt="2022-12-08T11:48:06.722" v="163" actId="14100"/>
         <pc:sldMkLst>
           <pc:docMk/>
           <pc:sldMk cId="1115239791" sldId="260"/>
@@ -158,7 +173,7 @@
           </ac:spMkLst>
         </pc:spChg>
         <pc:picChg chg="add mod">
-          <ac:chgData name="Fabian Blasch" userId="91b698f49155f71e" providerId="LiveId" clId="{7AC47B72-C765-4CFF-BD64-A38374DB7393}" dt="2022-12-08T11:19:54.703" v="15" actId="1076"/>
+          <ac:chgData name="Fabian Blasch" userId="91b698f49155f71e" providerId="LiveId" clId="{7AC47B72-C765-4CFF-BD64-A38374DB7393}" dt="2022-12-08T11:48:06.722" v="163" actId="14100"/>
           <ac:picMkLst>
             <pc:docMk/>
             <pc:sldMk cId="1115239791" sldId="260"/>
@@ -182,7 +197,7 @@
           </ac:picMkLst>
         </pc:picChg>
         <pc:picChg chg="add mod">
-          <ac:chgData name="Fabian Blasch" userId="91b698f49155f71e" providerId="LiveId" clId="{7AC47B72-C765-4CFF-BD64-A38374DB7393}" dt="2022-12-08T11:20:00.724" v="18" actId="1076"/>
+          <ac:chgData name="Fabian Blasch" userId="91b698f49155f71e" providerId="LiveId" clId="{7AC47B72-C765-4CFF-BD64-A38374DB7393}" dt="2022-12-08T11:48:05.074" v="162" actId="14100"/>
           <ac:picMkLst>
             <pc:docMk/>
             <pc:sldMk cId="1115239791" sldId="260"/>
@@ -191,7 +206,7 @@
         </pc:picChg>
       </pc:sldChg>
       <pc:sldChg chg="addSp delSp modSp new mod">
-        <pc:chgData name="Fabian Blasch" userId="91b698f49155f71e" providerId="LiveId" clId="{7AC47B72-C765-4CFF-BD64-A38374DB7393}" dt="2022-12-08T11:36:52.316" v="153" actId="1076"/>
+        <pc:chgData name="Fabian Blasch" userId="91b698f49155f71e" providerId="LiveId" clId="{7AC47B72-C765-4CFF-BD64-A38374DB7393}" dt="2022-12-08T11:43:55.162" v="160" actId="14100"/>
         <pc:sldMkLst>
           <pc:docMk/>
           <pc:sldMk cId="3681023647" sldId="262"/>
@@ -213,7 +228,7 @@
           </ac:spMkLst>
         </pc:spChg>
         <pc:picChg chg="add mod">
-          <ac:chgData name="Fabian Blasch" userId="91b698f49155f71e" providerId="LiveId" clId="{7AC47B72-C765-4CFF-BD64-A38374DB7393}" dt="2022-12-08T11:36:52.316" v="153" actId="1076"/>
+          <ac:chgData name="Fabian Blasch" userId="91b698f49155f71e" providerId="LiveId" clId="{7AC47B72-C765-4CFF-BD64-A38374DB7393}" dt="2022-12-08T11:43:38.429" v="154" actId="14100"/>
           <ac:picMkLst>
             <pc:docMk/>
             <pc:sldMk cId="3681023647" sldId="262"/>
@@ -221,7 +236,7 @@
           </ac:picMkLst>
         </pc:picChg>
         <pc:picChg chg="add mod">
-          <ac:chgData name="Fabian Blasch" userId="91b698f49155f71e" providerId="LiveId" clId="{7AC47B72-C765-4CFF-BD64-A38374DB7393}" dt="2022-12-08T11:36:52.316" v="153" actId="1076"/>
+          <ac:chgData name="Fabian Blasch" userId="91b698f49155f71e" providerId="LiveId" clId="{7AC47B72-C765-4CFF-BD64-A38374DB7393}" dt="2022-12-08T11:43:50.103" v="158" actId="14100"/>
           <ac:picMkLst>
             <pc:docMk/>
             <pc:sldMk cId="3681023647" sldId="262"/>
@@ -229,7 +244,7 @@
           </ac:picMkLst>
         </pc:picChg>
         <pc:picChg chg="add mod">
-          <ac:chgData name="Fabian Blasch" userId="91b698f49155f71e" providerId="LiveId" clId="{7AC47B72-C765-4CFF-BD64-A38374DB7393}" dt="2022-12-08T11:36:52.316" v="153" actId="1076"/>
+          <ac:chgData name="Fabian Blasch" userId="91b698f49155f71e" providerId="LiveId" clId="{7AC47B72-C765-4CFF-BD64-A38374DB7393}" dt="2022-12-08T11:43:41.323" v="155" actId="14100"/>
           <ac:picMkLst>
             <pc:docMk/>
             <pc:sldMk cId="3681023647" sldId="262"/>
@@ -237,7 +252,7 @@
           </ac:picMkLst>
         </pc:picChg>
         <pc:picChg chg="add mod">
-          <ac:chgData name="Fabian Blasch" userId="91b698f49155f71e" providerId="LiveId" clId="{7AC47B72-C765-4CFF-BD64-A38374DB7393}" dt="2022-12-08T11:36:52.316" v="153" actId="1076"/>
+          <ac:chgData name="Fabian Blasch" userId="91b698f49155f71e" providerId="LiveId" clId="{7AC47B72-C765-4CFF-BD64-A38374DB7393}" dt="2022-12-08T11:43:55.162" v="160" actId="14100"/>
           <ac:picMkLst>
             <pc:docMk/>
             <pc:sldMk cId="3681023647" sldId="262"/>
@@ -3644,7 +3659,7 @@
           <a:bodyPr/>
           <a:lstStyle/>
           <a:p>
-            <a:endParaRPr lang="de-AT"/>
+            <a:endParaRPr lang="de-AT" dirty="0"/>
           </a:p>
         </p:txBody>
       </p:sp>
@@ -3898,6 +3913,23 @@
           <a:bodyPr/>
           <a:lstStyle/>
           <a:p>
+            <a:r>
+              <a:rPr lang="de-AT" dirty="0"/>
+              <a:t>Mention source</a:t>
+            </a:r>
+          </a:p>
+          <a:p>
+            <a:r>
+              <a:rPr lang="de-AT" dirty="0"/>
+              <a:t>Mention </a:t>
+            </a:r>
+            <a:r>
+              <a:rPr lang="de-AT" dirty="0" err="1"/>
+              <a:t>controls</a:t>
+            </a:r>
+            <a:endParaRPr lang="de-AT"/>
+          </a:p>
+          <a:p>
             <a:endParaRPr lang="de-AT"/>
           </a:p>
         </p:txBody>
@@ -4005,8 +4037,8 @@
         </p:blipFill>
         <p:spPr>
           <a:xfrm>
-            <a:off x="399603" y="1838584"/>
-            <a:ext cx="5466503" cy="3584592"/>
+            <a:off x="399603" y="1728132"/>
+            <a:ext cx="5634942" cy="3695044"/>
           </a:xfrm>
         </p:spPr>
       </p:pic>
@@ -4038,8 +4070,8 @@
         </p:blipFill>
         <p:spPr>
           <a:xfrm>
-            <a:off x="6325894" y="1838584"/>
-            <a:ext cx="5466503" cy="3584592"/>
+            <a:off x="6157455" y="1728132"/>
+            <a:ext cx="5634942" cy="3695044"/>
           </a:xfrm>
           <a:prstGeom prst="rect">
             <a:avLst/>
@@ -4143,7 +4175,7 @@
         <p:spPr>
           <a:xfrm>
             <a:off x="1655445" y="833679"/>
-            <a:ext cx="4223661" cy="2769614"/>
+            <a:ext cx="4329707" cy="2769614"/>
           </a:xfrm>
         </p:spPr>
       </p:pic>
@@ -4175,8 +4207,8 @@
         </p:blipFill>
         <p:spPr>
           <a:xfrm>
-            <a:off x="1655445" y="3814802"/>
-            <a:ext cx="4223661" cy="2769614"/>
+            <a:off x="1655445" y="3701681"/>
+            <a:ext cx="4329707" cy="2882735"/>
           </a:xfrm>
           <a:prstGeom prst="rect">
             <a:avLst/>
@@ -4211,8 +4243,8 @@
         </p:blipFill>
         <p:spPr>
           <a:xfrm>
-            <a:off x="6206849" y="833680"/>
-            <a:ext cx="4223662" cy="2769614"/>
+            <a:off x="6096000" y="833680"/>
+            <a:ext cx="4334511" cy="2769614"/>
           </a:xfrm>
           <a:prstGeom prst="rect">
             <a:avLst/>
@@ -4247,8 +4279,8 @@
         </p:blipFill>
         <p:spPr>
           <a:xfrm>
-            <a:off x="6206849" y="3842875"/>
-            <a:ext cx="4180850" cy="2741541"/>
+            <a:off x="6096000" y="3701681"/>
+            <a:ext cx="4329707" cy="2882735"/>
           </a:xfrm>
           <a:prstGeom prst="rect">
             <a:avLst/>

--- a/Presentations/First Presentation/midterm_presentation.pptx
+++ b/Presentations/First Presentation/midterm_presentation.pptx
@@ -121,7 +121,7 @@
 <file path=ppt/revisionInfo.xml><?xml version="1.0" encoding="utf-8"?>
 <p1510:revInfo xmlns:a="http://schemas.openxmlformats.org/drawingml/2006/main" xmlns:r="http://schemas.openxmlformats.org/officeDocument/2006/relationships" xmlns:p1510="http://schemas.microsoft.com/office/powerpoint/2015/10/main">
   <p1510:revLst>
-    <p1510:client id="{7AC47B72-C765-4CFF-BD64-A38374DB7393}" v="2" dt="2022-12-08T11:34:11.424"/>
+    <p1510:client id="{7AC47B72-C765-4CFF-BD64-A38374DB7393}" v="7" dt="2022-12-08T15:37:13.398"/>
   </p1510:revLst>
 </p1510:revInfo>
 </file>
@@ -130,8 +130,8 @@
 <pc:chgInfo xmlns:a="http://schemas.openxmlformats.org/drawingml/2006/main" xmlns:r="http://schemas.openxmlformats.org/officeDocument/2006/relationships" xmlns:ac="http://schemas.microsoft.com/office/drawing/2013/main/command" xmlns:pc="http://schemas.microsoft.com/office/powerpoint/2013/main/command">
   <pc:docChgLst>
     <pc:chgData name="Fabian Blasch" userId="91b698f49155f71e" providerId="LiveId" clId="{7AC47B72-C765-4CFF-BD64-A38374DB7393}"/>
-    <pc:docChg chg="custSel addSld modSld">
-      <pc:chgData name="Fabian Blasch" userId="91b698f49155f71e" providerId="LiveId" clId="{7AC47B72-C765-4CFF-BD64-A38374DB7393}" dt="2022-12-08T11:53:43.652" v="228" actId="20577"/>
+    <pc:docChg chg="undo custSel addSld modSld">
+      <pc:chgData name="Fabian Blasch" userId="91b698f49155f71e" providerId="LiveId" clId="{7AC47B72-C765-4CFF-BD64-A38374DB7393}" dt="2022-12-08T15:38:21.834" v="347" actId="1076"/>
       <pc:docMkLst>
         <pc:docMk/>
       </pc:docMkLst>
@@ -151,7 +151,7 @@
         </pc:spChg>
       </pc:sldChg>
       <pc:sldChg chg="addSp delSp modSp mod">
-        <pc:chgData name="Fabian Blasch" userId="91b698f49155f71e" providerId="LiveId" clId="{7AC47B72-C765-4CFF-BD64-A38374DB7393}" dt="2022-12-08T11:48:06.722" v="163" actId="14100"/>
+        <pc:chgData name="Fabian Blasch" userId="91b698f49155f71e" providerId="LiveId" clId="{7AC47B72-C765-4CFF-BD64-A38374DB7393}" dt="2022-12-08T15:37:51.829" v="341" actId="1076"/>
         <pc:sldMkLst>
           <pc:docMk/>
           <pc:sldMk cId="1115239791" sldId="260"/>
@@ -172,12 +172,28 @@
             <ac:spMk id="4" creationId="{62296B21-EEEA-F327-1881-CC5513D6EB1A}"/>
           </ac:spMkLst>
         </pc:spChg>
-        <pc:picChg chg="add mod">
-          <ac:chgData name="Fabian Blasch" userId="91b698f49155f71e" providerId="LiveId" clId="{7AC47B72-C765-4CFF-BD64-A38374DB7393}" dt="2022-12-08T11:48:06.722" v="163" actId="14100"/>
+        <pc:spChg chg="add del mod">
+          <ac:chgData name="Fabian Blasch" userId="91b698f49155f71e" providerId="LiveId" clId="{7AC47B72-C765-4CFF-BD64-A38374DB7393}" dt="2022-12-08T15:22:04.784" v="238" actId="478"/>
+          <ac:spMkLst>
+            <pc:docMk/>
+            <pc:sldMk cId="1115239791" sldId="260"/>
+            <ac:spMk id="4" creationId="{E62A50AB-DE97-DB62-C227-0801D9445A00}"/>
+          </ac:spMkLst>
+        </pc:spChg>
+        <pc:picChg chg="add del mod">
+          <ac:chgData name="Fabian Blasch" userId="91b698f49155f71e" providerId="LiveId" clId="{7AC47B72-C765-4CFF-BD64-A38374DB7393}" dt="2022-12-08T15:21:58.517" v="235" actId="478"/>
           <ac:picMkLst>
             <pc:docMk/>
             <pc:sldMk cId="1115239791" sldId="260"/>
             <ac:picMk id="6" creationId="{4A9A1D75-DD23-B93B-B160-7A8A272651A1}"/>
+          </ac:picMkLst>
+        </pc:picChg>
+        <pc:picChg chg="add del mod">
+          <ac:chgData name="Fabian Blasch" userId="91b698f49155f71e" providerId="LiveId" clId="{7AC47B72-C765-4CFF-BD64-A38374DB7393}" dt="2022-12-08T15:22:10.656" v="242" actId="478"/>
+          <ac:picMkLst>
+            <pc:docMk/>
+            <pc:sldMk cId="1115239791" sldId="260"/>
+            <ac:picMk id="7" creationId="{38FF035A-386D-AA33-963A-82A241AD63B6}"/>
           </ac:picMkLst>
         </pc:picChg>
         <pc:picChg chg="del">
@@ -197,16 +213,40 @@
           </ac:picMkLst>
         </pc:picChg>
         <pc:picChg chg="add mod">
-          <ac:chgData name="Fabian Blasch" userId="91b698f49155f71e" providerId="LiveId" clId="{7AC47B72-C765-4CFF-BD64-A38374DB7393}" dt="2022-12-08T11:48:05.074" v="162" actId="14100"/>
+          <ac:chgData name="Fabian Blasch" userId="91b698f49155f71e" providerId="LiveId" clId="{7AC47B72-C765-4CFF-BD64-A38374DB7393}" dt="2022-12-08T15:37:51.829" v="341" actId="1076"/>
+          <ac:picMkLst>
+            <pc:docMk/>
+            <pc:sldMk cId="1115239791" sldId="260"/>
+            <ac:picMk id="9" creationId="{F1464DD4-F25B-EC02-469A-8B4B49F88659}"/>
+          </ac:picMkLst>
+        </pc:picChg>
+        <pc:picChg chg="add del mod">
+          <ac:chgData name="Fabian Blasch" userId="91b698f49155f71e" providerId="LiveId" clId="{7AC47B72-C765-4CFF-BD64-A38374DB7393}" dt="2022-12-08T15:22:02.333" v="237" actId="478"/>
           <ac:picMkLst>
             <pc:docMk/>
             <pc:sldMk cId="1115239791" sldId="260"/>
             <ac:picMk id="10" creationId="{8B254128-88B0-A85E-31ED-EB4915134844}"/>
           </ac:picMkLst>
         </pc:picChg>
+        <pc:picChg chg="add del mod">
+          <ac:chgData name="Fabian Blasch" userId="91b698f49155f71e" providerId="LiveId" clId="{7AC47B72-C765-4CFF-BD64-A38374DB7393}" dt="2022-12-08T15:23:04.005" v="251" actId="478"/>
+          <ac:picMkLst>
+            <pc:docMk/>
+            <pc:sldMk cId="1115239791" sldId="260"/>
+            <ac:picMk id="12" creationId="{155C111E-660B-B02F-3907-2247C66C2CE7}"/>
+          </ac:picMkLst>
+        </pc:picChg>
+        <pc:picChg chg="add mod">
+          <ac:chgData name="Fabian Blasch" userId="91b698f49155f71e" providerId="LiveId" clId="{7AC47B72-C765-4CFF-BD64-A38374DB7393}" dt="2022-12-08T15:37:47.916" v="340" actId="1076"/>
+          <ac:picMkLst>
+            <pc:docMk/>
+            <pc:sldMk cId="1115239791" sldId="260"/>
+            <ac:picMk id="14" creationId="{A320B7F0-7DC6-B184-7A98-F728C37D909B}"/>
+          </ac:picMkLst>
+        </pc:picChg>
       </pc:sldChg>
       <pc:sldChg chg="addSp delSp modSp new mod">
-        <pc:chgData name="Fabian Blasch" userId="91b698f49155f71e" providerId="LiveId" clId="{7AC47B72-C765-4CFF-BD64-A38374DB7393}" dt="2022-12-08T11:43:55.162" v="160" actId="14100"/>
+        <pc:chgData name="Fabian Blasch" userId="91b698f49155f71e" providerId="LiveId" clId="{7AC47B72-C765-4CFF-BD64-A38374DB7393}" dt="2022-12-08T15:38:21.834" v="347" actId="1076"/>
         <pc:sldMkLst>
           <pc:docMk/>
           <pc:sldMk cId="3681023647" sldId="262"/>
@@ -227,16 +267,24 @@
             <ac:spMk id="3" creationId="{903288DA-768A-D752-8D6B-B654D149E504}"/>
           </ac:spMkLst>
         </pc:spChg>
-        <pc:picChg chg="add mod">
-          <ac:chgData name="Fabian Blasch" userId="91b698f49155f71e" providerId="LiveId" clId="{7AC47B72-C765-4CFF-BD64-A38374DB7393}" dt="2022-12-08T11:43:38.429" v="154" actId="14100"/>
+        <pc:spChg chg="add del mod">
+          <ac:chgData name="Fabian Blasch" userId="91b698f49155f71e" providerId="LiveId" clId="{7AC47B72-C765-4CFF-BD64-A38374DB7393}" dt="2022-12-08T15:23:27.969" v="252" actId="931"/>
+          <ac:spMkLst>
+            <pc:docMk/>
+            <pc:sldMk cId="3681023647" sldId="262"/>
+            <ac:spMk id="4" creationId="{CBA9E2C5-C9DE-6207-23C9-0E2EB253B425}"/>
+          </ac:spMkLst>
+        </pc:spChg>
+        <pc:picChg chg="add del mod">
+          <ac:chgData name="Fabian Blasch" userId="91b698f49155f71e" providerId="LiveId" clId="{7AC47B72-C765-4CFF-BD64-A38374DB7393}" dt="2022-12-08T15:21:40.251" v="234" actId="478"/>
           <ac:picMkLst>
             <pc:docMk/>
             <pc:sldMk cId="3681023647" sldId="262"/>
             <ac:picMk id="5" creationId="{D76316F5-A838-6E95-1436-72DF1A107EE9}"/>
           </ac:picMkLst>
         </pc:picChg>
-        <pc:picChg chg="add mod">
-          <ac:chgData name="Fabian Blasch" userId="91b698f49155f71e" providerId="LiveId" clId="{7AC47B72-C765-4CFF-BD64-A38374DB7393}" dt="2022-12-08T11:43:50.103" v="158" actId="14100"/>
+        <pc:picChg chg="add del mod">
+          <ac:chgData name="Fabian Blasch" userId="91b698f49155f71e" providerId="LiveId" clId="{7AC47B72-C765-4CFF-BD64-A38374DB7393}" dt="2022-12-08T15:21:40.251" v="234" actId="478"/>
           <ac:picMkLst>
             <pc:docMk/>
             <pc:sldMk cId="3681023647" sldId="262"/>
@@ -244,19 +292,43 @@
           </ac:picMkLst>
         </pc:picChg>
         <pc:picChg chg="add mod">
-          <ac:chgData name="Fabian Blasch" userId="91b698f49155f71e" providerId="LiveId" clId="{7AC47B72-C765-4CFF-BD64-A38374DB7393}" dt="2022-12-08T11:43:41.323" v="155" actId="14100"/>
+          <ac:chgData name="Fabian Blasch" userId="91b698f49155f71e" providerId="LiveId" clId="{7AC47B72-C765-4CFF-BD64-A38374DB7393}" dt="2022-12-08T15:38:11.925" v="345" actId="14100"/>
+          <ac:picMkLst>
+            <pc:docMk/>
+            <pc:sldMk cId="3681023647" sldId="262"/>
+            <ac:picMk id="8" creationId="{C07C83C7-1419-5770-B086-6DEA6DAF3552}"/>
+          </ac:picMkLst>
+        </pc:picChg>
+        <pc:picChg chg="add del mod">
+          <ac:chgData name="Fabian Blasch" userId="91b698f49155f71e" providerId="LiveId" clId="{7AC47B72-C765-4CFF-BD64-A38374DB7393}" dt="2022-12-08T15:21:40.251" v="234" actId="478"/>
           <ac:picMkLst>
             <pc:docMk/>
             <pc:sldMk cId="3681023647" sldId="262"/>
             <ac:picMk id="9" creationId="{8053750D-0D1D-54F5-4CE8-C1C811BBEE0B}"/>
           </ac:picMkLst>
         </pc:picChg>
-        <pc:picChg chg="add mod">
-          <ac:chgData name="Fabian Blasch" userId="91b698f49155f71e" providerId="LiveId" clId="{7AC47B72-C765-4CFF-BD64-A38374DB7393}" dt="2022-12-08T11:43:55.162" v="160" actId="14100"/>
+        <pc:picChg chg="add del mod">
+          <ac:chgData name="Fabian Blasch" userId="91b698f49155f71e" providerId="LiveId" clId="{7AC47B72-C765-4CFF-BD64-A38374DB7393}" dt="2022-12-08T15:21:40.251" v="234" actId="478"/>
           <ac:picMkLst>
             <pc:docMk/>
             <pc:sldMk cId="3681023647" sldId="262"/>
             <ac:picMk id="11" creationId="{2F00AB17-2E70-086E-7F28-F406FA958DC3}"/>
+          </ac:picMkLst>
+        </pc:picChg>
+        <pc:picChg chg="add mod">
+          <ac:chgData name="Fabian Blasch" userId="91b698f49155f71e" providerId="LiveId" clId="{7AC47B72-C765-4CFF-BD64-A38374DB7393}" dt="2022-12-08T15:38:21.834" v="347" actId="1076"/>
+          <ac:picMkLst>
+            <pc:docMk/>
+            <pc:sldMk cId="3681023647" sldId="262"/>
+            <ac:picMk id="12" creationId="{76353D38-7407-24F8-5699-8E673409F245}"/>
+          </ac:picMkLst>
+        </pc:picChg>
+        <pc:picChg chg="add mod">
+          <ac:chgData name="Fabian Blasch" userId="91b698f49155f71e" providerId="LiveId" clId="{7AC47B72-C765-4CFF-BD64-A38374DB7393}" dt="2022-12-08T15:38:18.315" v="346" actId="1076"/>
+          <ac:picMkLst>
+            <pc:docMk/>
+            <pc:sldMk cId="3681023647" sldId="262"/>
+            <ac:picMk id="14" creationId="{295A21ED-CF6F-11D5-88DF-448300F4B10B}"/>
           </ac:picMkLst>
         </pc:picChg>
       </pc:sldChg>
@@ -4009,19 +4081,17 @@
       </p:sp>
       <p:pic>
         <p:nvPicPr>
-          <p:cNvPr id="6" name="Content Placeholder 5" descr="Map&#10;&#10;Description automatically generated">
-            <a:extLst>
-              <a:ext uri="{FF2B5EF4-FFF2-40B4-BE49-F238E27FC236}">
-                <a16:creationId xmlns:a16="http://schemas.microsoft.com/office/drawing/2014/main" id="{4A9A1D75-DD23-B93B-B160-7A8A272651A1}"/>
+          <p:cNvPr id="9" name="Picture 8" descr="Map&#10;&#10;Description automatically generated">
+            <a:extLst>
+              <a:ext uri="{FF2B5EF4-FFF2-40B4-BE49-F238E27FC236}">
+                <a16:creationId xmlns:a16="http://schemas.microsoft.com/office/drawing/2014/main" id="{F1464DD4-F25B-EC02-469A-8B4B49F88659}"/>
               </a:ext>
             </a:extLst>
           </p:cNvPr>
           <p:cNvPicPr>
-            <a:picLocks noGrp="1" noChangeAspect="1"/>
+            <a:picLocks noChangeAspect="1"/>
           </p:cNvPicPr>
-          <p:nvPr>
-            <p:ph idx="1"/>
-          </p:nvPr>
+          <p:nvPr/>
         </p:nvPicPr>
         <p:blipFill>
           <a:blip r:embed="rId2">
@@ -4037,17 +4107,20 @@
         </p:blipFill>
         <p:spPr>
           <a:xfrm>
-            <a:off x="399603" y="1728132"/>
-            <a:ext cx="5634942" cy="3695044"/>
+            <a:off x="141610" y="1698599"/>
+            <a:ext cx="5841618" cy="3830569"/>
           </a:xfrm>
+          <a:prstGeom prst="rect">
+            <a:avLst/>
+          </a:prstGeom>
         </p:spPr>
       </p:pic>
       <p:pic>
         <p:nvPicPr>
-          <p:cNvPr id="10" name="Picture 9" descr="Map&#10;&#10;Description automatically generated">
-            <a:extLst>
-              <a:ext uri="{FF2B5EF4-FFF2-40B4-BE49-F238E27FC236}">
-                <a16:creationId xmlns:a16="http://schemas.microsoft.com/office/drawing/2014/main" id="{8B254128-88B0-A85E-31ED-EB4915134844}"/>
+          <p:cNvPr id="14" name="Picture 13" descr="Map&#10;&#10;Description automatically generated">
+            <a:extLst>
+              <a:ext uri="{FF2B5EF4-FFF2-40B4-BE49-F238E27FC236}">
+                <a16:creationId xmlns:a16="http://schemas.microsoft.com/office/drawing/2014/main" id="{A320B7F0-7DC6-B184-7A98-F728C37D909B}"/>
               </a:ext>
             </a:extLst>
           </p:cNvPr>
@@ -4070,8 +4143,8 @@
         </p:blipFill>
         <p:spPr>
           <a:xfrm>
-            <a:off x="6157455" y="1728132"/>
-            <a:ext cx="5634942" cy="3695044"/>
+            <a:off x="6096000" y="1698599"/>
+            <a:ext cx="5841618" cy="3830569"/>
           </a:xfrm>
           <a:prstGeom prst="rect">
             <a:avLst/>
@@ -4146,10 +4219,10 @@
       </p:sp>
       <p:pic>
         <p:nvPicPr>
-          <p:cNvPr id="5" name="Content Placeholder 4" descr="Map&#10;&#10;Description automatically generated">
-            <a:extLst>
-              <a:ext uri="{FF2B5EF4-FFF2-40B4-BE49-F238E27FC236}">
-                <a16:creationId xmlns:a16="http://schemas.microsoft.com/office/drawing/2014/main" id="{D76316F5-A838-6E95-1436-72DF1A107EE9}"/>
+          <p:cNvPr id="8" name="Content Placeholder 7" descr="Map&#10;&#10;Description automatically generated">
+            <a:extLst>
+              <a:ext uri="{FF2B5EF4-FFF2-40B4-BE49-F238E27FC236}">
+                <a16:creationId xmlns:a16="http://schemas.microsoft.com/office/drawing/2014/main" id="{C07C83C7-1419-5770-B086-6DEA6DAF3552}"/>
               </a:ext>
             </a:extLst>
           </p:cNvPr>
@@ -4174,17 +4247,17 @@
         </p:blipFill>
         <p:spPr>
           <a:xfrm>
-            <a:off x="1655445" y="833679"/>
-            <a:ext cx="4329707" cy="2769614"/>
+            <a:off x="993606" y="682090"/>
+            <a:ext cx="4652657" cy="3050924"/>
           </a:xfrm>
         </p:spPr>
       </p:pic>
       <p:pic>
         <p:nvPicPr>
-          <p:cNvPr id="7" name="Picture 6" descr="Map&#10;&#10;Description automatically generated">
-            <a:extLst>
-              <a:ext uri="{FF2B5EF4-FFF2-40B4-BE49-F238E27FC236}">
-                <a16:creationId xmlns:a16="http://schemas.microsoft.com/office/drawing/2014/main" id="{5DD166CD-E351-9B26-70A0-4BB200405238}"/>
+          <p:cNvPr id="12" name="Picture 11" descr="Map&#10;&#10;Description automatically generated">
+            <a:extLst>
+              <a:ext uri="{FF2B5EF4-FFF2-40B4-BE49-F238E27FC236}">
+                <a16:creationId xmlns:a16="http://schemas.microsoft.com/office/drawing/2014/main" id="{76353D38-7407-24F8-5699-8E673409F245}"/>
               </a:ext>
             </a:extLst>
           </p:cNvPr>
@@ -4207,8 +4280,8 @@
         </p:blipFill>
         <p:spPr>
           <a:xfrm>
-            <a:off x="1655445" y="3701681"/>
-            <a:ext cx="4329707" cy="2882735"/>
+            <a:off x="3532914" y="3802055"/>
+            <a:ext cx="4537510" cy="2975416"/>
           </a:xfrm>
           <a:prstGeom prst="rect">
             <a:avLst/>
@@ -4217,10 +4290,10 @@
       </p:pic>
       <p:pic>
         <p:nvPicPr>
-          <p:cNvPr id="9" name="Picture 8" descr="Map&#10;&#10;Description automatically generated">
-            <a:extLst>
-              <a:ext uri="{FF2B5EF4-FFF2-40B4-BE49-F238E27FC236}">
-                <a16:creationId xmlns:a16="http://schemas.microsoft.com/office/drawing/2014/main" id="{8053750D-0D1D-54F5-4CE8-C1C811BBEE0B}"/>
+          <p:cNvPr id="14" name="Picture 13" descr="Map&#10;&#10;Description automatically generated">
+            <a:extLst>
+              <a:ext uri="{FF2B5EF4-FFF2-40B4-BE49-F238E27FC236}">
+                <a16:creationId xmlns:a16="http://schemas.microsoft.com/office/drawing/2014/main" id="{295A21ED-CF6F-11D5-88DF-448300F4B10B}"/>
               </a:ext>
             </a:extLst>
           </p:cNvPr>
@@ -4243,44 +4316,8 @@
         </p:blipFill>
         <p:spPr>
           <a:xfrm>
-            <a:off x="6096000" y="833680"/>
-            <a:ext cx="4334511" cy="2769614"/>
-          </a:xfrm>
-          <a:prstGeom prst="rect">
-            <a:avLst/>
-          </a:prstGeom>
-        </p:spPr>
-      </p:pic>
-      <p:pic>
-        <p:nvPicPr>
-          <p:cNvPr id="11" name="Picture 10" descr="Map&#10;&#10;Description automatically generated">
-            <a:extLst>
-              <a:ext uri="{FF2B5EF4-FFF2-40B4-BE49-F238E27FC236}">
-                <a16:creationId xmlns:a16="http://schemas.microsoft.com/office/drawing/2014/main" id="{2F00AB17-2E70-086E-7F28-F406FA958DC3}"/>
-              </a:ext>
-            </a:extLst>
-          </p:cNvPr>
-          <p:cNvPicPr>
-            <a:picLocks noChangeAspect="1"/>
-          </p:cNvPicPr>
-          <p:nvPr/>
-        </p:nvPicPr>
-        <p:blipFill>
-          <a:blip r:embed="rId5">
-            <a:extLst>
-              <a:ext uri="{28A0092B-C50C-407E-A947-70E740481C1C}">
-                <a14:useLocalDpi xmlns:a14="http://schemas.microsoft.com/office/drawing/2010/main" val="0"/>
-              </a:ext>
-            </a:extLst>
-          </a:blip>
-          <a:stretch>
-            <a:fillRect/>
-          </a:stretch>
-        </p:blipFill>
-        <p:spPr>
-          <a:xfrm>
-            <a:off x="6096000" y="3701681"/>
-            <a:ext cx="4329707" cy="2882735"/>
+            <a:off x="5710576" y="682090"/>
+            <a:ext cx="4635410" cy="3039613"/>
           </a:xfrm>
           <a:prstGeom prst="rect">
             <a:avLst/>

--- a/Presentations/First Presentation/midterm_presentation.pptx
+++ b/Presentations/First Presentation/midterm_presentation.pptx
@@ -2,16 +2,20 @@
 <file path=ppt/presentation.xml><?xml version="1.0" encoding="utf-8"?>
 <p:presentation xmlns:a="http://schemas.openxmlformats.org/drawingml/2006/main" xmlns:r="http://schemas.openxmlformats.org/officeDocument/2006/relationships" xmlns:p="http://schemas.openxmlformats.org/presentationml/2006/main" saveSubsetFonts="1">
   <p:sldMasterIdLst>
-    <p:sldMasterId id="2147483648" r:id="rId1"/>
+    <p:sldMasterId id="2147483648" r:id="rId4"/>
   </p:sldMasterIdLst>
+  <p:notesMasterIdLst>
+    <p:notesMasterId r:id="rId13"/>
+  </p:notesMasterIdLst>
   <p:sldIdLst>
-    <p:sldId id="256" r:id="rId2"/>
-    <p:sldId id="257" r:id="rId3"/>
-    <p:sldId id="258" r:id="rId4"/>
-    <p:sldId id="259" r:id="rId5"/>
-    <p:sldId id="260" r:id="rId6"/>
-    <p:sldId id="262" r:id="rId7"/>
-    <p:sldId id="261" r:id="rId8"/>
+    <p:sldId id="256" r:id="rId5"/>
+    <p:sldId id="257" r:id="rId6"/>
+    <p:sldId id="263" r:id="rId7"/>
+    <p:sldId id="258" r:id="rId8"/>
+    <p:sldId id="260" r:id="rId9"/>
+    <p:sldId id="264" r:id="rId10"/>
+    <p:sldId id="265" r:id="rId11"/>
+    <p:sldId id="259" r:id="rId12"/>
   </p:sldIdLst>
   <p:sldSz cx="12192000" cy="6858000"/>
   <p:notesSz cx="6858000" cy="9144000"/>
@@ -118,10 +122,21 @@
 </p:presentation>
 </file>
 
+<file path=ppt/authors.xml><?xml version="1.0" encoding="utf-8"?>
+<p188:authorLst xmlns:a="http://schemas.openxmlformats.org/drawingml/2006/main" xmlns:r="http://schemas.openxmlformats.org/officeDocument/2006/relationships" xmlns:p188="http://schemas.microsoft.com/office/powerpoint/2018/8/main">
+  <p188:author id="{5E3B4525-AB17-B890-AB3C-47FD3788F962}" name="Avdovic, Lejla" initials="AL" userId="Avdovic, Lejla" providerId="None"/>
+</p188:authorLst>
+</file>
+
 <file path=ppt/revisionInfo.xml><?xml version="1.0" encoding="utf-8"?>
 <p1510:revInfo xmlns:a="http://schemas.openxmlformats.org/drawingml/2006/main" xmlns:r="http://schemas.openxmlformats.org/officeDocument/2006/relationships" xmlns:p1510="http://schemas.microsoft.com/office/powerpoint/2015/10/main">
   <p1510:revLst>
-    <p1510:client id="{7AC47B72-C765-4CFF-BD64-A38374DB7393}" v="7" dt="2022-12-08T15:37:13.398"/>
+    <p1510:client id="{0395F17D-FFF9-436E-8366-C55E86C035E9}" v="1" dt="2022-12-09T07:53:32.854"/>
+    <p1510:client id="{277296A1-37F5-E910-5B3A-7A1CEBB7D45B}" v="1062" dt="2022-12-08T18:07:58.522"/>
+    <p1510:client id="{48641A78-2AC5-4BD1-88E5-DA45E2F19BE9}" v="450" dt="2022-12-08T16:49:18.674"/>
+    <p1510:client id="{A1F7C14D-4EDB-4273-9E5D-2A2937938A68}" v="523" dt="2022-12-08T17:40:06.040"/>
+    <p1510:client id="{BBDDB7E2-3DA6-4361-A0EC-2E80CEB51774}" v="31" dt="2022-12-08T15:34:29.518"/>
+    <p1510:client id="{CB98053A-232D-4D43-9DB8-C210B5BBAC98}" v="1858" dt="2022-12-08T19:39:41.265"/>
   </p1510:revLst>
 </p1510:revInfo>
 </file>
@@ -129,242 +144,640 @@
 <file path=ppt/changesInfos/changesInfo1.xml><?xml version="1.0" encoding="utf-8"?>
 <pc:chgInfo xmlns:a="http://schemas.openxmlformats.org/drawingml/2006/main" xmlns:r="http://schemas.openxmlformats.org/officeDocument/2006/relationships" xmlns:ac="http://schemas.microsoft.com/office/drawing/2013/main/command" xmlns:pc="http://schemas.microsoft.com/office/powerpoint/2013/main/command">
   <pc:docChgLst>
-    <pc:chgData name="Fabian Blasch" userId="91b698f49155f71e" providerId="LiveId" clId="{7AC47B72-C765-4CFF-BD64-A38374DB7393}"/>
-    <pc:docChg chg="undo custSel addSld modSld">
-      <pc:chgData name="Fabian Blasch" userId="91b698f49155f71e" providerId="LiveId" clId="{7AC47B72-C765-4CFF-BD64-A38374DB7393}" dt="2022-12-08T15:38:21.834" v="347" actId="1076"/>
+    <pc:chgData name="Fabian Blasch" userId="91b698f49155f71e" providerId="LiveId" clId="{0395F17D-FFF9-436E-8366-C55E86C035E9}"/>
+    <pc:docChg chg="undo custSel addSld delSld modSld">
+      <pc:chgData name="Fabian Blasch" userId="91b698f49155f71e" providerId="LiveId" clId="{0395F17D-FFF9-436E-8366-C55E86C035E9}" dt="2022-12-09T07:58:21.722" v="149" actId="20577"/>
       <pc:docMkLst>
         <pc:docMk/>
       </pc:docMkLst>
-      <pc:sldChg chg="modSp mod">
-        <pc:chgData name="Fabian Blasch" userId="91b698f49155f71e" providerId="LiveId" clId="{7AC47B72-C765-4CFF-BD64-A38374DB7393}" dt="2022-12-08T11:53:43.652" v="228" actId="20577"/>
-        <pc:sldMkLst>
-          <pc:docMk/>
-          <pc:sldMk cId="3629649981" sldId="259"/>
-        </pc:sldMkLst>
-        <pc:spChg chg="mod">
-          <ac:chgData name="Fabian Blasch" userId="91b698f49155f71e" providerId="LiveId" clId="{7AC47B72-C765-4CFF-BD64-A38374DB7393}" dt="2022-12-08T11:53:43.652" v="228" actId="20577"/>
-          <ac:spMkLst>
-            <pc:docMk/>
-            <pc:sldMk cId="3629649981" sldId="259"/>
-            <ac:spMk id="3" creationId="{96AC0CC4-0001-CB02-8FE5-BB5C661A5E38}"/>
-          </ac:spMkLst>
-        </pc:spChg>
-      </pc:sldChg>
       <pc:sldChg chg="addSp delSp modSp mod">
-        <pc:chgData name="Fabian Blasch" userId="91b698f49155f71e" providerId="LiveId" clId="{7AC47B72-C765-4CFF-BD64-A38374DB7393}" dt="2022-12-08T15:37:51.829" v="341" actId="1076"/>
+        <pc:chgData name="Fabian Blasch" userId="91b698f49155f71e" providerId="LiveId" clId="{0395F17D-FFF9-436E-8366-C55E86C035E9}" dt="2022-12-09T07:57:40.646" v="104" actId="21"/>
         <pc:sldMkLst>
           <pc:docMk/>
           <pc:sldMk cId="1115239791" sldId="260"/>
         </pc:sldMkLst>
         <pc:spChg chg="mod">
-          <ac:chgData name="Fabian Blasch" userId="91b698f49155f71e" providerId="LiveId" clId="{7AC47B72-C765-4CFF-BD64-A38374DB7393}" dt="2022-12-08T11:20:40.055" v="61" actId="20577"/>
+          <ac:chgData name="Fabian Blasch" userId="91b698f49155f71e" providerId="LiveId" clId="{0395F17D-FFF9-436E-8366-C55E86C035E9}" dt="2022-12-09T07:57:40.646" v="104" actId="21"/>
           <ac:spMkLst>
             <pc:docMk/>
             <pc:sldMk cId="1115239791" sldId="260"/>
             <ac:spMk id="2" creationId="{2A8F8DD3-63A6-3B13-E68E-D035184C8DA5}"/>
           </ac:spMkLst>
         </pc:spChg>
-        <pc:spChg chg="add del mod">
-          <ac:chgData name="Fabian Blasch" userId="91b698f49155f71e" providerId="LiveId" clId="{7AC47B72-C765-4CFF-BD64-A38374DB7393}" dt="2022-12-08T11:19:07.641" v="6" actId="931"/>
+        <pc:spChg chg="del mod">
+          <ac:chgData name="Fabian Blasch" userId="91b698f49155f71e" providerId="LiveId" clId="{0395F17D-FFF9-436E-8366-C55E86C035E9}" dt="2022-12-09T07:55:57.502" v="24" actId="478"/>
           <ac:spMkLst>
             <pc:docMk/>
             <pc:sldMk cId="1115239791" sldId="260"/>
-            <ac:spMk id="4" creationId="{62296B21-EEEA-F327-1881-CC5513D6EB1A}"/>
+            <ac:spMk id="4" creationId="{20936A66-A9C2-861D-1E03-5026D8B4FC6D}"/>
           </ac:spMkLst>
         </pc:spChg>
         <pc:spChg chg="add del mod">
-          <ac:chgData name="Fabian Blasch" userId="91b698f49155f71e" providerId="LiveId" clId="{7AC47B72-C765-4CFF-BD64-A38374DB7393}" dt="2022-12-08T15:22:04.784" v="238" actId="478"/>
+          <ac:chgData name="Fabian Blasch" userId="91b698f49155f71e" providerId="LiveId" clId="{0395F17D-FFF9-436E-8366-C55E86C035E9}" dt="2022-12-09T07:56:00.373" v="25" actId="478"/>
           <ac:spMkLst>
             <pc:docMk/>
             <pc:sldMk cId="1115239791" sldId="260"/>
-            <ac:spMk id="4" creationId="{E62A50AB-DE97-DB62-C227-0801D9445A00}"/>
+            <ac:spMk id="5" creationId="{F05F4AA8-D00D-77DB-6AA1-F804EA400E41}"/>
           </ac:spMkLst>
         </pc:spChg>
-        <pc:picChg chg="add del mod">
-          <ac:chgData name="Fabian Blasch" userId="91b698f49155f71e" providerId="LiveId" clId="{7AC47B72-C765-4CFF-BD64-A38374DB7393}" dt="2022-12-08T15:21:58.517" v="235" actId="478"/>
+        <pc:picChg chg="mod">
+          <ac:chgData name="Fabian Blasch" userId="91b698f49155f71e" providerId="LiveId" clId="{0395F17D-FFF9-436E-8366-C55E86C035E9}" dt="2022-12-09T07:56:03.785" v="26" actId="14100"/>
           <ac:picMkLst>
             <pc:docMk/>
             <pc:sldMk cId="1115239791" sldId="260"/>
-            <ac:picMk id="6" creationId="{4A9A1D75-DD23-B93B-B160-7A8A272651A1}"/>
+            <ac:picMk id="11" creationId="{6345C3BA-2545-BBCA-9488-2178D934252C}"/>
           </ac:picMkLst>
         </pc:picChg>
-        <pc:picChg chg="add del mod">
-          <ac:chgData name="Fabian Blasch" userId="91b698f49155f71e" providerId="LiveId" clId="{7AC47B72-C765-4CFF-BD64-A38374DB7393}" dt="2022-12-08T15:22:10.656" v="242" actId="478"/>
+        <pc:picChg chg="mod">
+          <ac:chgData name="Fabian Blasch" userId="91b698f49155f71e" providerId="LiveId" clId="{0395F17D-FFF9-436E-8366-C55E86C035E9}" dt="2022-12-09T07:56:06.521" v="27" actId="14100"/>
           <ac:picMkLst>
             <pc:docMk/>
             <pc:sldMk cId="1115239791" sldId="260"/>
-            <ac:picMk id="7" creationId="{38FF035A-386D-AA33-963A-82A241AD63B6}"/>
-          </ac:picMkLst>
-        </pc:picChg>
-        <pc:picChg chg="del">
-          <ac:chgData name="Fabian Blasch" userId="91b698f49155f71e" providerId="LiveId" clId="{7AC47B72-C765-4CFF-BD64-A38374DB7393}" dt="2022-12-08T11:18:34.191" v="2" actId="478"/>
-          <ac:picMkLst>
-            <pc:docMk/>
-            <pc:sldMk cId="1115239791" sldId="260"/>
-            <ac:picMk id="7" creationId="{9521CA76-D2FC-FD89-E92F-E3FD781CDF8C}"/>
-          </ac:picMkLst>
-        </pc:picChg>
-        <pc:picChg chg="del mod">
-          <ac:chgData name="Fabian Blasch" userId="91b698f49155f71e" providerId="LiveId" clId="{7AC47B72-C765-4CFF-BD64-A38374DB7393}" dt="2022-12-08T11:18:32.311" v="1" actId="478"/>
-          <ac:picMkLst>
-            <pc:docMk/>
-            <pc:sldMk cId="1115239791" sldId="260"/>
-            <ac:picMk id="9" creationId="{82D1CDFC-A0B2-1B4C-7055-7A793A94F19A}"/>
-          </ac:picMkLst>
-        </pc:picChg>
-        <pc:picChg chg="add mod">
-          <ac:chgData name="Fabian Blasch" userId="91b698f49155f71e" providerId="LiveId" clId="{7AC47B72-C765-4CFF-BD64-A38374DB7393}" dt="2022-12-08T15:37:51.829" v="341" actId="1076"/>
-          <ac:picMkLst>
-            <pc:docMk/>
-            <pc:sldMk cId="1115239791" sldId="260"/>
-            <ac:picMk id="9" creationId="{F1464DD4-F25B-EC02-469A-8B4B49F88659}"/>
-          </ac:picMkLst>
-        </pc:picChg>
-        <pc:picChg chg="add del mod">
-          <ac:chgData name="Fabian Blasch" userId="91b698f49155f71e" providerId="LiveId" clId="{7AC47B72-C765-4CFF-BD64-A38374DB7393}" dt="2022-12-08T15:22:02.333" v="237" actId="478"/>
-          <ac:picMkLst>
-            <pc:docMk/>
-            <pc:sldMk cId="1115239791" sldId="260"/>
-            <ac:picMk id="10" creationId="{8B254128-88B0-A85E-31ED-EB4915134844}"/>
-          </ac:picMkLst>
-        </pc:picChg>
-        <pc:picChg chg="add del mod">
-          <ac:chgData name="Fabian Blasch" userId="91b698f49155f71e" providerId="LiveId" clId="{7AC47B72-C765-4CFF-BD64-A38374DB7393}" dt="2022-12-08T15:23:04.005" v="251" actId="478"/>
-          <ac:picMkLst>
-            <pc:docMk/>
-            <pc:sldMk cId="1115239791" sldId="260"/>
-            <ac:picMk id="12" creationId="{155C111E-660B-B02F-3907-2247C66C2CE7}"/>
-          </ac:picMkLst>
-        </pc:picChg>
-        <pc:picChg chg="add mod">
-          <ac:chgData name="Fabian Blasch" userId="91b698f49155f71e" providerId="LiveId" clId="{7AC47B72-C765-4CFF-BD64-A38374DB7393}" dt="2022-12-08T15:37:47.916" v="340" actId="1076"/>
-          <ac:picMkLst>
-            <pc:docMk/>
-            <pc:sldMk cId="1115239791" sldId="260"/>
-            <ac:picMk id="14" creationId="{A320B7F0-7DC6-B184-7A98-F728C37D909B}"/>
+            <ac:picMk id="12" creationId="{619BC511-05A2-A7B3-4AC0-81C86E09A733}"/>
           </ac:picMkLst>
         </pc:picChg>
       </pc:sldChg>
-      <pc:sldChg chg="addSp delSp modSp new mod">
-        <pc:chgData name="Fabian Blasch" userId="91b698f49155f71e" providerId="LiveId" clId="{7AC47B72-C765-4CFF-BD64-A38374DB7393}" dt="2022-12-08T15:38:21.834" v="347" actId="1076"/>
+      <pc:sldChg chg="del">
+        <pc:chgData name="Fabian Blasch" userId="91b698f49155f71e" providerId="LiveId" clId="{0395F17D-FFF9-436E-8366-C55E86C035E9}" dt="2022-12-09T07:56:59.567" v="30" actId="2696"/>
+        <pc:sldMkLst>
+          <pc:docMk/>
+          <pc:sldMk cId="74645456" sldId="261"/>
+        </pc:sldMkLst>
+      </pc:sldChg>
+      <pc:sldChg chg="del">
+        <pc:chgData name="Fabian Blasch" userId="91b698f49155f71e" providerId="LiveId" clId="{0395F17D-FFF9-436E-8366-C55E86C035E9}" dt="2022-12-09T07:56:56.886" v="29" actId="2696"/>
         <pc:sldMkLst>
           <pc:docMk/>
           <pc:sldMk cId="3681023647" sldId="262"/>
         </pc:sldMkLst>
+      </pc:sldChg>
+      <pc:sldChg chg="addSp delSp modSp mod">
+        <pc:chgData name="Fabian Blasch" userId="91b698f49155f71e" providerId="LiveId" clId="{0395F17D-FFF9-436E-8366-C55E86C035E9}" dt="2022-12-09T07:57:56.811" v="134" actId="20577"/>
+        <pc:sldMkLst>
+          <pc:docMk/>
+          <pc:sldMk cId="4798945" sldId="264"/>
+        </pc:sldMkLst>
         <pc:spChg chg="mod">
-          <ac:chgData name="Fabian Blasch" userId="91b698f49155f71e" providerId="LiveId" clId="{7AC47B72-C765-4CFF-BD64-A38374DB7393}" dt="2022-12-08T11:35:16.670" v="135" actId="27636"/>
+          <ac:chgData name="Fabian Blasch" userId="91b698f49155f71e" providerId="LiveId" clId="{0395F17D-FFF9-436E-8366-C55E86C035E9}" dt="2022-12-09T07:57:56.811" v="134" actId="20577"/>
           <ac:spMkLst>
             <pc:docMk/>
-            <pc:sldMk cId="3681023647" sldId="262"/>
-            <ac:spMk id="2" creationId="{DC37769C-68EF-9A16-5E91-B24068F361C9}"/>
+            <pc:sldMk cId="4798945" sldId="264"/>
+            <ac:spMk id="2" creationId="{2A8F8DD3-63A6-3B13-E68E-D035184C8DA5}"/>
           </ac:spMkLst>
         </pc:spChg>
         <pc:spChg chg="del mod">
-          <ac:chgData name="Fabian Blasch" userId="91b698f49155f71e" providerId="LiveId" clId="{7AC47B72-C765-4CFF-BD64-A38374DB7393}" dt="2022-12-08T11:34:11.424" v="103" actId="931"/>
+          <ac:chgData name="Fabian Blasch" userId="91b698f49155f71e" providerId="LiveId" clId="{0395F17D-FFF9-436E-8366-C55E86C035E9}" dt="2022-12-09T07:54:06.217" v="15" actId="478"/>
           <ac:spMkLst>
             <pc:docMk/>
-            <pc:sldMk cId="3681023647" sldId="262"/>
-            <ac:spMk id="3" creationId="{903288DA-768A-D752-8D6B-B654D149E504}"/>
+            <pc:sldMk cId="4798945" sldId="264"/>
+            <ac:spMk id="4" creationId="{20936A66-A9C2-861D-1E03-5026D8B4FC6D}"/>
           </ac:spMkLst>
         </pc:spChg>
         <pc:spChg chg="add del mod">
-          <ac:chgData name="Fabian Blasch" userId="91b698f49155f71e" providerId="LiveId" clId="{7AC47B72-C765-4CFF-BD64-A38374DB7393}" dt="2022-12-08T15:23:27.969" v="252" actId="931"/>
+          <ac:chgData name="Fabian Blasch" userId="91b698f49155f71e" providerId="LiveId" clId="{0395F17D-FFF9-436E-8366-C55E86C035E9}" dt="2022-12-09T07:54:09.659" v="17" actId="478"/>
           <ac:spMkLst>
             <pc:docMk/>
-            <pc:sldMk cId="3681023647" sldId="262"/>
-            <ac:spMk id="4" creationId="{CBA9E2C5-C9DE-6207-23C9-0E2EB253B425}"/>
+            <pc:sldMk cId="4798945" sldId="264"/>
+            <ac:spMk id="11" creationId="{DFAEBC2F-C891-F005-B9FF-E866BED53173}"/>
           </ac:spMkLst>
         </pc:spChg>
-        <pc:picChg chg="add del mod">
-          <ac:chgData name="Fabian Blasch" userId="91b698f49155f71e" providerId="LiveId" clId="{7AC47B72-C765-4CFF-BD64-A38374DB7393}" dt="2022-12-08T15:21:40.251" v="234" actId="478"/>
+        <pc:picChg chg="add mod">
+          <ac:chgData name="Fabian Blasch" userId="91b698f49155f71e" providerId="LiveId" clId="{0395F17D-FFF9-436E-8366-C55E86C035E9}" dt="2022-12-09T07:54:47.563" v="22" actId="14100"/>
           <ac:picMkLst>
             <pc:docMk/>
-            <pc:sldMk cId="3681023647" sldId="262"/>
-            <ac:picMk id="5" creationId="{D76316F5-A838-6E95-1436-72DF1A107EE9}"/>
+            <pc:sldMk cId="4798945" sldId="264"/>
+            <ac:picMk id="5" creationId="{62684574-E463-FE41-0369-56DE3186E0C5}"/>
           </ac:picMkLst>
         </pc:picChg>
-        <pc:picChg chg="add del mod">
-          <ac:chgData name="Fabian Blasch" userId="91b698f49155f71e" providerId="LiveId" clId="{7AC47B72-C765-4CFF-BD64-A38374DB7393}" dt="2022-12-08T15:21:40.251" v="234" actId="478"/>
+        <pc:picChg chg="add mod ord">
+          <ac:chgData name="Fabian Blasch" userId="91b698f49155f71e" providerId="LiveId" clId="{0395F17D-FFF9-436E-8366-C55E86C035E9}" dt="2022-12-09T07:56:19.668" v="28" actId="1076"/>
           <ac:picMkLst>
             <pc:docMk/>
-            <pc:sldMk cId="3681023647" sldId="262"/>
-            <ac:picMk id="7" creationId="{5DD166CD-E351-9B26-70A0-4BB200405238}"/>
+            <pc:sldMk cId="4798945" sldId="264"/>
+            <ac:picMk id="7" creationId="{642AF006-92B5-0515-5DCD-6EE5CF5A7973}"/>
           </ac:picMkLst>
         </pc:picChg>
         <pc:picChg chg="add mod">
-          <ac:chgData name="Fabian Blasch" userId="91b698f49155f71e" providerId="LiveId" clId="{7AC47B72-C765-4CFF-BD64-A38374DB7393}" dt="2022-12-08T15:38:11.925" v="345" actId="14100"/>
+          <ac:chgData name="Fabian Blasch" userId="91b698f49155f71e" providerId="LiveId" clId="{0395F17D-FFF9-436E-8366-C55E86C035E9}" dt="2022-12-09T07:54:47.563" v="22" actId="14100"/>
           <ac:picMkLst>
             <pc:docMk/>
-            <pc:sldMk cId="3681023647" sldId="262"/>
-            <ac:picMk id="8" creationId="{C07C83C7-1419-5770-B086-6DEA6DAF3552}"/>
+            <pc:sldMk cId="4798945" sldId="264"/>
+            <ac:picMk id="9" creationId="{5639AA58-8F5C-D526-A8D1-2F8A414529CF}"/>
           </ac:picMkLst>
         </pc:picChg>
-        <pc:picChg chg="add del mod">
-          <ac:chgData name="Fabian Blasch" userId="91b698f49155f71e" providerId="LiveId" clId="{7AC47B72-C765-4CFF-BD64-A38374DB7393}" dt="2022-12-08T15:21:40.251" v="234" actId="478"/>
-          <ac:picMkLst>
+      </pc:sldChg>
+      <pc:sldChg chg="modSp new mod">
+        <pc:chgData name="Fabian Blasch" userId="91b698f49155f71e" providerId="LiveId" clId="{0395F17D-FFF9-436E-8366-C55E86C035E9}" dt="2022-12-09T07:58:21.722" v="149" actId="20577"/>
+        <pc:sldMkLst>
+          <pc:docMk/>
+          <pc:sldMk cId="3148913186" sldId="265"/>
+        </pc:sldMkLst>
+        <pc:spChg chg="mod">
+          <ac:chgData name="Fabian Blasch" userId="91b698f49155f71e" providerId="LiveId" clId="{0395F17D-FFF9-436E-8366-C55E86C035E9}" dt="2022-12-09T07:58:21.722" v="149" actId="20577"/>
+          <ac:spMkLst>
             <pc:docMk/>
-            <pc:sldMk cId="3681023647" sldId="262"/>
-            <ac:picMk id="9" creationId="{8053750D-0D1D-54F5-4CE8-C1C811BBEE0B}"/>
-          </ac:picMkLst>
-        </pc:picChg>
-        <pc:picChg chg="add del mod">
-          <ac:chgData name="Fabian Blasch" userId="91b698f49155f71e" providerId="LiveId" clId="{7AC47B72-C765-4CFF-BD64-A38374DB7393}" dt="2022-12-08T15:21:40.251" v="234" actId="478"/>
-          <ac:picMkLst>
-            <pc:docMk/>
-            <pc:sldMk cId="3681023647" sldId="262"/>
-            <ac:picMk id="11" creationId="{2F00AB17-2E70-086E-7F28-F406FA958DC3}"/>
-          </ac:picMkLst>
-        </pc:picChg>
-        <pc:picChg chg="add mod">
-          <ac:chgData name="Fabian Blasch" userId="91b698f49155f71e" providerId="LiveId" clId="{7AC47B72-C765-4CFF-BD64-A38374DB7393}" dt="2022-12-08T15:38:21.834" v="347" actId="1076"/>
-          <ac:picMkLst>
-            <pc:docMk/>
-            <pc:sldMk cId="3681023647" sldId="262"/>
-            <ac:picMk id="12" creationId="{76353D38-7407-24F8-5699-8E673409F245}"/>
-          </ac:picMkLst>
-        </pc:picChg>
-        <pc:picChg chg="add mod">
-          <ac:chgData name="Fabian Blasch" userId="91b698f49155f71e" providerId="LiveId" clId="{7AC47B72-C765-4CFF-BD64-A38374DB7393}" dt="2022-12-08T15:38:18.315" v="346" actId="1076"/>
-          <ac:picMkLst>
-            <pc:docMk/>
-            <pc:sldMk cId="3681023647" sldId="262"/>
-            <ac:picMk id="14" creationId="{295A21ED-CF6F-11D5-88DF-448300F4B10B}"/>
-          </ac:picMkLst>
-        </pc:picChg>
+            <pc:sldMk cId="3148913186" sldId="265"/>
+            <ac:spMk id="2" creationId="{476D9CCD-6E09-7DBF-DE87-EFA542254A40}"/>
+          </ac:spMkLst>
+        </pc:spChg>
       </pc:sldChg>
     </pc:docChg>
   </pc:docChgLst>
 </pc:chgInfo>
 </file>
 
+<file path=ppt/notesMasters/notesMaster1.xml><?xml version="1.0" encoding="utf-8"?>
+<p:notesMaster xmlns:a="http://schemas.openxmlformats.org/drawingml/2006/main" xmlns:r="http://schemas.openxmlformats.org/officeDocument/2006/relationships" xmlns:p="http://schemas.openxmlformats.org/presentationml/2006/main">
+  <p:cSld>
+    <p:bg>
+      <p:bgRef idx="1001">
+        <a:schemeClr val="bg1"/>
+      </p:bgRef>
+    </p:bg>
+    <p:spTree>
+      <p:nvGrpSpPr>
+        <p:cNvPr id="1" name=""/>
+        <p:cNvGrpSpPr/>
+        <p:nvPr/>
+      </p:nvGrpSpPr>
+      <p:grpSpPr>
+        <a:xfrm>
+          <a:off x="0" y="0"/>
+          <a:ext cx="0" cy="0"/>
+          <a:chOff x="0" y="0"/>
+          <a:chExt cx="0" cy="0"/>
+        </a:xfrm>
+      </p:grpSpPr>
+      <p:sp>
+        <p:nvSpPr>
+          <p:cNvPr id="2" name="Kopfzeilenplatzhalter 1"/>
+          <p:cNvSpPr>
+            <a:spLocks noGrp="1"/>
+          </p:cNvSpPr>
+          <p:nvPr>
+            <p:ph type="hdr" sz="quarter"/>
+          </p:nvPr>
+        </p:nvSpPr>
+        <p:spPr>
+          <a:xfrm>
+            <a:off x="0" y="0"/>
+            <a:ext cx="2971800" cy="458788"/>
+          </a:xfrm>
+          <a:prstGeom prst="rect">
+            <a:avLst/>
+          </a:prstGeom>
+        </p:spPr>
+        <p:txBody>
+          <a:bodyPr vert="horz" lIns="91440" tIns="45720" rIns="91440" bIns="45720" rtlCol="0"/>
+          <a:lstStyle>
+            <a:lvl1pPr algn="l">
+              <a:defRPr sz="1200"/>
+            </a:lvl1pPr>
+          </a:lstStyle>
+          <a:p>
+            <a:endParaRPr lang="de-AT"/>
+          </a:p>
+        </p:txBody>
+      </p:sp>
+      <p:sp>
+        <p:nvSpPr>
+          <p:cNvPr id="3" name="Datumsplatzhalter 2"/>
+          <p:cNvSpPr>
+            <a:spLocks noGrp="1"/>
+          </p:cNvSpPr>
+          <p:nvPr>
+            <p:ph type="dt" idx="1"/>
+          </p:nvPr>
+        </p:nvSpPr>
+        <p:spPr>
+          <a:xfrm>
+            <a:off x="3884613" y="0"/>
+            <a:ext cx="2971800" cy="458788"/>
+          </a:xfrm>
+          <a:prstGeom prst="rect">
+            <a:avLst/>
+          </a:prstGeom>
+        </p:spPr>
+        <p:txBody>
+          <a:bodyPr vert="horz" lIns="91440" tIns="45720" rIns="91440" bIns="45720" rtlCol="0"/>
+          <a:lstStyle>
+            <a:lvl1pPr algn="r">
+              <a:defRPr sz="1200"/>
+            </a:lvl1pPr>
+          </a:lstStyle>
+          <a:p>
+            <a:fld id="{C88AF5CB-9896-40E5-B98D-48C228CD2590}" type="datetimeFigureOut">
+              <a:rPr lang="de-AT" smtClean="0"/>
+              <a:t>09.12.2022</a:t>
+            </a:fld>
+            <a:endParaRPr lang="de-AT"/>
+          </a:p>
+        </p:txBody>
+      </p:sp>
+      <p:sp>
+        <p:nvSpPr>
+          <p:cNvPr id="4" name="Folienbildplatzhalter 3"/>
+          <p:cNvSpPr>
+            <a:spLocks noGrp="1" noRot="1" noChangeAspect="1"/>
+          </p:cNvSpPr>
+          <p:nvPr>
+            <p:ph type="sldImg" idx="2"/>
+          </p:nvPr>
+        </p:nvSpPr>
+        <p:spPr>
+          <a:xfrm>
+            <a:off x="685800" y="1143000"/>
+            <a:ext cx="5486400" cy="3086100"/>
+          </a:xfrm>
+          <a:prstGeom prst="rect">
+            <a:avLst/>
+          </a:prstGeom>
+          <a:noFill/>
+          <a:ln w="12700">
+            <a:solidFill>
+              <a:prstClr val="black"/>
+            </a:solidFill>
+          </a:ln>
+        </p:spPr>
+        <p:txBody>
+          <a:bodyPr vert="horz" lIns="91440" tIns="45720" rIns="91440" bIns="45720" rtlCol="0" anchor="ctr"/>
+          <a:lstStyle/>
+          <a:p>
+            <a:endParaRPr lang="de-AT"/>
+          </a:p>
+        </p:txBody>
+      </p:sp>
+      <p:sp>
+        <p:nvSpPr>
+          <p:cNvPr id="5" name="Notizenplatzhalter 4"/>
+          <p:cNvSpPr>
+            <a:spLocks noGrp="1"/>
+          </p:cNvSpPr>
+          <p:nvPr>
+            <p:ph type="body" sz="quarter" idx="3"/>
+          </p:nvPr>
+        </p:nvSpPr>
+        <p:spPr>
+          <a:xfrm>
+            <a:off x="685800" y="4400550"/>
+            <a:ext cx="5486400" cy="3600450"/>
+          </a:xfrm>
+          <a:prstGeom prst="rect">
+            <a:avLst/>
+          </a:prstGeom>
+        </p:spPr>
+        <p:txBody>
+          <a:bodyPr vert="horz" lIns="91440" tIns="45720" rIns="91440" bIns="45720" rtlCol="0"/>
+          <a:lstStyle/>
+          <a:p>
+            <a:pPr lvl="0"/>
+            <a:r>
+              <a:rPr lang="de-DE"/>
+              <a:t>Mastertextformat bearbeiten</a:t>
+            </a:r>
+          </a:p>
+          <a:p>
+            <a:pPr lvl="1"/>
+            <a:r>
+              <a:rPr lang="de-DE"/>
+              <a:t>Zweite Ebene</a:t>
+            </a:r>
+          </a:p>
+          <a:p>
+            <a:pPr lvl="2"/>
+            <a:r>
+              <a:rPr lang="de-DE"/>
+              <a:t>Dritte Ebene</a:t>
+            </a:r>
+          </a:p>
+          <a:p>
+            <a:pPr lvl="3"/>
+            <a:r>
+              <a:rPr lang="de-DE"/>
+              <a:t>Vierte Ebene</a:t>
+            </a:r>
+          </a:p>
+          <a:p>
+            <a:pPr lvl="4"/>
+            <a:r>
+              <a:rPr lang="de-DE"/>
+              <a:t>Fünfte Ebene</a:t>
+            </a:r>
+            <a:endParaRPr lang="de-AT"/>
+          </a:p>
+        </p:txBody>
+      </p:sp>
+      <p:sp>
+        <p:nvSpPr>
+          <p:cNvPr id="6" name="Fußzeilenplatzhalter 5"/>
+          <p:cNvSpPr>
+            <a:spLocks noGrp="1"/>
+          </p:cNvSpPr>
+          <p:nvPr>
+            <p:ph type="ftr" sz="quarter" idx="4"/>
+          </p:nvPr>
+        </p:nvSpPr>
+        <p:spPr>
+          <a:xfrm>
+            <a:off x="0" y="8685213"/>
+            <a:ext cx="2971800" cy="458787"/>
+          </a:xfrm>
+          <a:prstGeom prst="rect">
+            <a:avLst/>
+          </a:prstGeom>
+        </p:spPr>
+        <p:txBody>
+          <a:bodyPr vert="horz" lIns="91440" tIns="45720" rIns="91440" bIns="45720" rtlCol="0" anchor="b"/>
+          <a:lstStyle>
+            <a:lvl1pPr algn="l">
+              <a:defRPr sz="1200"/>
+            </a:lvl1pPr>
+          </a:lstStyle>
+          <a:p>
+            <a:endParaRPr lang="de-AT"/>
+          </a:p>
+        </p:txBody>
+      </p:sp>
+      <p:sp>
+        <p:nvSpPr>
+          <p:cNvPr id="7" name="Foliennummernplatzhalter 6"/>
+          <p:cNvSpPr>
+            <a:spLocks noGrp="1"/>
+          </p:cNvSpPr>
+          <p:nvPr>
+            <p:ph type="sldNum" sz="quarter" idx="5"/>
+          </p:nvPr>
+        </p:nvSpPr>
+        <p:spPr>
+          <a:xfrm>
+            <a:off x="3884613" y="8685213"/>
+            <a:ext cx="2971800" cy="458787"/>
+          </a:xfrm>
+          <a:prstGeom prst="rect">
+            <a:avLst/>
+          </a:prstGeom>
+        </p:spPr>
+        <p:txBody>
+          <a:bodyPr vert="horz" lIns="91440" tIns="45720" rIns="91440" bIns="45720" rtlCol="0" anchor="b"/>
+          <a:lstStyle>
+            <a:lvl1pPr algn="r">
+              <a:defRPr sz="1200"/>
+            </a:lvl1pPr>
+          </a:lstStyle>
+          <a:p>
+            <a:fld id="{A5791E63-305A-4BC8-BB2F-5C65240E1513}" type="slidenum">
+              <a:rPr lang="de-AT" smtClean="0"/>
+              <a:t>‹#›</a:t>
+            </a:fld>
+            <a:endParaRPr lang="de-AT"/>
+          </a:p>
+        </p:txBody>
+      </p:sp>
+    </p:spTree>
+    <p:extLst>
+      <p:ext uri="{BB962C8B-B14F-4D97-AF65-F5344CB8AC3E}">
+        <p14:creationId xmlns:p14="http://schemas.microsoft.com/office/powerpoint/2010/main" val="2907539073"/>
+      </p:ext>
+    </p:extLst>
+  </p:cSld>
+  <p:clrMap bg1="lt1" tx1="dk1" bg2="lt2" tx2="dk2" accent1="accent1" accent2="accent2" accent3="accent3" accent4="accent4" accent5="accent5" accent6="accent6" hlink="hlink" folHlink="folHlink"/>
+  <p:notesStyle>
+    <a:lvl1pPr marL="0" algn="l" defTabSz="914400" rtl="0" eaLnBrk="1" latinLnBrk="0" hangingPunct="1">
+      <a:defRPr sz="1200" kern="1200">
+        <a:solidFill>
+          <a:schemeClr val="tx1"/>
+        </a:solidFill>
+        <a:latin typeface="+mn-lt"/>
+        <a:ea typeface="+mn-ea"/>
+        <a:cs typeface="+mn-cs"/>
+      </a:defRPr>
+    </a:lvl1pPr>
+    <a:lvl2pPr marL="457200" algn="l" defTabSz="914400" rtl="0" eaLnBrk="1" latinLnBrk="0" hangingPunct="1">
+      <a:defRPr sz="1200" kern="1200">
+        <a:solidFill>
+          <a:schemeClr val="tx1"/>
+        </a:solidFill>
+        <a:latin typeface="+mn-lt"/>
+        <a:ea typeface="+mn-ea"/>
+        <a:cs typeface="+mn-cs"/>
+      </a:defRPr>
+    </a:lvl2pPr>
+    <a:lvl3pPr marL="914400" algn="l" defTabSz="914400" rtl="0" eaLnBrk="1" latinLnBrk="0" hangingPunct="1">
+      <a:defRPr sz="1200" kern="1200">
+        <a:solidFill>
+          <a:schemeClr val="tx1"/>
+        </a:solidFill>
+        <a:latin typeface="+mn-lt"/>
+        <a:ea typeface="+mn-ea"/>
+        <a:cs typeface="+mn-cs"/>
+      </a:defRPr>
+    </a:lvl3pPr>
+    <a:lvl4pPr marL="1371600" algn="l" defTabSz="914400" rtl="0" eaLnBrk="1" latinLnBrk="0" hangingPunct="1">
+      <a:defRPr sz="1200" kern="1200">
+        <a:solidFill>
+          <a:schemeClr val="tx1"/>
+        </a:solidFill>
+        <a:latin typeface="+mn-lt"/>
+        <a:ea typeface="+mn-ea"/>
+        <a:cs typeface="+mn-cs"/>
+      </a:defRPr>
+    </a:lvl4pPr>
+    <a:lvl5pPr marL="1828800" algn="l" defTabSz="914400" rtl="0" eaLnBrk="1" latinLnBrk="0" hangingPunct="1">
+      <a:defRPr sz="1200" kern="1200">
+        <a:solidFill>
+          <a:schemeClr val="tx1"/>
+        </a:solidFill>
+        <a:latin typeface="+mn-lt"/>
+        <a:ea typeface="+mn-ea"/>
+        <a:cs typeface="+mn-cs"/>
+      </a:defRPr>
+    </a:lvl5pPr>
+    <a:lvl6pPr marL="2286000" algn="l" defTabSz="914400" rtl="0" eaLnBrk="1" latinLnBrk="0" hangingPunct="1">
+      <a:defRPr sz="1200" kern="1200">
+        <a:solidFill>
+          <a:schemeClr val="tx1"/>
+        </a:solidFill>
+        <a:latin typeface="+mn-lt"/>
+        <a:ea typeface="+mn-ea"/>
+        <a:cs typeface="+mn-cs"/>
+      </a:defRPr>
+    </a:lvl6pPr>
+    <a:lvl7pPr marL="2743200" algn="l" defTabSz="914400" rtl="0" eaLnBrk="1" latinLnBrk="0" hangingPunct="1">
+      <a:defRPr sz="1200" kern="1200">
+        <a:solidFill>
+          <a:schemeClr val="tx1"/>
+        </a:solidFill>
+        <a:latin typeface="+mn-lt"/>
+        <a:ea typeface="+mn-ea"/>
+        <a:cs typeface="+mn-cs"/>
+      </a:defRPr>
+    </a:lvl7pPr>
+    <a:lvl8pPr marL="3200400" algn="l" defTabSz="914400" rtl="0" eaLnBrk="1" latinLnBrk="0" hangingPunct="1">
+      <a:defRPr sz="1200" kern="1200">
+        <a:solidFill>
+          <a:schemeClr val="tx1"/>
+        </a:solidFill>
+        <a:latin typeface="+mn-lt"/>
+        <a:ea typeface="+mn-ea"/>
+        <a:cs typeface="+mn-cs"/>
+      </a:defRPr>
+    </a:lvl8pPr>
+    <a:lvl9pPr marL="3657600" algn="l" defTabSz="914400" rtl="0" eaLnBrk="1" latinLnBrk="0" hangingPunct="1">
+      <a:defRPr sz="1200" kern="1200">
+        <a:solidFill>
+          <a:schemeClr val="tx1"/>
+        </a:solidFill>
+        <a:latin typeface="+mn-lt"/>
+        <a:ea typeface="+mn-ea"/>
+        <a:cs typeface="+mn-cs"/>
+      </a:defRPr>
+    </a:lvl9pPr>
+  </p:notesStyle>
+</p:notesMaster>
+</file>
+
+<file path=ppt/notesSlides/notesSlide1.xml><?xml version="1.0" encoding="utf-8"?>
+<p:notes xmlns:a="http://schemas.openxmlformats.org/drawingml/2006/main" xmlns:r="http://schemas.openxmlformats.org/officeDocument/2006/relationships" xmlns:p="http://schemas.openxmlformats.org/presentationml/2006/main">
+  <p:cSld>
+    <p:spTree>
+      <p:nvGrpSpPr>
+        <p:cNvPr id="1" name=""/>
+        <p:cNvGrpSpPr/>
+        <p:nvPr/>
+      </p:nvGrpSpPr>
+      <p:grpSpPr>
+        <a:xfrm>
+          <a:off x="0" y="0"/>
+          <a:ext cx="0" cy="0"/>
+          <a:chOff x="0" y="0"/>
+          <a:chExt cx="0" cy="0"/>
+        </a:xfrm>
+      </p:grpSpPr>
+      <p:sp>
+        <p:nvSpPr>
+          <p:cNvPr id="2" name="Folienbildplatzhalter 1"/>
+          <p:cNvSpPr>
+            <a:spLocks noGrp="1" noRot="1" noChangeAspect="1"/>
+          </p:cNvSpPr>
+          <p:nvPr>
+            <p:ph type="sldImg"/>
+          </p:nvPr>
+        </p:nvSpPr>
+        <p:spPr/>
+      </p:sp>
+      <p:sp>
+        <p:nvSpPr>
+          <p:cNvPr id="3" name="Notizenplatzhalter 2"/>
+          <p:cNvSpPr>
+            <a:spLocks noGrp="1"/>
+          </p:cNvSpPr>
+          <p:nvPr>
+            <p:ph type="body" idx="1"/>
+          </p:nvPr>
+        </p:nvSpPr>
+        <p:spPr/>
+        <p:txBody>
+          <a:bodyPr/>
+          <a:lstStyle/>
+          <a:p>
+            <a:r>
+              <a:rPr lang="de-AT" dirty="0" err="1"/>
+              <a:t>Spatial</a:t>
+            </a:r>
+            <a:r>
+              <a:rPr lang="de-AT" dirty="0"/>
+              <a:t> </a:t>
+            </a:r>
+            <a:r>
+              <a:rPr lang="de-AT" dirty="0" err="1"/>
+              <a:t>autocorrelation</a:t>
+            </a:r>
+            <a:r>
+              <a:rPr lang="de-AT" dirty="0"/>
+              <a:t> of </a:t>
+            </a:r>
+            <a:r>
+              <a:rPr lang="de-AT" dirty="0" err="1"/>
+              <a:t>healthcare</a:t>
+            </a:r>
+            <a:r>
+              <a:rPr lang="de-AT" dirty="0"/>
+              <a:t>, </a:t>
+            </a:r>
+            <a:r>
+              <a:rPr lang="de-AT" dirty="0" err="1"/>
+              <a:t>spatial</a:t>
+            </a:r>
+            <a:r>
+              <a:rPr lang="de-AT" dirty="0"/>
+              <a:t> </a:t>
+            </a:r>
+            <a:r>
+              <a:rPr lang="de-AT" dirty="0" err="1"/>
+              <a:t>autocorrelation</a:t>
+            </a:r>
+            <a:r>
+              <a:rPr lang="de-AT" dirty="0"/>
+              <a:t> of </a:t>
+            </a:r>
+            <a:r>
+              <a:rPr lang="de-AT" dirty="0" err="1"/>
+              <a:t>air</a:t>
+            </a:r>
+            <a:r>
+              <a:rPr lang="de-AT" dirty="0"/>
+              <a:t> </a:t>
+            </a:r>
+            <a:r>
+              <a:rPr lang="de-AT" dirty="0" err="1"/>
+              <a:t>pollution</a:t>
+            </a:r>
+            <a:r>
+              <a:rPr lang="de-AT" dirty="0"/>
+              <a:t> </a:t>
+            </a:r>
+          </a:p>
+        </p:txBody>
+      </p:sp>
+      <p:sp>
+        <p:nvSpPr>
+          <p:cNvPr id="4" name="Foliennummernplatzhalter 3"/>
+          <p:cNvSpPr>
+            <a:spLocks noGrp="1"/>
+          </p:cNvSpPr>
+          <p:nvPr>
+            <p:ph type="sldNum" sz="quarter" idx="5"/>
+          </p:nvPr>
+        </p:nvSpPr>
+        <p:spPr/>
+        <p:txBody>
+          <a:bodyPr/>
+          <a:lstStyle/>
+          <a:p>
+            <a:fld id="{A5791E63-305A-4BC8-BB2F-5C65240E1513}" type="slidenum">
+              <a:rPr lang="de-AT" smtClean="0"/>
+              <a:t>3</a:t>
+            </a:fld>
+            <a:endParaRPr lang="de-AT"/>
+          </a:p>
+        </p:txBody>
+      </p:sp>
+    </p:spTree>
+    <p:extLst>
+      <p:ext uri="{BB962C8B-B14F-4D97-AF65-F5344CB8AC3E}">
+        <p14:creationId xmlns:p14="http://schemas.microsoft.com/office/powerpoint/2010/main" val="2436567732"/>
+      </p:ext>
+    </p:extLst>
+  </p:cSld>
+  <p:clrMapOvr>
+    <a:masterClrMapping/>
+  </p:clrMapOvr>
+</p:notes>
+</file>
+
 <file path=ppt/slideLayouts/slideLayout1.xml><?xml version="1.0" encoding="utf-8"?>
 <p:sldLayout xmlns:a="http://schemas.openxmlformats.org/drawingml/2006/main" xmlns:r="http://schemas.openxmlformats.org/officeDocument/2006/relationships" xmlns:p="http://schemas.openxmlformats.org/presentationml/2006/main" type="title" preserve="1">
   <p:cSld name="Titelfolie">
-    <p:bg>
-      <p:bgPr>
-        <a:blipFill dpi="0" rotWithShape="1">
-          <a:blip r:embed="rId2">
-            <a:alphaModFix amt="92000"/>
-            <a:extLst>
-              <a:ext uri="{BEBA8EAE-BF5A-486C-A8C5-ECC9F3942E4B}">
-                <a14:imgProps xmlns:a14="http://schemas.microsoft.com/office/drawing/2010/main">
-                  <a14:imgLayer r:embed="rId3">
-                    <a14:imgEffect>
-                      <a14:brightnessContrast bright="-85000"/>
-                    </a14:imgEffect>
-                  </a14:imgLayer>
-                </a14:imgProps>
-              </a:ext>
-            </a:extLst>
-          </a:blip>
-          <a:srcRect/>
-          <a:stretch>
-            <a:fillRect t="-16000" b="-16000"/>
-          </a:stretch>
-        </a:blipFill>
-        <a:effectLst/>
-      </p:bgPr>
-    </p:bg>
     <p:spTree>
       <p:nvGrpSpPr>
         <p:cNvPr id="1" name=""/>
@@ -519,7 +932,7 @@
           <a:p>
             <a:fld id="{BEE95682-5D6A-47FC-87E3-D350DC45A65C}" type="datetimeFigureOut">
               <a:rPr lang="de-AT" smtClean="0"/>
-              <a:t>08.12.2022</a:t>
+              <a:t>09.12.2022</a:t>
             </a:fld>
             <a:endParaRPr lang="de-AT"/>
           </a:p>
@@ -593,6 +1006,295 @@
 </file>
 
 <file path=ppt/slideLayouts/slideLayout10.xml><?xml version="1.0" encoding="utf-8"?>
+<p:sldLayout xmlns:a="http://schemas.openxmlformats.org/drawingml/2006/main" xmlns:r="http://schemas.openxmlformats.org/officeDocument/2006/relationships" xmlns:p="http://schemas.openxmlformats.org/presentationml/2006/main" type="picTx" preserve="1">
+  <p:cSld name="Bild mit Überschrift">
+    <p:spTree>
+      <p:nvGrpSpPr>
+        <p:cNvPr id="1" name=""/>
+        <p:cNvGrpSpPr/>
+        <p:nvPr/>
+      </p:nvGrpSpPr>
+      <p:grpSpPr>
+        <a:xfrm>
+          <a:off x="0" y="0"/>
+          <a:ext cx="0" cy="0"/>
+          <a:chOff x="0" y="0"/>
+          <a:chExt cx="0" cy="0"/>
+        </a:xfrm>
+      </p:grpSpPr>
+      <p:sp>
+        <p:nvSpPr>
+          <p:cNvPr id="2" name="Titel 1">
+            <a:extLst>
+              <a:ext uri="{FF2B5EF4-FFF2-40B4-BE49-F238E27FC236}">
+                <a16:creationId xmlns:a16="http://schemas.microsoft.com/office/drawing/2014/main" id="{791474AF-5C57-7D92-869C-564FF837609F}"/>
+              </a:ext>
+            </a:extLst>
+          </p:cNvPr>
+          <p:cNvSpPr>
+            <a:spLocks noGrp="1"/>
+          </p:cNvSpPr>
+          <p:nvPr>
+            <p:ph type="title"/>
+          </p:nvPr>
+        </p:nvSpPr>
+        <p:spPr>
+          <a:xfrm>
+            <a:off x="839788" y="457200"/>
+            <a:ext cx="3932237" cy="1600200"/>
+          </a:xfrm>
+        </p:spPr>
+        <p:txBody>
+          <a:bodyPr anchor="b"/>
+          <a:lstStyle>
+            <a:lvl1pPr>
+              <a:defRPr sz="3200"/>
+            </a:lvl1pPr>
+          </a:lstStyle>
+          <a:p>
+            <a:r>
+              <a:rPr lang="de-DE"/>
+              <a:t>Mastertitelformat bearbeiten</a:t>
+            </a:r>
+            <a:endParaRPr lang="de-AT"/>
+          </a:p>
+        </p:txBody>
+      </p:sp>
+      <p:sp>
+        <p:nvSpPr>
+          <p:cNvPr id="3" name="Bildplatzhalter 2">
+            <a:extLst>
+              <a:ext uri="{FF2B5EF4-FFF2-40B4-BE49-F238E27FC236}">
+                <a16:creationId xmlns:a16="http://schemas.microsoft.com/office/drawing/2014/main" id="{BA0BACE0-2FD7-7146-DF85-A9B33D036827}"/>
+              </a:ext>
+            </a:extLst>
+          </p:cNvPr>
+          <p:cNvSpPr>
+            <a:spLocks noGrp="1"/>
+          </p:cNvSpPr>
+          <p:nvPr>
+            <p:ph type="pic" idx="1"/>
+          </p:nvPr>
+        </p:nvSpPr>
+        <p:spPr>
+          <a:xfrm>
+            <a:off x="5183188" y="987425"/>
+            <a:ext cx="6172200" cy="4873625"/>
+          </a:xfrm>
+        </p:spPr>
+        <p:txBody>
+          <a:bodyPr/>
+          <a:lstStyle>
+            <a:lvl1pPr marL="0" indent="0">
+              <a:buNone/>
+              <a:defRPr sz="3200"/>
+            </a:lvl1pPr>
+            <a:lvl2pPr marL="457200" indent="0">
+              <a:buNone/>
+              <a:defRPr sz="2800"/>
+            </a:lvl2pPr>
+            <a:lvl3pPr marL="914400" indent="0">
+              <a:buNone/>
+              <a:defRPr sz="2400"/>
+            </a:lvl3pPr>
+            <a:lvl4pPr marL="1371600" indent="0">
+              <a:buNone/>
+              <a:defRPr sz="2000"/>
+            </a:lvl4pPr>
+            <a:lvl5pPr marL="1828800" indent="0">
+              <a:buNone/>
+              <a:defRPr sz="2000"/>
+            </a:lvl5pPr>
+            <a:lvl6pPr marL="2286000" indent="0">
+              <a:buNone/>
+              <a:defRPr sz="2000"/>
+            </a:lvl6pPr>
+            <a:lvl7pPr marL="2743200" indent="0">
+              <a:buNone/>
+              <a:defRPr sz="2000"/>
+            </a:lvl7pPr>
+            <a:lvl8pPr marL="3200400" indent="0">
+              <a:buNone/>
+              <a:defRPr sz="2000"/>
+            </a:lvl8pPr>
+            <a:lvl9pPr marL="3657600" indent="0">
+              <a:buNone/>
+              <a:defRPr sz="2000"/>
+            </a:lvl9pPr>
+          </a:lstStyle>
+          <a:p>
+            <a:endParaRPr lang="de-AT"/>
+          </a:p>
+        </p:txBody>
+      </p:sp>
+      <p:sp>
+        <p:nvSpPr>
+          <p:cNvPr id="4" name="Textplatzhalter 3">
+            <a:extLst>
+              <a:ext uri="{FF2B5EF4-FFF2-40B4-BE49-F238E27FC236}">
+                <a16:creationId xmlns:a16="http://schemas.microsoft.com/office/drawing/2014/main" id="{48C0EBAE-4D37-2F3F-0165-33962CBC4BD7}"/>
+              </a:ext>
+            </a:extLst>
+          </p:cNvPr>
+          <p:cNvSpPr>
+            <a:spLocks noGrp="1"/>
+          </p:cNvSpPr>
+          <p:nvPr>
+            <p:ph type="body" sz="half" idx="2"/>
+          </p:nvPr>
+        </p:nvSpPr>
+        <p:spPr>
+          <a:xfrm>
+            <a:off x="839788" y="2057400"/>
+            <a:ext cx="3932237" cy="3811588"/>
+          </a:xfrm>
+        </p:spPr>
+        <p:txBody>
+          <a:bodyPr/>
+          <a:lstStyle>
+            <a:lvl1pPr marL="0" indent="0">
+              <a:buNone/>
+              <a:defRPr sz="1600"/>
+            </a:lvl1pPr>
+            <a:lvl2pPr marL="457200" indent="0">
+              <a:buNone/>
+              <a:defRPr sz="1400"/>
+            </a:lvl2pPr>
+            <a:lvl3pPr marL="914400" indent="0">
+              <a:buNone/>
+              <a:defRPr sz="1200"/>
+            </a:lvl3pPr>
+            <a:lvl4pPr marL="1371600" indent="0">
+              <a:buNone/>
+              <a:defRPr sz="1000"/>
+            </a:lvl4pPr>
+            <a:lvl5pPr marL="1828800" indent="0">
+              <a:buNone/>
+              <a:defRPr sz="1000"/>
+            </a:lvl5pPr>
+            <a:lvl6pPr marL="2286000" indent="0">
+              <a:buNone/>
+              <a:defRPr sz="1000"/>
+            </a:lvl6pPr>
+            <a:lvl7pPr marL="2743200" indent="0">
+              <a:buNone/>
+              <a:defRPr sz="1000"/>
+            </a:lvl7pPr>
+            <a:lvl8pPr marL="3200400" indent="0">
+              <a:buNone/>
+              <a:defRPr sz="1000"/>
+            </a:lvl8pPr>
+            <a:lvl9pPr marL="3657600" indent="0">
+              <a:buNone/>
+              <a:defRPr sz="1000"/>
+            </a:lvl9pPr>
+          </a:lstStyle>
+          <a:p>
+            <a:pPr lvl="0"/>
+            <a:r>
+              <a:rPr lang="de-DE"/>
+              <a:t>Mastertextformat bearbeiten</a:t>
+            </a:r>
+          </a:p>
+        </p:txBody>
+      </p:sp>
+      <p:sp>
+        <p:nvSpPr>
+          <p:cNvPr id="5" name="Datumsplatzhalter 4">
+            <a:extLst>
+              <a:ext uri="{FF2B5EF4-FFF2-40B4-BE49-F238E27FC236}">
+                <a16:creationId xmlns:a16="http://schemas.microsoft.com/office/drawing/2014/main" id="{225B0A04-A6E3-4C58-1B21-58E28F73D8EC}"/>
+              </a:ext>
+            </a:extLst>
+          </p:cNvPr>
+          <p:cNvSpPr>
+            <a:spLocks noGrp="1"/>
+          </p:cNvSpPr>
+          <p:nvPr>
+            <p:ph type="dt" sz="half" idx="10"/>
+          </p:nvPr>
+        </p:nvSpPr>
+        <p:spPr/>
+        <p:txBody>
+          <a:bodyPr/>
+          <a:lstStyle/>
+          <a:p>
+            <a:fld id="{BEE95682-5D6A-47FC-87E3-D350DC45A65C}" type="datetimeFigureOut">
+              <a:rPr lang="de-AT" smtClean="0"/>
+              <a:t>09.12.2022</a:t>
+            </a:fld>
+            <a:endParaRPr lang="de-AT"/>
+          </a:p>
+        </p:txBody>
+      </p:sp>
+      <p:sp>
+        <p:nvSpPr>
+          <p:cNvPr id="6" name="Fußzeilenplatzhalter 5">
+            <a:extLst>
+              <a:ext uri="{FF2B5EF4-FFF2-40B4-BE49-F238E27FC236}">
+                <a16:creationId xmlns:a16="http://schemas.microsoft.com/office/drawing/2014/main" id="{4A949BA0-BB20-DD38-B515-532388C23316}"/>
+              </a:ext>
+            </a:extLst>
+          </p:cNvPr>
+          <p:cNvSpPr>
+            <a:spLocks noGrp="1"/>
+          </p:cNvSpPr>
+          <p:nvPr>
+            <p:ph type="ftr" sz="quarter" idx="11"/>
+          </p:nvPr>
+        </p:nvSpPr>
+        <p:spPr/>
+        <p:txBody>
+          <a:bodyPr/>
+          <a:lstStyle/>
+          <a:p>
+            <a:endParaRPr lang="de-AT"/>
+          </a:p>
+        </p:txBody>
+      </p:sp>
+      <p:sp>
+        <p:nvSpPr>
+          <p:cNvPr id="7" name="Foliennummernplatzhalter 6">
+            <a:extLst>
+              <a:ext uri="{FF2B5EF4-FFF2-40B4-BE49-F238E27FC236}">
+                <a16:creationId xmlns:a16="http://schemas.microsoft.com/office/drawing/2014/main" id="{A71E77F5-24E8-CCEE-4503-36CFE4E03055}"/>
+              </a:ext>
+            </a:extLst>
+          </p:cNvPr>
+          <p:cNvSpPr>
+            <a:spLocks noGrp="1"/>
+          </p:cNvSpPr>
+          <p:nvPr>
+            <p:ph type="sldNum" sz="quarter" idx="12"/>
+          </p:nvPr>
+        </p:nvSpPr>
+        <p:spPr/>
+        <p:txBody>
+          <a:bodyPr/>
+          <a:lstStyle/>
+          <a:p>
+            <a:fld id="{6510C8EE-8F42-4D7D-A368-E9EFA8FE638A}" type="slidenum">
+              <a:rPr lang="de-AT" smtClean="0"/>
+              <a:t>‹#›</a:t>
+            </a:fld>
+            <a:endParaRPr lang="de-AT"/>
+          </a:p>
+        </p:txBody>
+      </p:sp>
+    </p:spTree>
+    <p:extLst>
+      <p:ext uri="{BB962C8B-B14F-4D97-AF65-F5344CB8AC3E}">
+        <p14:creationId xmlns:p14="http://schemas.microsoft.com/office/powerpoint/2010/main" val="2128804792"/>
+      </p:ext>
+    </p:extLst>
+  </p:cSld>
+  <p:clrMapOvr>
+    <a:masterClrMapping/>
+  </p:clrMapOvr>
+</p:sldLayout>
+</file>
+
+<file path=ppt/slideLayouts/slideLayout11.xml><?xml version="1.0" encoding="utf-8"?>
 <p:sldLayout xmlns:a="http://schemas.openxmlformats.org/drawingml/2006/main" xmlns:r="http://schemas.openxmlformats.org/officeDocument/2006/relationships" xmlns:p="http://schemas.openxmlformats.org/presentationml/2006/main" type="vertTx" preserve="1">
   <p:cSld name="Titel und vertikaler Text">
     <p:spTree>
@@ -719,7 +1421,7 @@
           <a:p>
             <a:fld id="{BEE95682-5D6A-47FC-87E3-D350DC45A65C}" type="datetimeFigureOut">
               <a:rPr lang="de-AT" smtClean="0"/>
-              <a:t>08.12.2022</a:t>
+              <a:t>09.12.2022</a:t>
             </a:fld>
             <a:endParaRPr lang="de-AT"/>
           </a:p>
@@ -792,7 +1494,7 @@
 </p:sldLayout>
 </file>
 
-<file path=ppt/slideLayouts/slideLayout11.xml><?xml version="1.0" encoding="utf-8"?>
+<file path=ppt/slideLayouts/slideLayout12.xml><?xml version="1.0" encoding="utf-8"?>
 <p:sldLayout xmlns:a="http://schemas.openxmlformats.org/drawingml/2006/main" xmlns:r="http://schemas.openxmlformats.org/officeDocument/2006/relationships" xmlns:p="http://schemas.openxmlformats.org/presentationml/2006/main" type="vertTitleAndTx" preserve="1">
   <p:cSld name="Vertikaler Titel und Text">
     <p:spTree>
@@ -929,7 +1631,7 @@
           <a:p>
             <a:fld id="{BEE95682-5D6A-47FC-87E3-D350DC45A65C}" type="datetimeFigureOut">
               <a:rPr lang="de-AT" smtClean="0"/>
-              <a:t>08.12.2022</a:t>
+              <a:t>09.12.2022</a:t>
             </a:fld>
             <a:endParaRPr lang="de-AT"/>
           </a:p>
@@ -1004,7 +1706,7 @@
 
 <file path=ppt/slideLayouts/slideLayout2.xml><?xml version="1.0" encoding="utf-8"?>
 <p:sldLayout xmlns:a="http://schemas.openxmlformats.org/drawingml/2006/main" xmlns:r="http://schemas.openxmlformats.org/officeDocument/2006/relationships" xmlns:p="http://schemas.openxmlformats.org/presentationml/2006/main" type="obj" preserve="1">
-  <p:cSld name="Titel und Inhalt">
+  <p:cSld name="1_Titel und Inhalt">
     <p:bg>
       <p:bgPr>
         <a:blipFill dpi="0" rotWithShape="1">
@@ -1198,7 +1900,276 @@
           <a:p>
             <a:fld id="{BEE95682-5D6A-47FC-87E3-D350DC45A65C}" type="datetimeFigureOut">
               <a:rPr lang="de-AT" smtClean="0"/>
-              <a:t>08.12.2022</a:t>
+              <a:t>09.12.2022</a:t>
+            </a:fld>
+            <a:endParaRPr lang="de-AT"/>
+          </a:p>
+        </p:txBody>
+      </p:sp>
+      <p:sp>
+        <p:nvSpPr>
+          <p:cNvPr id="5" name="Fußzeilenplatzhalter 4">
+            <a:extLst>
+              <a:ext uri="{FF2B5EF4-FFF2-40B4-BE49-F238E27FC236}">
+                <a16:creationId xmlns:a16="http://schemas.microsoft.com/office/drawing/2014/main" id="{D662F969-FC09-BA3F-F59D-3793BE510B00}"/>
+              </a:ext>
+            </a:extLst>
+          </p:cNvPr>
+          <p:cNvSpPr>
+            <a:spLocks noGrp="1"/>
+          </p:cNvSpPr>
+          <p:nvPr>
+            <p:ph type="ftr" sz="quarter" idx="11"/>
+          </p:nvPr>
+        </p:nvSpPr>
+        <p:spPr/>
+        <p:txBody>
+          <a:bodyPr/>
+          <a:lstStyle/>
+          <a:p>
+            <a:endParaRPr lang="de-AT"/>
+          </a:p>
+        </p:txBody>
+      </p:sp>
+      <p:sp>
+        <p:nvSpPr>
+          <p:cNvPr id="6" name="Foliennummernplatzhalter 5">
+            <a:extLst>
+              <a:ext uri="{FF2B5EF4-FFF2-40B4-BE49-F238E27FC236}">
+                <a16:creationId xmlns:a16="http://schemas.microsoft.com/office/drawing/2014/main" id="{5A864E5E-028D-1A56-BC42-0144A3F598A3}"/>
+              </a:ext>
+            </a:extLst>
+          </p:cNvPr>
+          <p:cNvSpPr>
+            <a:spLocks noGrp="1"/>
+          </p:cNvSpPr>
+          <p:nvPr>
+            <p:ph type="sldNum" sz="quarter" idx="12"/>
+          </p:nvPr>
+        </p:nvSpPr>
+        <p:spPr/>
+        <p:txBody>
+          <a:bodyPr/>
+          <a:lstStyle/>
+          <a:p>
+            <a:fld id="{6510C8EE-8F42-4D7D-A368-E9EFA8FE638A}" type="slidenum">
+              <a:rPr lang="de-AT" smtClean="0"/>
+              <a:t>‹#›</a:t>
+            </a:fld>
+            <a:endParaRPr lang="de-AT"/>
+          </a:p>
+        </p:txBody>
+      </p:sp>
+    </p:spTree>
+    <p:extLst>
+      <p:ext uri="{BB962C8B-B14F-4D97-AF65-F5344CB8AC3E}">
+        <p14:creationId xmlns:p14="http://schemas.microsoft.com/office/powerpoint/2010/main" val="1118386528"/>
+      </p:ext>
+    </p:extLst>
+  </p:cSld>
+  <p:clrMapOvr>
+    <a:masterClrMapping/>
+  </p:clrMapOvr>
+</p:sldLayout>
+</file>
+
+<file path=ppt/slideLayouts/slideLayout3.xml><?xml version="1.0" encoding="utf-8"?>
+<p:sldLayout xmlns:a="http://schemas.openxmlformats.org/drawingml/2006/main" xmlns:r="http://schemas.openxmlformats.org/officeDocument/2006/relationships" xmlns:p="http://schemas.openxmlformats.org/presentationml/2006/main" type="obj" preserve="1">
+  <p:cSld name="Titel und Inhalt">
+    <p:bg>
+      <p:bgPr>
+        <a:blipFill dpi="0" rotWithShape="1">
+          <a:blip r:embed="rId2">
+            <a:alphaModFix amt="92000"/>
+            <a:extLst>
+              <a:ext uri="{BEBA8EAE-BF5A-486C-A8C5-ECC9F3942E4B}">
+                <a14:imgProps xmlns:a14="http://schemas.microsoft.com/office/drawing/2010/main">
+                  <a14:imgLayer r:embed="rId3">
+                    <a14:imgEffect>
+                      <a14:brightnessContrast bright="-85000"/>
+                    </a14:imgEffect>
+                  </a14:imgLayer>
+                </a14:imgProps>
+              </a:ext>
+            </a:extLst>
+          </a:blip>
+          <a:srcRect/>
+          <a:stretch>
+            <a:fillRect t="-16000" b="-16000"/>
+          </a:stretch>
+        </a:blipFill>
+        <a:effectLst/>
+      </p:bgPr>
+    </p:bg>
+    <p:spTree>
+      <p:nvGrpSpPr>
+        <p:cNvPr id="1" name=""/>
+        <p:cNvGrpSpPr/>
+        <p:nvPr/>
+      </p:nvGrpSpPr>
+      <p:grpSpPr>
+        <a:xfrm>
+          <a:off x="0" y="0"/>
+          <a:ext cx="0" cy="0"/>
+          <a:chOff x="0" y="0"/>
+          <a:chExt cx="0" cy="0"/>
+        </a:xfrm>
+      </p:grpSpPr>
+      <p:sp>
+        <p:nvSpPr>
+          <p:cNvPr id="2" name="Titel 1">
+            <a:extLst>
+              <a:ext uri="{FF2B5EF4-FFF2-40B4-BE49-F238E27FC236}">
+                <a16:creationId xmlns:a16="http://schemas.microsoft.com/office/drawing/2014/main" id="{EA1C9D9C-8C03-0A8C-A89F-11A2C9180393}"/>
+              </a:ext>
+            </a:extLst>
+          </p:cNvPr>
+          <p:cNvSpPr>
+            <a:spLocks noGrp="1"/>
+          </p:cNvSpPr>
+          <p:nvPr>
+            <p:ph type="title"/>
+          </p:nvPr>
+        </p:nvSpPr>
+        <p:spPr/>
+        <p:txBody>
+          <a:bodyPr/>
+          <a:lstStyle>
+            <a:lvl1pPr>
+              <a:defRPr>
+                <a:solidFill>
+                  <a:schemeClr val="bg1"/>
+                </a:solidFill>
+              </a:defRPr>
+            </a:lvl1pPr>
+          </a:lstStyle>
+          <a:p>
+            <a:r>
+              <a:rPr lang="de-DE" dirty="0"/>
+              <a:t>Mastertitelformat bearbeiten</a:t>
+            </a:r>
+            <a:endParaRPr lang="de-AT" dirty="0"/>
+          </a:p>
+        </p:txBody>
+      </p:sp>
+      <p:sp>
+        <p:nvSpPr>
+          <p:cNvPr id="3" name="Inhaltsplatzhalter 2">
+            <a:extLst>
+              <a:ext uri="{FF2B5EF4-FFF2-40B4-BE49-F238E27FC236}">
+                <a16:creationId xmlns:a16="http://schemas.microsoft.com/office/drawing/2014/main" id="{8239D711-1088-7D98-DF8F-ECD384B6249B}"/>
+              </a:ext>
+            </a:extLst>
+          </p:cNvPr>
+          <p:cNvSpPr>
+            <a:spLocks noGrp="1"/>
+          </p:cNvSpPr>
+          <p:nvPr>
+            <p:ph idx="1"/>
+          </p:nvPr>
+        </p:nvSpPr>
+        <p:spPr/>
+        <p:txBody>
+          <a:bodyPr/>
+          <a:lstStyle>
+            <a:lvl1pPr>
+              <a:defRPr>
+                <a:solidFill>
+                  <a:schemeClr val="bg1"/>
+                </a:solidFill>
+              </a:defRPr>
+            </a:lvl1pPr>
+            <a:lvl2pPr>
+              <a:defRPr>
+                <a:solidFill>
+                  <a:schemeClr val="bg1"/>
+                </a:solidFill>
+              </a:defRPr>
+            </a:lvl2pPr>
+            <a:lvl3pPr>
+              <a:defRPr>
+                <a:solidFill>
+                  <a:schemeClr val="bg1"/>
+                </a:solidFill>
+              </a:defRPr>
+            </a:lvl3pPr>
+            <a:lvl4pPr>
+              <a:defRPr>
+                <a:solidFill>
+                  <a:schemeClr val="bg1"/>
+                </a:solidFill>
+              </a:defRPr>
+            </a:lvl4pPr>
+            <a:lvl5pPr>
+              <a:defRPr>
+                <a:solidFill>
+                  <a:schemeClr val="bg1"/>
+                </a:solidFill>
+              </a:defRPr>
+            </a:lvl5pPr>
+          </a:lstStyle>
+          <a:p>
+            <a:pPr lvl="0"/>
+            <a:r>
+              <a:rPr lang="de-DE" dirty="0"/>
+              <a:t>Mastertextformat bearbeiten</a:t>
+            </a:r>
+          </a:p>
+          <a:p>
+            <a:pPr lvl="1"/>
+            <a:r>
+              <a:rPr lang="de-DE" dirty="0"/>
+              <a:t>Zweite Ebene</a:t>
+            </a:r>
+          </a:p>
+          <a:p>
+            <a:pPr lvl="2"/>
+            <a:r>
+              <a:rPr lang="de-DE" dirty="0"/>
+              <a:t>Dritte Ebene</a:t>
+            </a:r>
+          </a:p>
+          <a:p>
+            <a:pPr lvl="3"/>
+            <a:r>
+              <a:rPr lang="de-DE" dirty="0"/>
+              <a:t>Vierte Ebene</a:t>
+            </a:r>
+          </a:p>
+          <a:p>
+            <a:pPr lvl="4"/>
+            <a:r>
+              <a:rPr lang="de-DE" dirty="0"/>
+              <a:t>Fünfte Ebene</a:t>
+            </a:r>
+            <a:endParaRPr lang="de-AT" dirty="0"/>
+          </a:p>
+        </p:txBody>
+      </p:sp>
+      <p:sp>
+        <p:nvSpPr>
+          <p:cNvPr id="4" name="Datumsplatzhalter 3">
+            <a:extLst>
+              <a:ext uri="{FF2B5EF4-FFF2-40B4-BE49-F238E27FC236}">
+                <a16:creationId xmlns:a16="http://schemas.microsoft.com/office/drawing/2014/main" id="{9350D2A7-84CF-9FB5-74D0-6C23BD5EA5D2}"/>
+              </a:ext>
+            </a:extLst>
+          </p:cNvPr>
+          <p:cNvSpPr>
+            <a:spLocks noGrp="1"/>
+          </p:cNvSpPr>
+          <p:nvPr>
+            <p:ph type="dt" sz="half" idx="10"/>
+          </p:nvPr>
+        </p:nvSpPr>
+        <p:spPr/>
+        <p:txBody>
+          <a:bodyPr/>
+          <a:lstStyle/>
+          <a:p>
+            <a:fld id="{BEE95682-5D6A-47FC-87E3-D350DC45A65C}" type="datetimeFigureOut">
+              <a:rPr lang="de-AT" smtClean="0"/>
+              <a:t>09.12.2022</a:t>
             </a:fld>
             <a:endParaRPr lang="de-AT"/>
           </a:p>
@@ -1271,7 +2242,7 @@
 </p:sldLayout>
 </file>
 
-<file path=ppt/slideLayouts/slideLayout3.xml><?xml version="1.0" encoding="utf-8"?>
+<file path=ppt/slideLayouts/slideLayout4.xml><?xml version="1.0" encoding="utf-8"?>
 <p:sldLayout xmlns:a="http://schemas.openxmlformats.org/drawingml/2006/main" xmlns:r="http://schemas.openxmlformats.org/officeDocument/2006/relationships" xmlns:p="http://schemas.openxmlformats.org/presentationml/2006/main" type="secHead" preserve="1">
   <p:cSld name="Abschnitts-&#10;überschrift">
     <p:spTree>
@@ -1474,7 +2445,7 @@
           <a:p>
             <a:fld id="{BEE95682-5D6A-47FC-87E3-D350DC45A65C}" type="datetimeFigureOut">
               <a:rPr lang="de-AT" smtClean="0"/>
-              <a:t>08.12.2022</a:t>
+              <a:t>09.12.2022</a:t>
             </a:fld>
             <a:endParaRPr lang="de-AT"/>
           </a:p>
@@ -1547,7 +2518,7 @@
 </p:sldLayout>
 </file>
 
-<file path=ppt/slideLayouts/slideLayout4.xml><?xml version="1.0" encoding="utf-8"?>
+<file path=ppt/slideLayouts/slideLayout5.xml><?xml version="1.0" encoding="utf-8"?>
 <p:sldLayout xmlns:a="http://schemas.openxmlformats.org/drawingml/2006/main" xmlns:r="http://schemas.openxmlformats.org/officeDocument/2006/relationships" xmlns:p="http://schemas.openxmlformats.org/presentationml/2006/main" type="twoObj" preserve="1">
   <p:cSld name="Zwei Inhalte">
     <p:spTree>
@@ -1742,7 +2713,7 @@
           <a:p>
             <a:fld id="{BEE95682-5D6A-47FC-87E3-D350DC45A65C}" type="datetimeFigureOut">
               <a:rPr lang="de-AT" smtClean="0"/>
-              <a:t>08.12.2022</a:t>
+              <a:t>09.12.2022</a:t>
             </a:fld>
             <a:endParaRPr lang="de-AT"/>
           </a:p>
@@ -1815,7 +2786,7 @@
 </p:sldLayout>
 </file>
 
-<file path=ppt/slideLayouts/slideLayout5.xml><?xml version="1.0" encoding="utf-8"?>
+<file path=ppt/slideLayouts/slideLayout6.xml><?xml version="1.0" encoding="utf-8"?>
 <p:sldLayout xmlns:a="http://schemas.openxmlformats.org/drawingml/2006/main" xmlns:r="http://schemas.openxmlformats.org/officeDocument/2006/relationships" xmlns:p="http://schemas.openxmlformats.org/presentationml/2006/main" type="twoTxTwoObj" preserve="1">
   <p:cSld name="Vergleich">
     <p:spTree>
@@ -2157,7 +3128,7 @@
           <a:p>
             <a:fld id="{BEE95682-5D6A-47FC-87E3-D350DC45A65C}" type="datetimeFigureOut">
               <a:rPr lang="de-AT" smtClean="0"/>
-              <a:t>08.12.2022</a:t>
+              <a:t>09.12.2022</a:t>
             </a:fld>
             <a:endParaRPr lang="de-AT"/>
           </a:p>
@@ -2230,7 +3201,7 @@
 </p:sldLayout>
 </file>
 
-<file path=ppt/slideLayouts/slideLayout6.xml><?xml version="1.0" encoding="utf-8"?>
+<file path=ppt/slideLayouts/slideLayout7.xml><?xml version="1.0" encoding="utf-8"?>
 <p:sldLayout xmlns:a="http://schemas.openxmlformats.org/drawingml/2006/main" xmlns:r="http://schemas.openxmlformats.org/officeDocument/2006/relationships" xmlns:p="http://schemas.openxmlformats.org/presentationml/2006/main" type="titleOnly" preserve="1">
   <p:cSld name="Nur Titel">
     <p:spTree>
@@ -2299,7 +3270,7 @@
           <a:p>
             <a:fld id="{BEE95682-5D6A-47FC-87E3-D350DC45A65C}" type="datetimeFigureOut">
               <a:rPr lang="de-AT" smtClean="0"/>
-              <a:t>08.12.2022</a:t>
+              <a:t>09.12.2022</a:t>
             </a:fld>
             <a:endParaRPr lang="de-AT"/>
           </a:p>
@@ -2372,7 +3343,7 @@
 </p:sldLayout>
 </file>
 
-<file path=ppt/slideLayouts/slideLayout7.xml><?xml version="1.0" encoding="utf-8"?>
+<file path=ppt/slideLayouts/slideLayout8.xml><?xml version="1.0" encoding="utf-8"?>
 <p:sldLayout xmlns:a="http://schemas.openxmlformats.org/drawingml/2006/main" xmlns:r="http://schemas.openxmlformats.org/officeDocument/2006/relationships" xmlns:p="http://schemas.openxmlformats.org/presentationml/2006/main" type="blank" preserve="1">
   <p:cSld name="Leer">
     <p:spTree>
@@ -2412,7 +3383,7 @@
           <a:p>
             <a:fld id="{BEE95682-5D6A-47FC-87E3-D350DC45A65C}" type="datetimeFigureOut">
               <a:rPr lang="de-AT" smtClean="0"/>
-              <a:t>08.12.2022</a:t>
+              <a:t>09.12.2022</a:t>
             </a:fld>
             <a:endParaRPr lang="de-AT"/>
           </a:p>
@@ -2485,7 +3456,7 @@
 </p:sldLayout>
 </file>
 
-<file path=ppt/slideLayouts/slideLayout8.xml><?xml version="1.0" encoding="utf-8"?>
+<file path=ppt/slideLayouts/slideLayout9.xml><?xml version="1.0" encoding="utf-8"?>
 <p:sldLayout xmlns:a="http://schemas.openxmlformats.org/drawingml/2006/main" xmlns:r="http://schemas.openxmlformats.org/officeDocument/2006/relationships" xmlns:p="http://schemas.openxmlformats.org/presentationml/2006/main" type="objTx" preserve="1">
   <p:cSld name="Inhalt mit Überschrift">
     <p:spTree>
@@ -2725,7 +3696,7 @@
           <a:p>
             <a:fld id="{BEE95682-5D6A-47FC-87E3-D350DC45A65C}" type="datetimeFigureOut">
               <a:rPr lang="de-AT" smtClean="0"/>
-              <a:t>08.12.2022</a:t>
+              <a:t>09.12.2022</a:t>
             </a:fld>
             <a:endParaRPr lang="de-AT"/>
           </a:p>
@@ -2789,295 +3760,6 @@
     <p:extLst>
       <p:ext uri="{BB962C8B-B14F-4D97-AF65-F5344CB8AC3E}">
         <p14:creationId xmlns:p14="http://schemas.microsoft.com/office/powerpoint/2010/main" val="717553678"/>
-      </p:ext>
-    </p:extLst>
-  </p:cSld>
-  <p:clrMapOvr>
-    <a:masterClrMapping/>
-  </p:clrMapOvr>
-</p:sldLayout>
-</file>
-
-<file path=ppt/slideLayouts/slideLayout9.xml><?xml version="1.0" encoding="utf-8"?>
-<p:sldLayout xmlns:a="http://schemas.openxmlformats.org/drawingml/2006/main" xmlns:r="http://schemas.openxmlformats.org/officeDocument/2006/relationships" xmlns:p="http://schemas.openxmlformats.org/presentationml/2006/main" type="picTx" preserve="1">
-  <p:cSld name="Bild mit Überschrift">
-    <p:spTree>
-      <p:nvGrpSpPr>
-        <p:cNvPr id="1" name=""/>
-        <p:cNvGrpSpPr/>
-        <p:nvPr/>
-      </p:nvGrpSpPr>
-      <p:grpSpPr>
-        <a:xfrm>
-          <a:off x="0" y="0"/>
-          <a:ext cx="0" cy="0"/>
-          <a:chOff x="0" y="0"/>
-          <a:chExt cx="0" cy="0"/>
-        </a:xfrm>
-      </p:grpSpPr>
-      <p:sp>
-        <p:nvSpPr>
-          <p:cNvPr id="2" name="Titel 1">
-            <a:extLst>
-              <a:ext uri="{FF2B5EF4-FFF2-40B4-BE49-F238E27FC236}">
-                <a16:creationId xmlns:a16="http://schemas.microsoft.com/office/drawing/2014/main" id="{791474AF-5C57-7D92-869C-564FF837609F}"/>
-              </a:ext>
-            </a:extLst>
-          </p:cNvPr>
-          <p:cNvSpPr>
-            <a:spLocks noGrp="1"/>
-          </p:cNvSpPr>
-          <p:nvPr>
-            <p:ph type="title"/>
-          </p:nvPr>
-        </p:nvSpPr>
-        <p:spPr>
-          <a:xfrm>
-            <a:off x="839788" y="457200"/>
-            <a:ext cx="3932237" cy="1600200"/>
-          </a:xfrm>
-        </p:spPr>
-        <p:txBody>
-          <a:bodyPr anchor="b"/>
-          <a:lstStyle>
-            <a:lvl1pPr>
-              <a:defRPr sz="3200"/>
-            </a:lvl1pPr>
-          </a:lstStyle>
-          <a:p>
-            <a:r>
-              <a:rPr lang="de-DE"/>
-              <a:t>Mastertitelformat bearbeiten</a:t>
-            </a:r>
-            <a:endParaRPr lang="de-AT"/>
-          </a:p>
-        </p:txBody>
-      </p:sp>
-      <p:sp>
-        <p:nvSpPr>
-          <p:cNvPr id="3" name="Bildplatzhalter 2">
-            <a:extLst>
-              <a:ext uri="{FF2B5EF4-FFF2-40B4-BE49-F238E27FC236}">
-                <a16:creationId xmlns:a16="http://schemas.microsoft.com/office/drawing/2014/main" id="{BA0BACE0-2FD7-7146-DF85-A9B33D036827}"/>
-              </a:ext>
-            </a:extLst>
-          </p:cNvPr>
-          <p:cNvSpPr>
-            <a:spLocks noGrp="1"/>
-          </p:cNvSpPr>
-          <p:nvPr>
-            <p:ph type="pic" idx="1"/>
-          </p:nvPr>
-        </p:nvSpPr>
-        <p:spPr>
-          <a:xfrm>
-            <a:off x="5183188" y="987425"/>
-            <a:ext cx="6172200" cy="4873625"/>
-          </a:xfrm>
-        </p:spPr>
-        <p:txBody>
-          <a:bodyPr/>
-          <a:lstStyle>
-            <a:lvl1pPr marL="0" indent="0">
-              <a:buNone/>
-              <a:defRPr sz="3200"/>
-            </a:lvl1pPr>
-            <a:lvl2pPr marL="457200" indent="0">
-              <a:buNone/>
-              <a:defRPr sz="2800"/>
-            </a:lvl2pPr>
-            <a:lvl3pPr marL="914400" indent="0">
-              <a:buNone/>
-              <a:defRPr sz="2400"/>
-            </a:lvl3pPr>
-            <a:lvl4pPr marL="1371600" indent="0">
-              <a:buNone/>
-              <a:defRPr sz="2000"/>
-            </a:lvl4pPr>
-            <a:lvl5pPr marL="1828800" indent="0">
-              <a:buNone/>
-              <a:defRPr sz="2000"/>
-            </a:lvl5pPr>
-            <a:lvl6pPr marL="2286000" indent="0">
-              <a:buNone/>
-              <a:defRPr sz="2000"/>
-            </a:lvl6pPr>
-            <a:lvl7pPr marL="2743200" indent="0">
-              <a:buNone/>
-              <a:defRPr sz="2000"/>
-            </a:lvl7pPr>
-            <a:lvl8pPr marL="3200400" indent="0">
-              <a:buNone/>
-              <a:defRPr sz="2000"/>
-            </a:lvl8pPr>
-            <a:lvl9pPr marL="3657600" indent="0">
-              <a:buNone/>
-              <a:defRPr sz="2000"/>
-            </a:lvl9pPr>
-          </a:lstStyle>
-          <a:p>
-            <a:endParaRPr lang="de-AT"/>
-          </a:p>
-        </p:txBody>
-      </p:sp>
-      <p:sp>
-        <p:nvSpPr>
-          <p:cNvPr id="4" name="Textplatzhalter 3">
-            <a:extLst>
-              <a:ext uri="{FF2B5EF4-FFF2-40B4-BE49-F238E27FC236}">
-                <a16:creationId xmlns:a16="http://schemas.microsoft.com/office/drawing/2014/main" id="{48C0EBAE-4D37-2F3F-0165-33962CBC4BD7}"/>
-              </a:ext>
-            </a:extLst>
-          </p:cNvPr>
-          <p:cNvSpPr>
-            <a:spLocks noGrp="1"/>
-          </p:cNvSpPr>
-          <p:nvPr>
-            <p:ph type="body" sz="half" idx="2"/>
-          </p:nvPr>
-        </p:nvSpPr>
-        <p:spPr>
-          <a:xfrm>
-            <a:off x="839788" y="2057400"/>
-            <a:ext cx="3932237" cy="3811588"/>
-          </a:xfrm>
-        </p:spPr>
-        <p:txBody>
-          <a:bodyPr/>
-          <a:lstStyle>
-            <a:lvl1pPr marL="0" indent="0">
-              <a:buNone/>
-              <a:defRPr sz="1600"/>
-            </a:lvl1pPr>
-            <a:lvl2pPr marL="457200" indent="0">
-              <a:buNone/>
-              <a:defRPr sz="1400"/>
-            </a:lvl2pPr>
-            <a:lvl3pPr marL="914400" indent="0">
-              <a:buNone/>
-              <a:defRPr sz="1200"/>
-            </a:lvl3pPr>
-            <a:lvl4pPr marL="1371600" indent="0">
-              <a:buNone/>
-              <a:defRPr sz="1000"/>
-            </a:lvl4pPr>
-            <a:lvl5pPr marL="1828800" indent="0">
-              <a:buNone/>
-              <a:defRPr sz="1000"/>
-            </a:lvl5pPr>
-            <a:lvl6pPr marL="2286000" indent="0">
-              <a:buNone/>
-              <a:defRPr sz="1000"/>
-            </a:lvl6pPr>
-            <a:lvl7pPr marL="2743200" indent="0">
-              <a:buNone/>
-              <a:defRPr sz="1000"/>
-            </a:lvl7pPr>
-            <a:lvl8pPr marL="3200400" indent="0">
-              <a:buNone/>
-              <a:defRPr sz="1000"/>
-            </a:lvl8pPr>
-            <a:lvl9pPr marL="3657600" indent="0">
-              <a:buNone/>
-              <a:defRPr sz="1000"/>
-            </a:lvl9pPr>
-          </a:lstStyle>
-          <a:p>
-            <a:pPr lvl="0"/>
-            <a:r>
-              <a:rPr lang="de-DE"/>
-              <a:t>Mastertextformat bearbeiten</a:t>
-            </a:r>
-          </a:p>
-        </p:txBody>
-      </p:sp>
-      <p:sp>
-        <p:nvSpPr>
-          <p:cNvPr id="5" name="Datumsplatzhalter 4">
-            <a:extLst>
-              <a:ext uri="{FF2B5EF4-FFF2-40B4-BE49-F238E27FC236}">
-                <a16:creationId xmlns:a16="http://schemas.microsoft.com/office/drawing/2014/main" id="{225B0A04-A6E3-4C58-1B21-58E28F73D8EC}"/>
-              </a:ext>
-            </a:extLst>
-          </p:cNvPr>
-          <p:cNvSpPr>
-            <a:spLocks noGrp="1"/>
-          </p:cNvSpPr>
-          <p:nvPr>
-            <p:ph type="dt" sz="half" idx="10"/>
-          </p:nvPr>
-        </p:nvSpPr>
-        <p:spPr/>
-        <p:txBody>
-          <a:bodyPr/>
-          <a:lstStyle/>
-          <a:p>
-            <a:fld id="{BEE95682-5D6A-47FC-87E3-D350DC45A65C}" type="datetimeFigureOut">
-              <a:rPr lang="de-AT" smtClean="0"/>
-              <a:t>08.12.2022</a:t>
-            </a:fld>
-            <a:endParaRPr lang="de-AT"/>
-          </a:p>
-        </p:txBody>
-      </p:sp>
-      <p:sp>
-        <p:nvSpPr>
-          <p:cNvPr id="6" name="Fußzeilenplatzhalter 5">
-            <a:extLst>
-              <a:ext uri="{FF2B5EF4-FFF2-40B4-BE49-F238E27FC236}">
-                <a16:creationId xmlns:a16="http://schemas.microsoft.com/office/drawing/2014/main" id="{4A949BA0-BB20-DD38-B515-532388C23316}"/>
-              </a:ext>
-            </a:extLst>
-          </p:cNvPr>
-          <p:cNvSpPr>
-            <a:spLocks noGrp="1"/>
-          </p:cNvSpPr>
-          <p:nvPr>
-            <p:ph type="ftr" sz="quarter" idx="11"/>
-          </p:nvPr>
-        </p:nvSpPr>
-        <p:spPr/>
-        <p:txBody>
-          <a:bodyPr/>
-          <a:lstStyle/>
-          <a:p>
-            <a:endParaRPr lang="de-AT"/>
-          </a:p>
-        </p:txBody>
-      </p:sp>
-      <p:sp>
-        <p:nvSpPr>
-          <p:cNvPr id="7" name="Foliennummernplatzhalter 6">
-            <a:extLst>
-              <a:ext uri="{FF2B5EF4-FFF2-40B4-BE49-F238E27FC236}">
-                <a16:creationId xmlns:a16="http://schemas.microsoft.com/office/drawing/2014/main" id="{A71E77F5-24E8-CCEE-4503-36CFE4E03055}"/>
-              </a:ext>
-            </a:extLst>
-          </p:cNvPr>
-          <p:cNvSpPr>
-            <a:spLocks noGrp="1"/>
-          </p:cNvSpPr>
-          <p:nvPr>
-            <p:ph type="sldNum" sz="quarter" idx="12"/>
-          </p:nvPr>
-        </p:nvSpPr>
-        <p:spPr/>
-        <p:txBody>
-          <a:bodyPr/>
-          <a:lstStyle/>
-          <a:p>
-            <a:fld id="{6510C8EE-8F42-4D7D-A368-E9EFA8FE638A}" type="slidenum">
-              <a:rPr lang="de-AT" smtClean="0"/>
-              <a:t>‹#›</a:t>
-            </a:fld>
-            <a:endParaRPr lang="de-AT"/>
-          </a:p>
-        </p:txBody>
-      </p:sp>
-    </p:spTree>
-    <p:extLst>
-      <p:ext uri="{BB962C8B-B14F-4D97-AF65-F5344CB8AC3E}">
-        <p14:creationId xmlns:p14="http://schemas.microsoft.com/office/powerpoint/2010/main" val="2128804792"/>
       </p:ext>
     </p:extLst>
   </p:cSld>
@@ -3257,7 +3939,7 @@
           <a:p>
             <a:fld id="{BEE95682-5D6A-47FC-87E3-D350DC45A65C}" type="datetimeFigureOut">
               <a:rPr lang="de-AT" smtClean="0"/>
-              <a:t>08.12.2022</a:t>
+              <a:t>09.12.2022</a:t>
             </a:fld>
             <a:endParaRPr lang="de-AT"/>
           </a:p>
@@ -3363,16 +4045,17 @@
   <p:clrMap bg1="lt1" tx1="dk1" bg2="lt2" tx2="dk2" accent1="accent1" accent2="accent2" accent3="accent3" accent4="accent4" accent5="accent5" accent6="accent6" hlink="hlink" folHlink="folHlink"/>
   <p:sldLayoutIdLst>
     <p:sldLayoutId id="2147483649" r:id="rId1"/>
-    <p:sldLayoutId id="2147483650" r:id="rId2"/>
-    <p:sldLayoutId id="2147483651" r:id="rId3"/>
-    <p:sldLayoutId id="2147483652" r:id="rId4"/>
-    <p:sldLayoutId id="2147483653" r:id="rId5"/>
-    <p:sldLayoutId id="2147483654" r:id="rId6"/>
-    <p:sldLayoutId id="2147483655" r:id="rId7"/>
-    <p:sldLayoutId id="2147483656" r:id="rId8"/>
-    <p:sldLayoutId id="2147483657" r:id="rId9"/>
-    <p:sldLayoutId id="2147483658" r:id="rId10"/>
-    <p:sldLayoutId id="2147483659" r:id="rId11"/>
+    <p:sldLayoutId id="2147483660" r:id="rId2"/>
+    <p:sldLayoutId id="2147483650" r:id="rId3"/>
+    <p:sldLayoutId id="2147483651" r:id="rId4"/>
+    <p:sldLayoutId id="2147483652" r:id="rId5"/>
+    <p:sldLayoutId id="2147483653" r:id="rId6"/>
+    <p:sldLayoutId id="2147483654" r:id="rId7"/>
+    <p:sldLayoutId id="2147483655" r:id="rId8"/>
+    <p:sldLayoutId id="2147483656" r:id="rId9"/>
+    <p:sldLayoutId id="2147483657" r:id="rId10"/>
+    <p:sldLayoutId id="2147483658" r:id="rId11"/>
+    <p:sldLayoutId id="2147483659" r:id="rId12"/>
   </p:sldLayoutIdLst>
   <p:txStyles>
     <p:titleStyle>
@@ -3687,25 +4370,54 @@
             <a:spLocks noGrp="1"/>
           </p:cNvSpPr>
           <p:nvPr>
-            <p:ph type="ctrTitle"/>
-          </p:nvPr>
-        </p:nvSpPr>
-        <p:spPr/>
-        <p:txBody>
-          <a:bodyPr/>
+            <p:ph type="title"/>
+          </p:nvPr>
+        </p:nvSpPr>
+        <p:spPr>
+          <a:xfrm>
+            <a:off x="442912" y="2340768"/>
+            <a:ext cx="11306175" cy="1871664"/>
+          </a:xfrm>
+        </p:spPr>
+        <p:txBody>
+          <a:bodyPr>
+            <a:normAutofit fontScale="90000"/>
+          </a:bodyPr>
           <a:lstStyle/>
           <a:p>
-            <a:r>
-              <a:rPr lang="de-AT" dirty="0"/>
+            <a:pPr algn="ctr"/>
+            <a:r>
+              <a:rPr lang="de-AT" sz="6600" dirty="0">
+                <a:latin typeface="Times New Roman" panose="02020603050405020304" pitchFamily="18" charset="0"/>
+                <a:cs typeface="Times New Roman" panose="02020603050405020304" pitchFamily="18" charset="0"/>
+              </a:rPr>
               <a:t>The Price </a:t>
             </a:r>
-            <a:r>
-              <a:rPr lang="de-AT" dirty="0" err="1"/>
-              <a:t>of</a:t>
-            </a:r>
-            <a:r>
-              <a:rPr lang="de-AT" dirty="0"/>
-              <a:t> Air Pollution</a:t>
+            <a:br>
+              <a:rPr lang="de-AT" sz="6600" dirty="0">
+                <a:latin typeface="Times New Roman" panose="02020603050405020304" pitchFamily="18" charset="0"/>
+                <a:cs typeface="Times New Roman" panose="02020603050405020304" pitchFamily="18" charset="0"/>
+              </a:rPr>
+            </a:br>
+            <a:r>
+              <a:rPr lang="de-AT" sz="6600" dirty="0">
+                <a:latin typeface="Times New Roman" panose="02020603050405020304" pitchFamily="18" charset="0"/>
+                <a:cs typeface="Times New Roman" panose="02020603050405020304" pitchFamily="18" charset="0"/>
+              </a:rPr>
+              <a:t>of </a:t>
+            </a:r>
+            <a:br>
+              <a:rPr lang="de-AT" sz="6600" dirty="0">
+                <a:latin typeface="Times New Roman" panose="02020603050405020304" pitchFamily="18" charset="0"/>
+                <a:cs typeface="Times New Roman" panose="02020603050405020304" pitchFamily="18" charset="0"/>
+              </a:rPr>
+            </a:br>
+            <a:r>
+              <a:rPr lang="de-AT" sz="6600" dirty="0">
+                <a:latin typeface="Times New Roman" panose="02020603050405020304" pitchFamily="18" charset="0"/>
+                <a:cs typeface="Times New Roman" panose="02020603050405020304" pitchFamily="18" charset="0"/>
+              </a:rPr>
+              <a:t>Air Pollution</a:t>
             </a:r>
           </a:p>
         </p:txBody>
@@ -3723,15 +4435,49 @@
             <a:spLocks noGrp="1"/>
           </p:cNvSpPr>
           <p:nvPr>
-            <p:ph type="subTitle" idx="1"/>
-          </p:nvPr>
-        </p:nvSpPr>
-        <p:spPr/>
-        <p:txBody>
-          <a:bodyPr/>
+            <p:ph idx="1"/>
+          </p:nvPr>
+        </p:nvSpPr>
+        <p:spPr>
+          <a:xfrm>
+            <a:off x="2900361" y="3964782"/>
+            <a:ext cx="6638926" cy="1709738"/>
+          </a:xfrm>
+        </p:spPr>
+        <p:txBody>
+          <a:bodyPr>
+            <a:normAutofit/>
+          </a:bodyPr>
           <a:lstStyle/>
           <a:p>
-            <a:endParaRPr lang="de-AT" dirty="0"/>
+            <a:pPr marL="0" indent="0">
+              <a:buNone/>
+            </a:pPr>
+            <a:endParaRPr lang="de-AT" sz="1600" dirty="0">
+              <a:latin typeface="Times New Roman" panose="02020603050405020304" pitchFamily="18" charset="0"/>
+              <a:cs typeface="Times New Roman" panose="02020603050405020304" pitchFamily="18" charset="0"/>
+            </a:endParaRPr>
+          </a:p>
+          <a:p>
+            <a:pPr marL="0" indent="0">
+              <a:buNone/>
+            </a:pPr>
+            <a:endParaRPr lang="de-AT" sz="1600" dirty="0">
+              <a:latin typeface="Times New Roman" panose="02020603050405020304" pitchFamily="18" charset="0"/>
+              <a:cs typeface="Times New Roman" panose="02020603050405020304" pitchFamily="18" charset="0"/>
+            </a:endParaRPr>
+          </a:p>
+          <a:p>
+            <a:pPr marL="0" indent="0">
+              <a:buNone/>
+            </a:pPr>
+            <a:r>
+              <a:rPr lang="de-AT" sz="1600" dirty="0">
+                <a:latin typeface="Times New Roman" panose="02020603050405020304" pitchFamily="18" charset="0"/>
+                <a:cs typeface="Times New Roman" panose="02020603050405020304" pitchFamily="18" charset="0"/>
+              </a:rPr>
+              <a:t>Lejla Avdovic, Fabian Blasch, Martin Prinz and Maximilian Schachinger</a:t>
+            </a:r>
           </a:p>
         </p:txBody>
       </p:sp>
@@ -3781,20 +4527,24 @@
             <p:ph type="title"/>
           </p:nvPr>
         </p:nvSpPr>
-        <p:spPr/>
+        <p:spPr>
+          <a:xfrm>
+            <a:off x="838200" y="346075"/>
+            <a:ext cx="10515600" cy="1325563"/>
+          </a:xfrm>
+        </p:spPr>
         <p:txBody>
           <a:bodyPr/>
           <a:lstStyle/>
           <a:p>
-            <a:r>
-              <a:rPr lang="de-AT" dirty="0"/>
-              <a:t>Reference </a:t>
-            </a:r>
-            <a:r>
-              <a:rPr lang="de-AT" dirty="0" err="1"/>
-              <a:t>Article</a:t>
-            </a:r>
-            <a:endParaRPr lang="de-AT" dirty="0"/>
+            <a:pPr algn="ctr"/>
+            <a:r>
+              <a:rPr lang="en-US" dirty="0">
+                <a:latin typeface="Times New Roman" panose="02020603050405020304" pitchFamily="18" charset="0"/>
+                <a:cs typeface="Times New Roman" panose="02020603050405020304" pitchFamily="18" charset="0"/>
+              </a:rPr>
+              <a:t>Introduction</a:t>
+            </a:r>
           </a:p>
         </p:txBody>
       </p:sp>
@@ -3814,12 +4564,215 @@
             <p:ph idx="1"/>
           </p:nvPr>
         </p:nvSpPr>
-        <p:spPr/>
-        <p:txBody>
-          <a:bodyPr/>
+        <p:spPr>
+          <a:xfrm>
+            <a:off x="771525" y="1253331"/>
+            <a:ext cx="10915650" cy="5258594"/>
+          </a:xfrm>
+        </p:spPr>
+        <p:txBody>
+          <a:bodyPr>
+            <a:normAutofit fontScale="85000" lnSpcReduction="20000"/>
+          </a:bodyPr>
           <a:lstStyle/>
           <a:p>
-            <a:endParaRPr lang="de-AT" dirty="0"/>
+            <a:endParaRPr lang="en-US" dirty="0">
+              <a:effectLst/>
+              <a:latin typeface="Times New Roman" panose="02020603050405020304" pitchFamily="18" charset="0"/>
+            </a:endParaRPr>
+          </a:p>
+          <a:p>
+            <a:r>
+              <a:rPr lang="en-US" sz="2600" dirty="0">
+                <a:effectLst/>
+                <a:latin typeface="Times New Roman" panose="02020603050405020304" pitchFamily="18" charset="0"/>
+              </a:rPr>
+              <a:t>China’s industrialization led to</a:t>
+            </a:r>
+            <a:r>
+              <a:rPr lang="en-US" sz="2600" dirty="0">
+                <a:latin typeface="Times New Roman" panose="02020603050405020304" pitchFamily="18" charset="0"/>
+              </a:rPr>
+              <a:t> immense levels of </a:t>
+            </a:r>
+            <a:r>
+              <a:rPr lang="en-US" sz="2600" b="1" dirty="0">
+                <a:latin typeface="Times New Roman" panose="02020603050405020304" pitchFamily="18" charset="0"/>
+              </a:rPr>
+              <a:t>air pollution.</a:t>
+            </a:r>
+            <a:endParaRPr lang="en-US" sz="2600" b="1" dirty="0">
+              <a:effectLst/>
+              <a:latin typeface="Times New Roman" panose="02020603050405020304" pitchFamily="18" charset="0"/>
+            </a:endParaRPr>
+          </a:p>
+          <a:p>
+            <a:pPr lvl="1"/>
+            <a:r>
+              <a:rPr lang="en-US" dirty="0">
+                <a:latin typeface="Times New Roman"/>
+                <a:cs typeface="Times New Roman"/>
+              </a:rPr>
+              <a:t>Particulate Matter </a:t>
+            </a:r>
+            <a:r>
+              <a:rPr lang="de-AT" dirty="0">
+                <a:effectLst/>
+                <a:latin typeface="Times New Roman" panose="02020603050405020304" pitchFamily="18" charset="0"/>
+              </a:rPr>
+              <a:t>(P</a:t>
+            </a:r>
+            <a:r>
+              <a:rPr lang="de-AT" dirty="0">
+                <a:latin typeface="Times New Roman" panose="02020603050405020304" pitchFamily="18" charset="0"/>
+              </a:rPr>
+              <a:t>M2.5) </a:t>
+            </a:r>
+            <a:r>
+              <a:rPr lang="en-US" dirty="0">
+                <a:latin typeface="Times New Roman" panose="02020603050405020304" pitchFamily="18" charset="0"/>
+              </a:rPr>
+              <a:t>is</a:t>
+            </a:r>
+            <a:r>
+              <a:rPr lang="de-AT" dirty="0">
+                <a:latin typeface="Times New Roman" panose="02020603050405020304" pitchFamily="18" charset="0"/>
+              </a:rPr>
+              <a:t> </a:t>
+            </a:r>
+            <a:r>
+              <a:rPr lang="en-US" dirty="0">
+                <a:latin typeface="Times New Roman" panose="02020603050405020304" pitchFamily="18" charset="0"/>
+              </a:rPr>
+              <a:t>especially</a:t>
+            </a:r>
+            <a:r>
+              <a:rPr lang="de-AT" dirty="0">
+                <a:latin typeface="Times New Roman" panose="02020603050405020304" pitchFamily="18" charset="0"/>
+              </a:rPr>
+              <a:t> dangerous pollutant. </a:t>
+            </a:r>
+          </a:p>
+          <a:p>
+            <a:pPr lvl="1"/>
+            <a:r>
+              <a:rPr lang="en-US" dirty="0">
+                <a:latin typeface="Times New Roman" panose="02020603050405020304" pitchFamily="18" charset="0"/>
+              </a:rPr>
+              <a:t>Rising health problems (bronchitis, asthma attacks, impaired lung function, lung cancer etc.) lead to an increase in </a:t>
+            </a:r>
+            <a:r>
+              <a:rPr lang="en-US" b="1" dirty="0">
+                <a:latin typeface="Times New Roman" panose="02020603050405020304" pitchFamily="18" charset="0"/>
+              </a:rPr>
+              <a:t>healthcare expenditures</a:t>
+            </a:r>
+            <a:r>
+              <a:rPr lang="en-US" dirty="0">
+                <a:latin typeface="Times New Roman" panose="02020603050405020304" pitchFamily="18" charset="0"/>
+              </a:rPr>
+              <a:t>.</a:t>
+            </a:r>
+            <a:endParaRPr lang="en-US" sz="2800" dirty="0">
+              <a:latin typeface="Times New Roman" panose="02020603050405020304" pitchFamily="18" charset="0"/>
+            </a:endParaRPr>
+          </a:p>
+          <a:p>
+            <a:r>
+              <a:rPr lang="en-US" sz="2600" dirty="0">
+                <a:latin typeface="Times New Roman" panose="02020603050405020304" pitchFamily="18" charset="0"/>
+              </a:rPr>
+              <a:t>Spatial economics? </a:t>
+            </a:r>
+          </a:p>
+          <a:p>
+            <a:pPr lvl="1"/>
+            <a:r>
+              <a:rPr lang="en-US" dirty="0">
+                <a:effectLst/>
+                <a:latin typeface="Times New Roman" panose="02020603050405020304" pitchFamily="18" charset="0"/>
+              </a:rPr>
+              <a:t>The landscape of </a:t>
+            </a:r>
+            <a:r>
+              <a:rPr lang="en-US" dirty="0">
+                <a:latin typeface="Times New Roman" panose="02020603050405020304" pitchFamily="18" charset="0"/>
+              </a:rPr>
+              <a:t>C</a:t>
+            </a:r>
+            <a:r>
+              <a:rPr lang="en-US" dirty="0">
+                <a:effectLst/>
+                <a:latin typeface="Times New Roman" panose="02020603050405020304" pitchFamily="18" charset="0"/>
+              </a:rPr>
+              <a:t>hina is very diverse: It ranges from coastal regions, to industrialized clusters, to mountainous rural areas.</a:t>
+            </a:r>
+          </a:p>
+          <a:p>
+            <a:pPr lvl="1"/>
+            <a:r>
+              <a:rPr lang="en-US" dirty="0">
+                <a:effectLst/>
+                <a:latin typeface="Times New Roman" panose="02020603050405020304" pitchFamily="18" charset="0"/>
+              </a:rPr>
+              <a:t>Effects of air pollution thus might vary.</a:t>
+            </a:r>
+          </a:p>
+          <a:p>
+            <a:pPr lvl="1"/>
+            <a:endParaRPr lang="en-US" sz="2200" dirty="0">
+              <a:effectLst/>
+              <a:latin typeface="Times New Roman" panose="02020603050405020304" pitchFamily="18" charset="0"/>
+            </a:endParaRPr>
+          </a:p>
+          <a:p>
+            <a:pPr marL="0" indent="0" algn="ctr">
+              <a:buNone/>
+            </a:pPr>
+            <a:r>
+              <a:rPr lang="en-US" sz="2600" i="1" dirty="0">
+                <a:effectLst/>
+                <a:latin typeface="Times New Roman" panose="02020603050405020304" pitchFamily="18" charset="0"/>
+              </a:rPr>
+              <a:t>“To what extent does air pollution and its spatial spillover effects influence health care expenditures in China?”</a:t>
+            </a:r>
+          </a:p>
+          <a:p>
+            <a:endParaRPr lang="en-US" sz="2600" dirty="0">
+              <a:latin typeface="Times New Roman" panose="02020603050405020304" pitchFamily="18" charset="0"/>
+            </a:endParaRPr>
+          </a:p>
+          <a:p>
+            <a:r>
+              <a:rPr lang="en-US" sz="2600" dirty="0">
+                <a:latin typeface="Times New Roman" panose="02020603050405020304" pitchFamily="18" charset="0"/>
+              </a:rPr>
+              <a:t>Zeng, J., &amp; He, Q. (2019). Does industrial air pollution drive health care expenditures? spatial evidence from China.</a:t>
+            </a:r>
+          </a:p>
+          <a:p>
+            <a:pPr lvl="1"/>
+            <a:r>
+              <a:rPr lang="de-AT" dirty="0" err="1">
+                <a:latin typeface="Times New Roman" panose="02020603050405020304" pitchFamily="18" charset="0"/>
+              </a:rPr>
+              <a:t>Results</a:t>
+            </a:r>
+            <a:r>
+              <a:rPr lang="de-AT" dirty="0">
+                <a:latin typeface="Times New Roman" panose="02020603050405020304" pitchFamily="18" charset="0"/>
+              </a:rPr>
+              <a:t>: </a:t>
+            </a:r>
+            <a:r>
+              <a:rPr lang="en-US" dirty="0">
+                <a:latin typeface="Times New Roman" panose="02020603050405020304" pitchFamily="18" charset="0"/>
+              </a:rPr>
+              <a:t>Industrial air pollution has a positive spatial spillover effect on provincial health care expenditures.</a:t>
+            </a:r>
+            <a:endParaRPr lang="de-AT" sz="2200" dirty="0">
+              <a:latin typeface="Times New Roman" panose="02020603050405020304" pitchFamily="18" charset="0"/>
+            </a:endParaRPr>
           </a:p>
         </p:txBody>
       </p:sp>
@@ -3858,7 +4811,7 @@
           <p:cNvPr id="2" name="Titel 1">
             <a:extLst>
               <a:ext uri="{FF2B5EF4-FFF2-40B4-BE49-F238E27FC236}">
-                <a16:creationId xmlns:a16="http://schemas.microsoft.com/office/drawing/2014/main" id="{2A1AC62B-FA99-0582-295D-08781CB9ED49}"/>
+                <a16:creationId xmlns:a16="http://schemas.microsoft.com/office/drawing/2014/main" id="{33090CCF-B35C-8375-6511-CFAB56AF27CC}"/>
               </a:ext>
             </a:extLst>
           </p:cNvPr>
@@ -3874,10 +4827,39 @@
           <a:bodyPr/>
           <a:lstStyle/>
           <a:p>
-            <a:r>
-              <a:rPr lang="de-AT" dirty="0"/>
-              <a:t>Health Care and Air Pollution</a:t>
-            </a:r>
+            <a:pPr algn="ctr"/>
+            <a:r>
+              <a:rPr lang="en-US" dirty="0">
+                <a:latin typeface="Times New Roman"/>
+                <a:cs typeface="Calibri Light"/>
+              </a:rPr>
+              <a:t>Critique</a:t>
+            </a:r>
+            <a:r>
+              <a:rPr lang="de-DE" dirty="0">
+                <a:latin typeface="Times New Roman"/>
+                <a:cs typeface="Calibri Light"/>
+              </a:rPr>
+              <a:t> on </a:t>
+            </a:r>
+            <a:r>
+              <a:rPr lang="de-DE" dirty="0" err="1">
+                <a:latin typeface="Times New Roman"/>
+                <a:cs typeface="Calibri Light"/>
+              </a:rPr>
+              <a:t>the</a:t>
+            </a:r>
+            <a:r>
+              <a:rPr lang="de-DE" dirty="0">
+                <a:latin typeface="Times New Roman"/>
+                <a:cs typeface="Calibri Light"/>
+              </a:rPr>
+              <a:t> Reference Paper</a:t>
+            </a:r>
+            <a:endParaRPr lang="de-DE" dirty="0">
+              <a:latin typeface="Times New Roman"/>
+              <a:cs typeface="Times New Roman"/>
+            </a:endParaRPr>
           </a:p>
         </p:txBody>
       </p:sp>
@@ -3886,7 +4868,7 @@
           <p:cNvPr id="3" name="Inhaltsplatzhalter 2">
             <a:extLst>
               <a:ext uri="{FF2B5EF4-FFF2-40B4-BE49-F238E27FC236}">
-                <a16:creationId xmlns:a16="http://schemas.microsoft.com/office/drawing/2014/main" id="{DEDF9EB0-5345-58C2-FDCB-40FBEE577700}"/>
+                <a16:creationId xmlns:a16="http://schemas.microsoft.com/office/drawing/2014/main" id="{67A7A445-6663-13BF-9BCF-2A9B8FDF9221}"/>
               </a:ext>
             </a:extLst>
           </p:cNvPr>
@@ -3899,17 +4881,1198 @@
         </p:nvSpPr>
         <p:spPr/>
         <p:txBody>
-          <a:bodyPr/>
+          <a:bodyPr vert="horz" lIns="91440" tIns="45720" rIns="91440" bIns="45720" rtlCol="0" anchor="t">
+            <a:normAutofit/>
+          </a:bodyPr>
           <a:lstStyle/>
           <a:p>
-            <a:endParaRPr lang="de-AT"/>
+            <a:r>
+              <a:rPr lang="de-DE" sz="2200" dirty="0">
+                <a:solidFill>
+                  <a:srgbClr val="FFC000"/>
+                </a:solidFill>
+                <a:latin typeface="Times New Roman"/>
+                <a:cs typeface="Calibri"/>
+              </a:rPr>
+              <a:t>SAR and SEM </a:t>
+            </a:r>
+            <a:r>
+              <a:rPr lang="de-DE" sz="2200" dirty="0" err="1">
+                <a:solidFill>
+                  <a:srgbClr val="FFC000"/>
+                </a:solidFill>
+                <a:latin typeface="Times New Roman"/>
+                <a:cs typeface="Calibri"/>
+              </a:rPr>
+              <a:t>for</a:t>
+            </a:r>
+            <a:r>
+              <a:rPr lang="de-DE" sz="2200" dirty="0">
+                <a:solidFill>
+                  <a:srgbClr val="FFC000"/>
+                </a:solidFill>
+                <a:latin typeface="Times New Roman"/>
+                <a:cs typeface="Calibri"/>
+              </a:rPr>
+              <a:t> Panels – after </a:t>
+            </a:r>
+            <a:r>
+              <a:rPr lang="de-DE" sz="2200" dirty="0" err="1">
+                <a:solidFill>
+                  <a:srgbClr val="FFC000"/>
+                </a:solidFill>
+                <a:latin typeface="Times New Roman"/>
+                <a:cs typeface="Calibri"/>
+              </a:rPr>
+              <a:t>testing</a:t>
+            </a:r>
+            <a:r>
+              <a:rPr lang="de-DE" sz="2200" dirty="0">
+                <a:solidFill>
+                  <a:srgbClr val="FFC000"/>
+                </a:solidFill>
+                <a:latin typeface="Times New Roman"/>
+                <a:cs typeface="Calibri"/>
+              </a:rPr>
+              <a:t> SAR </a:t>
+            </a:r>
+            <a:r>
+              <a:rPr lang="de-DE" sz="2200" dirty="0" err="1">
+                <a:solidFill>
+                  <a:srgbClr val="FFC000"/>
+                </a:solidFill>
+                <a:latin typeface="Times New Roman"/>
+                <a:cs typeface="Calibri"/>
+              </a:rPr>
+              <a:t>fixed</a:t>
+            </a:r>
+            <a:r>
+              <a:rPr lang="de-DE" sz="2200" dirty="0">
+                <a:solidFill>
+                  <a:srgbClr val="FFC000"/>
+                </a:solidFill>
+                <a:latin typeface="Times New Roman"/>
+                <a:cs typeface="Calibri"/>
+              </a:rPr>
+              <a:t> </a:t>
+            </a:r>
+            <a:r>
+              <a:rPr lang="de-DE" sz="2200" dirty="0" err="1">
+                <a:solidFill>
+                  <a:srgbClr val="FFC000"/>
+                </a:solidFill>
+                <a:latin typeface="Times New Roman"/>
+                <a:cs typeface="Calibri"/>
+              </a:rPr>
+              <a:t>effects</a:t>
+            </a:r>
+            <a:endParaRPr lang="de-DE" sz="2200" dirty="0">
+              <a:solidFill>
+                <a:srgbClr val="FFC000"/>
+              </a:solidFill>
+              <a:latin typeface="Times New Roman"/>
+              <a:cs typeface="Calibri"/>
+            </a:endParaRPr>
+          </a:p>
+          <a:p>
+            <a:pPr lvl="1"/>
+            <a:r>
+              <a:rPr lang="de-DE" sz="2000" i="1" dirty="0">
+                <a:solidFill>
+                  <a:srgbClr val="FFFFFF"/>
+                </a:solidFill>
+                <a:latin typeface="Times New Roman"/>
+                <a:cs typeface="Calibri"/>
+              </a:rPr>
+              <a:t>Panel </a:t>
+            </a:r>
+            <a:r>
+              <a:rPr lang="de-DE" sz="2000" i="1" dirty="0" err="1">
+                <a:solidFill>
+                  <a:srgbClr val="FFFFFF"/>
+                </a:solidFill>
+                <a:latin typeface="Times New Roman"/>
+                <a:cs typeface="Calibri"/>
+              </a:rPr>
+              <a:t>data</a:t>
+            </a:r>
+            <a:r>
+              <a:rPr lang="de-DE" sz="2000" i="1" dirty="0">
+                <a:solidFill>
+                  <a:srgbClr val="FFFFFF"/>
+                </a:solidFill>
+                <a:latin typeface="Times New Roman"/>
+                <a:cs typeface="Calibri"/>
+              </a:rPr>
+              <a:t> </a:t>
+            </a:r>
+            <a:r>
+              <a:rPr lang="de-DE" sz="2000" i="1" dirty="0" err="1">
+                <a:solidFill>
+                  <a:srgbClr val="FFFFFF"/>
+                </a:solidFill>
+                <a:latin typeface="Times New Roman"/>
+                <a:cs typeface="Calibri"/>
+              </a:rPr>
+              <a:t>approach</a:t>
+            </a:r>
+            <a:r>
+              <a:rPr lang="de-DE" sz="2000" i="1" dirty="0">
+                <a:solidFill>
+                  <a:srgbClr val="FFFFFF"/>
+                </a:solidFill>
+                <a:latin typeface="Times New Roman"/>
+                <a:cs typeface="Calibri"/>
+              </a:rPr>
+              <a:t> – </a:t>
+            </a:r>
+            <a:r>
+              <a:rPr lang="de-DE" sz="2000" i="1" dirty="0" err="1">
+                <a:solidFill>
+                  <a:srgbClr val="FFFFFF"/>
+                </a:solidFill>
+                <a:latin typeface="Times New Roman"/>
+                <a:cs typeface="Calibri"/>
+              </a:rPr>
+              <a:t>fixed</a:t>
+            </a:r>
+            <a:r>
+              <a:rPr lang="de-DE" sz="2000" i="1" dirty="0">
+                <a:solidFill>
+                  <a:srgbClr val="FFFFFF"/>
+                </a:solidFill>
+                <a:latin typeface="Times New Roman"/>
+                <a:cs typeface="Calibri"/>
+              </a:rPr>
+              <a:t> and </a:t>
+            </a:r>
+            <a:r>
+              <a:rPr lang="de-DE" sz="2000" i="1" dirty="0" err="1">
+                <a:solidFill>
+                  <a:srgbClr val="FFFFFF"/>
+                </a:solidFill>
+                <a:latin typeface="Times New Roman"/>
+                <a:cs typeface="Calibri"/>
+              </a:rPr>
+              <a:t>random</a:t>
+            </a:r>
+            <a:r>
+              <a:rPr lang="de-DE" sz="2000" i="1" dirty="0">
+                <a:solidFill>
+                  <a:srgbClr val="FFFFFF"/>
+                </a:solidFill>
+                <a:latin typeface="Times New Roman"/>
+                <a:cs typeface="Calibri"/>
+              </a:rPr>
+              <a:t> </a:t>
+            </a:r>
+            <a:r>
+              <a:rPr lang="de-DE" sz="2000" i="1" dirty="0" err="1">
+                <a:solidFill>
+                  <a:srgbClr val="FFFFFF"/>
+                </a:solidFill>
+                <a:latin typeface="Times New Roman"/>
+                <a:cs typeface="Calibri"/>
+              </a:rPr>
+              <a:t>effects</a:t>
+            </a:r>
+            <a:endParaRPr lang="de-DE" sz="2000" i="1" dirty="0">
+              <a:solidFill>
+                <a:srgbClr val="FFFFFF"/>
+              </a:solidFill>
+              <a:latin typeface="Times New Roman"/>
+              <a:cs typeface="Calibri"/>
+            </a:endParaRPr>
+          </a:p>
+          <a:p>
+            <a:pPr lvl="1"/>
+            <a:r>
+              <a:rPr lang="de-DE" sz="2000" i="1" dirty="0">
+                <a:latin typeface="Times New Roman"/>
+                <a:cs typeface="Calibri"/>
+              </a:rPr>
+              <a:t>SLX </a:t>
+            </a:r>
+            <a:r>
+              <a:rPr lang="de-DE" sz="2000" i="1" dirty="0" err="1">
+                <a:latin typeface="Times New Roman"/>
+                <a:cs typeface="Calibri"/>
+              </a:rPr>
+              <a:t>approach</a:t>
+            </a:r>
+            <a:r>
+              <a:rPr lang="de-DE" sz="2000" i="1" dirty="0">
+                <a:latin typeface="Times New Roman"/>
+                <a:cs typeface="Calibri"/>
+              </a:rPr>
+              <a:t> (</a:t>
+            </a:r>
+            <a:r>
+              <a:rPr lang="de-DE" sz="2000" i="1" dirty="0" err="1">
+                <a:latin typeface="Times New Roman"/>
+                <a:cs typeface="Calibri"/>
+              </a:rPr>
+              <a:t>or</a:t>
+            </a:r>
+            <a:r>
+              <a:rPr lang="de-DE" sz="2000" i="1" dirty="0">
+                <a:latin typeface="Times New Roman"/>
+                <a:cs typeface="Calibri"/>
+              </a:rPr>
+              <a:t> a </a:t>
+            </a:r>
+            <a:r>
+              <a:rPr lang="de-DE" sz="2000" i="1" dirty="0" err="1">
+                <a:latin typeface="Times New Roman"/>
+                <a:cs typeface="Calibri"/>
+              </a:rPr>
+              <a:t>variation</a:t>
+            </a:r>
+            <a:r>
+              <a:rPr lang="de-DE" sz="2000" i="1" dirty="0">
+                <a:latin typeface="Times New Roman"/>
+                <a:cs typeface="Calibri"/>
+              </a:rPr>
+              <a:t> </a:t>
+            </a:r>
+            <a:r>
+              <a:rPr lang="de-DE" sz="2000" i="1" dirty="0" err="1">
+                <a:latin typeface="Times New Roman"/>
+                <a:cs typeface="Calibri"/>
+              </a:rPr>
+              <a:t>of</a:t>
+            </a:r>
+            <a:r>
+              <a:rPr lang="de-DE" sz="2000" i="1" dirty="0">
+                <a:latin typeface="Times New Roman"/>
+                <a:cs typeface="Calibri"/>
+              </a:rPr>
+              <a:t> </a:t>
+            </a:r>
+            <a:r>
+              <a:rPr lang="de-DE" sz="2000" i="1" dirty="0" err="1">
+                <a:latin typeface="Times New Roman"/>
+                <a:cs typeface="Calibri"/>
+              </a:rPr>
+              <a:t>it</a:t>
+            </a:r>
+            <a:r>
+              <a:rPr lang="de-DE" sz="2000" i="1" dirty="0">
+                <a:latin typeface="Times New Roman"/>
+                <a:cs typeface="Calibri"/>
+              </a:rPr>
+              <a:t>) </a:t>
+            </a:r>
+            <a:r>
+              <a:rPr lang="de-DE" sz="2000" i="1" dirty="0" err="1">
+                <a:latin typeface="Times New Roman"/>
+                <a:cs typeface="Calibri"/>
+              </a:rPr>
+              <a:t>could</a:t>
+            </a:r>
+            <a:r>
+              <a:rPr lang="de-DE" sz="2000" i="1" dirty="0">
+                <a:latin typeface="Times New Roman"/>
+                <a:cs typeface="Calibri"/>
+              </a:rPr>
+              <a:t> </a:t>
+            </a:r>
+            <a:r>
+              <a:rPr lang="de-DE" sz="2000" i="1" dirty="0" err="1">
+                <a:latin typeface="Times New Roman"/>
+                <a:cs typeface="Calibri"/>
+              </a:rPr>
+              <a:t>be</a:t>
+            </a:r>
+            <a:r>
+              <a:rPr lang="de-DE" sz="2000" i="1" dirty="0">
+                <a:latin typeface="Times New Roman"/>
+                <a:cs typeface="Calibri"/>
+              </a:rPr>
+              <a:t> </a:t>
+            </a:r>
+            <a:r>
+              <a:rPr lang="de-DE" sz="2000" i="1" dirty="0" err="1">
+                <a:latin typeface="Times New Roman"/>
+                <a:cs typeface="Calibri"/>
+              </a:rPr>
+              <a:t>interesting</a:t>
+            </a:r>
+            <a:r>
+              <a:rPr lang="de-DE" sz="2000" i="1" dirty="0">
+                <a:latin typeface="Times New Roman"/>
+                <a:cs typeface="Calibri"/>
+              </a:rPr>
+              <a:t> </a:t>
+            </a:r>
+            <a:r>
+              <a:rPr lang="de-DE" sz="2000" i="1" dirty="0" err="1">
+                <a:latin typeface="Times New Roman"/>
+                <a:cs typeface="Calibri"/>
+              </a:rPr>
+              <a:t>as</a:t>
+            </a:r>
+            <a:r>
+              <a:rPr lang="de-DE" sz="2000" i="1" dirty="0">
+                <a:latin typeface="Times New Roman"/>
+                <a:cs typeface="Calibri"/>
+              </a:rPr>
+              <a:t> </a:t>
+            </a:r>
+            <a:r>
+              <a:rPr lang="de-DE" sz="2000" i="1" dirty="0" err="1">
+                <a:latin typeface="Times New Roman"/>
+                <a:cs typeface="Calibri"/>
+              </a:rPr>
+              <a:t>air</a:t>
+            </a:r>
+            <a:r>
+              <a:rPr lang="de-DE" sz="2000" i="1" dirty="0">
+                <a:latin typeface="Times New Roman"/>
+                <a:cs typeface="Calibri"/>
+              </a:rPr>
+              <a:t> </a:t>
+            </a:r>
+            <a:r>
+              <a:rPr lang="de-DE" sz="2000" i="1" dirty="0" err="1">
+                <a:latin typeface="Times New Roman"/>
+                <a:cs typeface="Calibri"/>
+              </a:rPr>
+              <a:t>pollution</a:t>
+            </a:r>
+            <a:r>
+              <a:rPr lang="de-DE" sz="2000" i="1" dirty="0">
+                <a:latin typeface="Times New Roman"/>
+                <a:cs typeface="Calibri"/>
+              </a:rPr>
+              <a:t> </a:t>
+            </a:r>
+            <a:r>
+              <a:rPr lang="de-DE" sz="2000" i="1" dirty="0" err="1">
+                <a:latin typeface="Times New Roman"/>
+                <a:cs typeface="Calibri"/>
+              </a:rPr>
+              <a:t>is</a:t>
+            </a:r>
+            <a:r>
+              <a:rPr lang="de-DE" sz="2000" i="1" dirty="0">
+                <a:latin typeface="Times New Roman"/>
+                <a:cs typeface="Calibri"/>
+              </a:rPr>
+              <a:t> </a:t>
+            </a:r>
+            <a:r>
+              <a:rPr lang="de-DE" sz="2000" i="1" dirty="0" err="1">
+                <a:latin typeface="Times New Roman"/>
+                <a:cs typeface="Calibri"/>
+              </a:rPr>
+              <a:t>likely</a:t>
+            </a:r>
+            <a:r>
+              <a:rPr lang="de-DE" sz="2000" i="1" dirty="0">
+                <a:latin typeface="Times New Roman"/>
+                <a:cs typeface="Calibri"/>
+              </a:rPr>
+              <a:t> </a:t>
+            </a:r>
+            <a:r>
+              <a:rPr lang="de-DE" sz="2000" i="1" dirty="0" err="1">
+                <a:latin typeface="Times New Roman"/>
+                <a:cs typeface="Calibri"/>
+              </a:rPr>
+              <a:t>to</a:t>
+            </a:r>
+            <a:r>
+              <a:rPr lang="de-DE" sz="2000" i="1" dirty="0">
+                <a:latin typeface="Times New Roman"/>
+                <a:cs typeface="Calibri"/>
+              </a:rPr>
+              <a:t> </a:t>
+            </a:r>
+            <a:r>
+              <a:rPr lang="de-DE" sz="2000" i="1" dirty="0" err="1">
+                <a:latin typeface="Times New Roman"/>
+                <a:cs typeface="Calibri"/>
+              </a:rPr>
+              <a:t>have</a:t>
+            </a:r>
+            <a:r>
+              <a:rPr lang="de-DE" sz="2000" i="1" dirty="0">
+                <a:latin typeface="Times New Roman"/>
+                <a:cs typeface="Calibri"/>
+              </a:rPr>
+              <a:t> </a:t>
+            </a:r>
+            <a:r>
+              <a:rPr lang="de-DE" sz="2000" i="1" dirty="0" err="1">
+                <a:latin typeface="Times New Roman"/>
+                <a:cs typeface="Calibri"/>
+              </a:rPr>
+              <a:t>autocorrelation</a:t>
+            </a:r>
+            <a:endParaRPr lang="de-DE" sz="2000" i="1" dirty="0">
+              <a:latin typeface="Times New Roman"/>
+              <a:cs typeface="Calibri"/>
+            </a:endParaRPr>
+          </a:p>
+          <a:p>
+            <a:r>
+              <a:rPr lang="de-DE" sz="2200" dirty="0" err="1">
+                <a:solidFill>
+                  <a:srgbClr val="FFC000"/>
+                </a:solidFill>
+                <a:latin typeface="Times New Roman"/>
+                <a:cs typeface="Calibri"/>
+              </a:rPr>
+              <a:t>Heteroskedasticity</a:t>
+            </a:r>
+            <a:r>
+              <a:rPr lang="de-DE" sz="2200" dirty="0">
+                <a:solidFill>
+                  <a:srgbClr val="FFC000"/>
+                </a:solidFill>
+                <a:latin typeface="Times New Roman"/>
+                <a:cs typeface="Calibri"/>
+              </a:rPr>
+              <a:t> </a:t>
+            </a:r>
+            <a:r>
+              <a:rPr lang="de-DE" sz="2200" dirty="0" err="1">
+                <a:solidFill>
+                  <a:srgbClr val="FFC000"/>
+                </a:solidFill>
+                <a:latin typeface="Times New Roman"/>
+                <a:cs typeface="Calibri"/>
+              </a:rPr>
+              <a:t>only</a:t>
+            </a:r>
+            <a:r>
+              <a:rPr lang="de-DE" sz="2200" dirty="0">
+                <a:solidFill>
+                  <a:srgbClr val="FFC000"/>
+                </a:solidFill>
+                <a:latin typeface="Times New Roman"/>
+                <a:cs typeface="Calibri"/>
+              </a:rPr>
+              <a:t> </a:t>
+            </a:r>
+            <a:r>
+              <a:rPr lang="de-DE" sz="2200" dirty="0" err="1">
+                <a:solidFill>
+                  <a:srgbClr val="FFC000"/>
+                </a:solidFill>
+                <a:latin typeface="Times New Roman"/>
+                <a:cs typeface="Calibri"/>
+              </a:rPr>
+              <a:t>considered</a:t>
+            </a:r>
+            <a:r>
+              <a:rPr lang="de-DE" sz="2200" dirty="0">
+                <a:solidFill>
+                  <a:srgbClr val="FFC000"/>
+                </a:solidFill>
+                <a:latin typeface="Times New Roman"/>
+                <a:cs typeface="Calibri"/>
+              </a:rPr>
+              <a:t> </a:t>
+            </a:r>
+            <a:r>
+              <a:rPr lang="de-DE" sz="2200" dirty="0" err="1">
+                <a:solidFill>
+                  <a:srgbClr val="FFC000"/>
+                </a:solidFill>
+                <a:latin typeface="Times New Roman"/>
+                <a:cs typeface="Calibri"/>
+              </a:rPr>
+              <a:t>by</a:t>
+            </a:r>
+            <a:r>
+              <a:rPr lang="de-DE" sz="2200" dirty="0">
+                <a:solidFill>
+                  <a:srgbClr val="FFC000"/>
+                </a:solidFill>
+                <a:latin typeface="Times New Roman"/>
+                <a:cs typeface="Calibri"/>
+              </a:rPr>
+              <a:t> </a:t>
+            </a:r>
+            <a:r>
+              <a:rPr lang="de-DE" sz="2200" dirty="0" err="1">
+                <a:solidFill>
+                  <a:srgbClr val="FFC000"/>
+                </a:solidFill>
+                <a:latin typeface="Times New Roman"/>
+                <a:cs typeface="Calibri"/>
+              </a:rPr>
+              <a:t>taking</a:t>
+            </a:r>
+            <a:r>
+              <a:rPr lang="de-DE" sz="2200" dirty="0">
+                <a:solidFill>
+                  <a:srgbClr val="FFC000"/>
+                </a:solidFill>
+                <a:latin typeface="Times New Roman"/>
+                <a:cs typeface="Calibri"/>
+              </a:rPr>
+              <a:t> </a:t>
+            </a:r>
+            <a:r>
+              <a:rPr lang="de-DE" sz="2200" dirty="0" err="1">
+                <a:solidFill>
+                  <a:srgbClr val="FFC000"/>
+                </a:solidFill>
+                <a:latin typeface="Times New Roman"/>
+                <a:cs typeface="Calibri"/>
+              </a:rPr>
+              <a:t>logarithms</a:t>
+            </a:r>
+            <a:r>
+              <a:rPr lang="de-DE" sz="2200" dirty="0">
+                <a:solidFill>
+                  <a:srgbClr val="FFC000"/>
+                </a:solidFill>
+                <a:latin typeface="Times New Roman"/>
+                <a:cs typeface="Calibri"/>
+              </a:rPr>
+              <a:t> and </a:t>
+            </a:r>
+            <a:r>
+              <a:rPr lang="de-DE" sz="2200" dirty="0" err="1">
+                <a:solidFill>
+                  <a:srgbClr val="FFC000"/>
+                </a:solidFill>
+                <a:latin typeface="Times New Roman"/>
+                <a:cs typeface="Calibri"/>
+              </a:rPr>
+              <a:t>deflating</a:t>
+            </a:r>
+            <a:r>
+              <a:rPr lang="de-DE" sz="2200" dirty="0">
+                <a:solidFill>
+                  <a:srgbClr val="FFC000"/>
+                </a:solidFill>
+                <a:latin typeface="Times New Roman"/>
+                <a:cs typeface="Calibri"/>
+              </a:rPr>
+              <a:t> </a:t>
+            </a:r>
+            <a:r>
+              <a:rPr lang="de-DE" sz="2200" dirty="0" err="1">
+                <a:solidFill>
+                  <a:srgbClr val="FFC000"/>
+                </a:solidFill>
+                <a:latin typeface="Times New Roman"/>
+                <a:cs typeface="Calibri"/>
+              </a:rPr>
+              <a:t>monetary</a:t>
+            </a:r>
+            <a:r>
+              <a:rPr lang="de-DE" sz="2200" dirty="0">
+                <a:solidFill>
+                  <a:srgbClr val="FFC000"/>
+                </a:solidFill>
+                <a:latin typeface="Times New Roman"/>
+                <a:cs typeface="Calibri"/>
+              </a:rPr>
+              <a:t> variables</a:t>
+            </a:r>
+          </a:p>
+          <a:p>
+            <a:pPr lvl="1"/>
+            <a:r>
+              <a:rPr lang="de-DE" sz="2000" i="1" dirty="0" err="1">
+                <a:solidFill>
+                  <a:srgbClr val="FFFFFF"/>
+                </a:solidFill>
+                <a:latin typeface="Times New Roman"/>
+                <a:cs typeface="Calibri"/>
+              </a:rPr>
+              <a:t>Heteroscedasticity</a:t>
+            </a:r>
+            <a:r>
+              <a:rPr lang="de-DE" sz="2000" i="1" dirty="0">
+                <a:solidFill>
+                  <a:srgbClr val="FFFFFF"/>
+                </a:solidFill>
+                <a:latin typeface="Times New Roman"/>
+                <a:cs typeface="Calibri"/>
+              </a:rPr>
+              <a:t> </a:t>
+            </a:r>
+            <a:r>
+              <a:rPr lang="de-DE" sz="2000" i="1" dirty="0" err="1">
+                <a:solidFill>
+                  <a:srgbClr val="FFFFFF"/>
+                </a:solidFill>
+                <a:latin typeface="Times New Roman"/>
+                <a:cs typeface="Calibri"/>
+              </a:rPr>
+              <a:t>could</a:t>
+            </a:r>
+            <a:r>
+              <a:rPr lang="de-DE" sz="2000" i="1" dirty="0">
+                <a:solidFill>
+                  <a:srgbClr val="FFFFFF"/>
+                </a:solidFill>
+                <a:latin typeface="Times New Roman"/>
+                <a:cs typeface="Calibri"/>
+              </a:rPr>
+              <a:t> </a:t>
+            </a:r>
+            <a:r>
+              <a:rPr lang="de-DE" sz="2000" i="1" dirty="0" err="1">
+                <a:solidFill>
+                  <a:srgbClr val="FFFFFF"/>
+                </a:solidFill>
+                <a:latin typeface="Times New Roman"/>
+                <a:cs typeface="Calibri"/>
+              </a:rPr>
+              <a:t>be</a:t>
+            </a:r>
+            <a:r>
+              <a:rPr lang="de-DE" sz="2000" i="1" dirty="0">
+                <a:solidFill>
+                  <a:srgbClr val="FFFFFF"/>
+                </a:solidFill>
+                <a:latin typeface="Times New Roman"/>
+                <a:cs typeface="Calibri"/>
+              </a:rPr>
+              <a:t> a </a:t>
+            </a:r>
+            <a:r>
+              <a:rPr lang="de-DE" sz="2000" i="1" dirty="0" err="1">
+                <a:solidFill>
+                  <a:srgbClr val="FFFFFF"/>
+                </a:solidFill>
+                <a:latin typeface="Times New Roman"/>
+                <a:cs typeface="Calibri"/>
+              </a:rPr>
+              <a:t>issue</a:t>
+            </a:r>
+            <a:r>
+              <a:rPr lang="de-DE" sz="2000" i="1" dirty="0">
+                <a:solidFill>
+                  <a:srgbClr val="FFFFFF"/>
+                </a:solidFill>
+                <a:latin typeface="Times New Roman"/>
+                <a:cs typeface="Calibri"/>
+              </a:rPr>
+              <a:t> </a:t>
+            </a:r>
+            <a:r>
+              <a:rPr lang="de-DE" sz="2000" i="1" dirty="0" err="1">
+                <a:solidFill>
+                  <a:srgbClr val="FFFFFF"/>
+                </a:solidFill>
+                <a:latin typeface="Times New Roman"/>
+                <a:cs typeface="Calibri"/>
+              </a:rPr>
+              <a:t>as</a:t>
+            </a:r>
+            <a:r>
+              <a:rPr lang="de-DE" sz="2000" i="1" dirty="0">
+                <a:solidFill>
+                  <a:srgbClr val="FFFFFF"/>
+                </a:solidFill>
+                <a:latin typeface="Times New Roman"/>
+                <a:cs typeface="Calibri"/>
+              </a:rPr>
+              <a:t> China </a:t>
+            </a:r>
+            <a:r>
+              <a:rPr lang="de-DE" sz="2000" i="1" dirty="0" err="1">
+                <a:solidFill>
+                  <a:srgbClr val="FFFFFF"/>
+                </a:solidFill>
+                <a:latin typeface="Times New Roman"/>
+                <a:cs typeface="Calibri"/>
+              </a:rPr>
+              <a:t>has</a:t>
+            </a:r>
+            <a:r>
+              <a:rPr lang="de-DE" sz="2000" i="1" dirty="0">
+                <a:solidFill>
+                  <a:srgbClr val="FFFFFF"/>
+                </a:solidFill>
+                <a:latin typeface="Times New Roman"/>
+                <a:cs typeface="Calibri"/>
+              </a:rPr>
+              <a:t> </a:t>
+            </a:r>
+            <a:r>
+              <a:rPr lang="de-DE" sz="2000" i="1" dirty="0" err="1">
+                <a:solidFill>
+                  <a:srgbClr val="FFFFFF"/>
+                </a:solidFill>
+                <a:latin typeface="Times New Roman"/>
+                <a:cs typeface="Calibri"/>
+              </a:rPr>
+              <a:t>very</a:t>
+            </a:r>
+            <a:r>
+              <a:rPr lang="de-DE" sz="2000" i="1" dirty="0">
+                <a:solidFill>
+                  <a:srgbClr val="FFFFFF"/>
+                </a:solidFill>
+                <a:latin typeface="Times New Roman"/>
+                <a:cs typeface="Calibri"/>
+              </a:rPr>
+              <a:t> divers </a:t>
+            </a:r>
+            <a:r>
+              <a:rPr lang="de-DE" sz="2000" i="1" dirty="0" err="1">
+                <a:solidFill>
+                  <a:srgbClr val="FFFFFF"/>
+                </a:solidFill>
+                <a:latin typeface="Times New Roman"/>
+                <a:cs typeface="Calibri"/>
+              </a:rPr>
+              <a:t>regions</a:t>
+            </a:r>
+            <a:r>
+              <a:rPr lang="de-DE" sz="2000" i="1" dirty="0">
+                <a:solidFill>
+                  <a:srgbClr val="FFFFFF"/>
+                </a:solidFill>
+                <a:latin typeface="Times New Roman"/>
+                <a:cs typeface="Calibri"/>
+              </a:rPr>
+              <a:t> – will </a:t>
+            </a:r>
+            <a:r>
+              <a:rPr lang="de-DE" sz="2000" i="1" dirty="0" err="1">
+                <a:solidFill>
+                  <a:srgbClr val="FFFFFF"/>
+                </a:solidFill>
+                <a:latin typeface="Times New Roman"/>
+                <a:cs typeface="Calibri"/>
+              </a:rPr>
+              <a:t>be</a:t>
+            </a:r>
+            <a:r>
+              <a:rPr lang="de-DE" sz="2000" i="1" dirty="0">
+                <a:solidFill>
+                  <a:srgbClr val="FFFFFF"/>
+                </a:solidFill>
+                <a:latin typeface="Times New Roman"/>
+                <a:cs typeface="Calibri"/>
+              </a:rPr>
+              <a:t> </a:t>
+            </a:r>
+            <a:r>
+              <a:rPr lang="de-DE" sz="2000" i="1" dirty="0" err="1">
+                <a:solidFill>
+                  <a:srgbClr val="FFFFFF"/>
+                </a:solidFill>
+                <a:latin typeface="Times New Roman"/>
+                <a:cs typeface="Calibri"/>
+              </a:rPr>
+              <a:t>analyzed</a:t>
+            </a:r>
+            <a:r>
+              <a:rPr lang="de-DE" sz="2000" i="1" dirty="0">
+                <a:solidFill>
+                  <a:srgbClr val="FFFFFF"/>
+                </a:solidFill>
+                <a:latin typeface="Times New Roman"/>
+                <a:cs typeface="Calibri"/>
+              </a:rPr>
+              <a:t> and </a:t>
+            </a:r>
+            <a:r>
+              <a:rPr lang="de-DE" sz="2000" i="1" dirty="0" err="1">
+                <a:solidFill>
+                  <a:srgbClr val="FFFFFF"/>
+                </a:solidFill>
+                <a:latin typeface="Times New Roman"/>
+                <a:cs typeface="Calibri"/>
+              </a:rPr>
+              <a:t>considered</a:t>
+            </a:r>
+            <a:r>
+              <a:rPr lang="de-DE" sz="2000" i="1" dirty="0">
+                <a:solidFill>
+                  <a:srgbClr val="FFFFFF"/>
+                </a:solidFill>
+                <a:latin typeface="Times New Roman"/>
+                <a:cs typeface="Calibri"/>
+              </a:rPr>
+              <a:t> </a:t>
+            </a:r>
+            <a:r>
+              <a:rPr lang="de-DE" sz="2000" i="1" dirty="0" err="1">
+                <a:solidFill>
+                  <a:srgbClr val="FFFFFF"/>
+                </a:solidFill>
+                <a:latin typeface="Times New Roman"/>
+                <a:cs typeface="Calibri"/>
+              </a:rPr>
+              <a:t>explicitly</a:t>
+            </a:r>
+            <a:r>
+              <a:rPr lang="de-DE" sz="2000" i="1" dirty="0">
+                <a:solidFill>
+                  <a:srgbClr val="FFFFFF"/>
+                </a:solidFill>
+                <a:latin typeface="Times New Roman"/>
+                <a:cs typeface="Calibri"/>
+              </a:rPr>
+              <a:t> – </a:t>
+            </a:r>
+            <a:r>
+              <a:rPr lang="de-DE" sz="2000" i="1" dirty="0" err="1">
+                <a:solidFill>
+                  <a:srgbClr val="FFFFFF"/>
+                </a:solidFill>
+                <a:latin typeface="Times New Roman"/>
+                <a:cs typeface="Calibri"/>
+              </a:rPr>
+              <a:t>method</a:t>
+            </a:r>
+            <a:r>
+              <a:rPr lang="de-DE" sz="2000" i="1" dirty="0">
+                <a:solidFill>
+                  <a:srgbClr val="FFFFFF"/>
+                </a:solidFill>
+                <a:latin typeface="Times New Roman"/>
+                <a:cs typeface="Calibri"/>
+              </a:rPr>
+              <a:t> </a:t>
+            </a:r>
+            <a:r>
+              <a:rPr lang="de-DE" sz="2000" i="1" dirty="0" err="1">
+                <a:solidFill>
+                  <a:srgbClr val="FFFFFF"/>
+                </a:solidFill>
+                <a:latin typeface="Times New Roman"/>
+                <a:cs typeface="Calibri"/>
+              </a:rPr>
+              <a:t>of</a:t>
+            </a:r>
+            <a:r>
+              <a:rPr lang="de-DE" sz="2000" i="1" dirty="0">
+                <a:solidFill>
+                  <a:srgbClr val="FFFFFF"/>
+                </a:solidFill>
+                <a:latin typeface="Times New Roman"/>
+                <a:cs typeface="Calibri"/>
+              </a:rPr>
+              <a:t> </a:t>
+            </a:r>
+            <a:r>
+              <a:rPr lang="de-DE" sz="2000" i="1" dirty="0" err="1">
+                <a:solidFill>
+                  <a:srgbClr val="FFFFFF"/>
+                </a:solidFill>
+                <a:latin typeface="Times New Roman"/>
+                <a:cs typeface="Calibri"/>
+              </a:rPr>
+              <a:t>the</a:t>
+            </a:r>
+            <a:r>
+              <a:rPr lang="de-DE" sz="2000" i="1" dirty="0">
+                <a:solidFill>
+                  <a:srgbClr val="FFFFFF"/>
+                </a:solidFill>
+                <a:latin typeface="Times New Roman"/>
+                <a:cs typeface="Calibri"/>
+              </a:rPr>
+              <a:t> </a:t>
+            </a:r>
+            <a:r>
+              <a:rPr lang="de-DE" sz="2000" i="1" dirty="0" err="1">
+                <a:solidFill>
+                  <a:srgbClr val="FFFFFF"/>
+                </a:solidFill>
+                <a:latin typeface="Times New Roman"/>
+                <a:cs typeface="Calibri"/>
+              </a:rPr>
+              <a:t>authors</a:t>
+            </a:r>
+            <a:r>
+              <a:rPr lang="de-DE" sz="2000" i="1" dirty="0">
+                <a:solidFill>
+                  <a:srgbClr val="FFFFFF"/>
+                </a:solidFill>
+                <a:latin typeface="Times New Roman"/>
+                <a:cs typeface="Calibri"/>
+              </a:rPr>
+              <a:t> </a:t>
+            </a:r>
+            <a:r>
+              <a:rPr lang="de-DE" sz="2000" i="1" dirty="0" err="1">
+                <a:solidFill>
+                  <a:srgbClr val="FFFFFF"/>
+                </a:solidFill>
+                <a:latin typeface="Times New Roman"/>
+                <a:cs typeface="Calibri"/>
+              </a:rPr>
+              <a:t>possibly</a:t>
+            </a:r>
+            <a:r>
+              <a:rPr lang="de-DE" sz="2000" i="1" dirty="0">
+                <a:solidFill>
+                  <a:srgbClr val="FFFFFF"/>
+                </a:solidFill>
+                <a:latin typeface="Times New Roman"/>
+                <a:cs typeface="Calibri"/>
+              </a:rPr>
+              <a:t> </a:t>
+            </a:r>
+            <a:r>
+              <a:rPr lang="de-DE" sz="2000" i="1" dirty="0" err="1">
+                <a:solidFill>
+                  <a:srgbClr val="FFFFFF"/>
+                </a:solidFill>
+                <a:latin typeface="Times New Roman"/>
+                <a:cs typeface="Calibri"/>
+              </a:rPr>
+              <a:t>problematic</a:t>
+            </a:r>
+            <a:endParaRPr lang="de-DE" sz="2000" i="1" dirty="0">
+              <a:solidFill>
+                <a:srgbClr val="FFFFFF"/>
+              </a:solidFill>
+              <a:latin typeface="Times New Roman"/>
+              <a:cs typeface="Calibri"/>
+            </a:endParaRPr>
+          </a:p>
+          <a:p>
+            <a:pPr lvl="1"/>
+            <a:r>
+              <a:rPr lang="de-DE" sz="2000" i="1" dirty="0">
+                <a:solidFill>
+                  <a:srgbClr val="FFFFFF"/>
+                </a:solidFill>
+                <a:latin typeface="Times New Roman"/>
+                <a:cs typeface="Calibri"/>
+              </a:rPr>
+              <a:t>Inflation </a:t>
+            </a:r>
+            <a:r>
+              <a:rPr lang="de-DE" sz="2000" i="1" dirty="0" err="1">
+                <a:solidFill>
+                  <a:srgbClr val="FFFFFF"/>
+                </a:solidFill>
+                <a:latin typeface="Times New Roman"/>
+                <a:cs typeface="Calibri"/>
+              </a:rPr>
+              <a:t>adjustment</a:t>
+            </a:r>
+            <a:r>
+              <a:rPr lang="de-DE" sz="2000" i="1" dirty="0">
+                <a:solidFill>
+                  <a:srgbClr val="FFFFFF"/>
+                </a:solidFill>
+                <a:latin typeface="Times New Roman"/>
+                <a:cs typeface="Calibri"/>
+              </a:rPr>
+              <a:t> will </a:t>
+            </a:r>
+            <a:r>
+              <a:rPr lang="de-DE" sz="2000" i="1" dirty="0" err="1">
+                <a:solidFill>
+                  <a:srgbClr val="FFFFFF"/>
+                </a:solidFill>
+                <a:latin typeface="Times New Roman"/>
+                <a:cs typeface="Calibri"/>
+              </a:rPr>
+              <a:t>be</a:t>
+            </a:r>
+            <a:r>
+              <a:rPr lang="de-DE" sz="2000" i="1" dirty="0">
+                <a:solidFill>
+                  <a:srgbClr val="FFFFFF"/>
+                </a:solidFill>
+                <a:latin typeface="Times New Roman"/>
+                <a:cs typeface="Calibri"/>
+              </a:rPr>
+              <a:t> </a:t>
+            </a:r>
+            <a:r>
+              <a:rPr lang="de-DE" sz="2000" i="1" dirty="0" err="1">
+                <a:solidFill>
+                  <a:srgbClr val="FFFFFF"/>
+                </a:solidFill>
+                <a:latin typeface="Times New Roman"/>
+                <a:cs typeface="Calibri"/>
+              </a:rPr>
+              <a:t>done</a:t>
+            </a:r>
+            <a:r>
+              <a:rPr lang="de-DE" sz="2000" i="1" dirty="0">
+                <a:solidFill>
+                  <a:srgbClr val="FFFFFF"/>
+                </a:solidFill>
+                <a:latin typeface="Times New Roman"/>
+                <a:cs typeface="Calibri"/>
+              </a:rPr>
+              <a:t> </a:t>
+            </a:r>
+            <a:r>
+              <a:rPr lang="de-DE" sz="2000" i="1" dirty="0" err="1">
+                <a:solidFill>
+                  <a:srgbClr val="FFFFFF"/>
+                </a:solidFill>
+                <a:latin typeface="Times New Roman"/>
+                <a:cs typeface="Calibri"/>
+              </a:rPr>
+              <a:t>as</a:t>
+            </a:r>
+            <a:r>
+              <a:rPr lang="de-DE" sz="2000" i="1" dirty="0">
+                <a:solidFill>
+                  <a:srgbClr val="FFFFFF"/>
+                </a:solidFill>
+                <a:latin typeface="Times New Roman"/>
+                <a:cs typeface="Calibri"/>
+              </a:rPr>
+              <a:t> </a:t>
+            </a:r>
+            <a:r>
+              <a:rPr lang="de-DE" sz="2000" i="1" dirty="0" err="1">
+                <a:solidFill>
+                  <a:srgbClr val="FFFFFF"/>
+                </a:solidFill>
+                <a:latin typeface="Times New Roman"/>
+                <a:cs typeface="Calibri"/>
+              </a:rPr>
+              <a:t>well</a:t>
+            </a:r>
+            <a:endParaRPr lang="de-DE" sz="2000" i="1" dirty="0">
+              <a:solidFill>
+                <a:srgbClr val="FFFFFF"/>
+              </a:solidFill>
+              <a:latin typeface="Times New Roman"/>
+              <a:cs typeface="Calibri"/>
+            </a:endParaRPr>
+          </a:p>
+          <a:p>
+            <a:r>
+              <a:rPr lang="de-DE" sz="2200" dirty="0">
+                <a:solidFill>
+                  <a:srgbClr val="FFC000"/>
+                </a:solidFill>
+                <a:latin typeface="Times New Roman"/>
+                <a:cs typeface="Calibri"/>
+              </a:rPr>
+              <a:t>Financial </a:t>
+            </a:r>
+            <a:r>
+              <a:rPr lang="de-DE" sz="2200" dirty="0" err="1">
+                <a:solidFill>
+                  <a:srgbClr val="FFC000"/>
+                </a:solidFill>
+                <a:latin typeface="Times New Roman"/>
+                <a:cs typeface="Calibri"/>
+              </a:rPr>
+              <a:t>crisis</a:t>
+            </a:r>
+            <a:r>
+              <a:rPr lang="de-DE" sz="2200" dirty="0">
+                <a:solidFill>
+                  <a:srgbClr val="FFC000"/>
+                </a:solidFill>
+                <a:latin typeface="Times New Roman"/>
+                <a:cs typeface="Calibri"/>
+              </a:rPr>
+              <a:t> not </a:t>
+            </a:r>
+            <a:r>
+              <a:rPr lang="de-DE" sz="2200" dirty="0" err="1">
+                <a:solidFill>
+                  <a:srgbClr val="FFC000"/>
+                </a:solidFill>
+                <a:latin typeface="Times New Roman"/>
+                <a:cs typeface="Calibri"/>
+              </a:rPr>
+              <a:t>considered</a:t>
+            </a:r>
+            <a:r>
+              <a:rPr lang="de-DE" sz="2200" dirty="0">
+                <a:solidFill>
+                  <a:srgbClr val="FFC000"/>
+                </a:solidFill>
+                <a:latin typeface="Times New Roman"/>
+                <a:cs typeface="Calibri"/>
+              </a:rPr>
+              <a:t> in </a:t>
+            </a:r>
+            <a:r>
+              <a:rPr lang="de-DE" sz="2200" dirty="0" err="1">
+                <a:solidFill>
+                  <a:srgbClr val="FFC000"/>
+                </a:solidFill>
+                <a:latin typeface="Times New Roman"/>
+                <a:cs typeface="Calibri"/>
+              </a:rPr>
+              <a:t>the</a:t>
+            </a:r>
+            <a:r>
+              <a:rPr lang="de-DE" sz="2200" dirty="0">
+                <a:solidFill>
+                  <a:srgbClr val="FFC000"/>
+                </a:solidFill>
+                <a:latin typeface="Times New Roman"/>
+                <a:cs typeface="Calibri"/>
+              </a:rPr>
+              <a:t> </a:t>
+            </a:r>
+            <a:r>
+              <a:rPr lang="de-DE" sz="2200" dirty="0" err="1">
+                <a:solidFill>
+                  <a:srgbClr val="FFC000"/>
+                </a:solidFill>
+                <a:latin typeface="Times New Roman"/>
+                <a:cs typeface="Calibri"/>
+              </a:rPr>
+              <a:t>model</a:t>
+            </a:r>
+            <a:r>
+              <a:rPr lang="de-DE" sz="2200" dirty="0">
+                <a:solidFill>
+                  <a:srgbClr val="FFC000"/>
+                </a:solidFill>
+                <a:latin typeface="Times New Roman"/>
+                <a:cs typeface="Calibri"/>
+              </a:rPr>
+              <a:t> (</a:t>
+            </a:r>
+            <a:r>
+              <a:rPr lang="de-DE" sz="2200" dirty="0" err="1">
+                <a:solidFill>
+                  <a:srgbClr val="FFC000"/>
+                </a:solidFill>
+                <a:latin typeface="Times New Roman"/>
+                <a:cs typeface="Calibri"/>
+              </a:rPr>
+              <a:t>Period</a:t>
+            </a:r>
+            <a:r>
+              <a:rPr lang="de-DE" sz="2200" dirty="0">
+                <a:solidFill>
+                  <a:srgbClr val="FFC000"/>
+                </a:solidFill>
+                <a:latin typeface="Times New Roman"/>
+                <a:cs typeface="Calibri"/>
+              </a:rPr>
+              <a:t>: 2002-2014)</a:t>
+            </a:r>
+          </a:p>
+          <a:p>
+            <a:endParaRPr lang="de-DE" dirty="0">
+              <a:solidFill>
+                <a:srgbClr val="FFC000"/>
+              </a:solidFill>
+              <a:cs typeface="Calibri"/>
+            </a:endParaRPr>
           </a:p>
         </p:txBody>
       </p:sp>
     </p:spTree>
     <p:extLst>
       <p:ext uri="{BB962C8B-B14F-4D97-AF65-F5344CB8AC3E}">
-        <p14:creationId xmlns:p14="http://schemas.microsoft.com/office/powerpoint/2010/main" val="2047371201"/>
+        <p14:creationId xmlns:p14="http://schemas.microsoft.com/office/powerpoint/2010/main" val="2162715094"/>
       </p:ext>
     </p:extLst>
   </p:cSld>
@@ -3941,7 +6104,7 @@
           <p:cNvPr id="2" name="Titel 1">
             <a:extLst>
               <a:ext uri="{FF2B5EF4-FFF2-40B4-BE49-F238E27FC236}">
-                <a16:creationId xmlns:a16="http://schemas.microsoft.com/office/drawing/2014/main" id="{7473A63C-F0C4-C1A1-2EC9-473218828EAC}"/>
+                <a16:creationId xmlns:a16="http://schemas.microsoft.com/office/drawing/2014/main" id="{2A1AC62B-FA99-0582-295D-08781CB9ED49}"/>
               </a:ext>
             </a:extLst>
           </p:cNvPr>
@@ -3957,9 +6120,13 @@
           <a:bodyPr/>
           <a:lstStyle/>
           <a:p>
-            <a:r>
-              <a:rPr lang="de-AT" dirty="0"/>
-              <a:t>Dataset</a:t>
+            <a:pPr algn="ctr"/>
+            <a:r>
+              <a:rPr lang="de-AT" dirty="0">
+                <a:latin typeface="Times New Roman" panose="02020603050405020304" pitchFamily="18" charset="0"/>
+                <a:cs typeface="Times New Roman" panose="02020603050405020304" pitchFamily="18" charset="0"/>
+              </a:rPr>
+              <a:t>Data</a:t>
             </a:r>
           </a:p>
         </p:txBody>
@@ -3969,7 +6136,7 @@
           <p:cNvPr id="3" name="Inhaltsplatzhalter 2">
             <a:extLst>
               <a:ext uri="{FF2B5EF4-FFF2-40B4-BE49-F238E27FC236}">
-                <a16:creationId xmlns:a16="http://schemas.microsoft.com/office/drawing/2014/main" id="{96AC0CC4-0001-CB02-8FE5-BB5C661A5E38}"/>
+                <a16:creationId xmlns:a16="http://schemas.microsoft.com/office/drawing/2014/main" id="{DEDF9EB0-5345-58C2-FDCB-40FBEE577700}"/>
               </a:ext>
             </a:extLst>
           </p:cNvPr>
@@ -3982,34 +6149,136 @@
         </p:nvSpPr>
         <p:spPr/>
         <p:txBody>
-          <a:bodyPr/>
+          <a:bodyPr vert="horz" lIns="91440" tIns="45720" rIns="91440" bIns="45720" rtlCol="0" anchor="t">
+            <a:normAutofit/>
+          </a:bodyPr>
           <a:lstStyle/>
           <a:p>
             <a:r>
-              <a:rPr lang="de-AT" dirty="0"/>
-              <a:t>Mention source</a:t>
-            </a:r>
-          </a:p>
-          <a:p>
-            <a:r>
-              <a:rPr lang="de-AT" dirty="0"/>
-              <a:t>Mention </a:t>
-            </a:r>
-            <a:r>
-              <a:rPr lang="de-AT" dirty="0" err="1"/>
-              <a:t>controls</a:t>
-            </a:r>
-            <a:endParaRPr lang="de-AT"/>
-          </a:p>
-          <a:p>
-            <a:endParaRPr lang="de-AT"/>
+              <a:rPr lang="en-US" sz="2200" dirty="0">
+                <a:latin typeface="Times New Roman"/>
+                <a:cs typeface="Times New Roman"/>
+              </a:rPr>
+              <a:t>Source: National bureau of statistics of China (Online Database) </a:t>
+            </a:r>
+            <a:endParaRPr lang="en-US" sz="2200" dirty="0">
+              <a:latin typeface="Times New Roman" panose="02020603050405020304" pitchFamily="18" charset="0"/>
+              <a:cs typeface="Times New Roman" panose="02020603050405020304" pitchFamily="18" charset="0"/>
+            </a:endParaRPr>
+          </a:p>
+          <a:p>
+            <a:r>
+              <a:rPr lang="en-US" sz="2200" dirty="0">
+                <a:latin typeface="Times New Roman"/>
+                <a:cs typeface="Times New Roman"/>
+              </a:rPr>
+              <a:t>Number of observations per variable: 2011-2018 and 31 Chinese Provinces</a:t>
+            </a:r>
+          </a:p>
+          <a:p>
+            <a:r>
+              <a:rPr lang="en-US" sz="2200" dirty="0">
+                <a:latin typeface="Times New Roman"/>
+                <a:cs typeface="Times New Roman"/>
+              </a:rPr>
+              <a:t>Variables: </a:t>
+            </a:r>
+          </a:p>
+          <a:p>
+            <a:pPr lvl="1"/>
+            <a:r>
+              <a:rPr lang="en-US" sz="2000" dirty="0">
+                <a:latin typeface="Times New Roman"/>
+                <a:cs typeface="Times New Roman"/>
+              </a:rPr>
+              <a:t>Dependent variable: Local government expenditure on medical and health care (in Yuan)</a:t>
+            </a:r>
+          </a:p>
+          <a:p>
+            <a:pPr lvl="1"/>
+            <a:r>
+              <a:rPr lang="en-US" sz="2000" dirty="0">
+                <a:latin typeface="Times New Roman"/>
+                <a:cs typeface="Times New Roman"/>
+              </a:rPr>
+              <a:t>Independent variable: 3 types of Air Pollution (Particulate Matter, Sulfur Oxide and Nitrogen Oxides in t) </a:t>
+            </a:r>
+          </a:p>
+          <a:p>
+            <a:pPr lvl="1"/>
+            <a:r>
+              <a:rPr lang="en-US" sz="2000" dirty="0">
+                <a:latin typeface="Times New Roman"/>
+                <a:cs typeface="Times New Roman"/>
+              </a:rPr>
+              <a:t>Control variables: </a:t>
+            </a:r>
+          </a:p>
+          <a:p>
+            <a:pPr lvl="2"/>
+            <a:r>
+              <a:rPr lang="en-US" sz="1800" dirty="0">
+                <a:latin typeface="Times New Roman"/>
+                <a:cs typeface="Calibri" panose="020F0502020204030204"/>
+              </a:rPr>
+              <a:t>Socioeconomic: CPI, Gross regional product/per capita disposable income, population (and composition rural/urban), total local government expenditure</a:t>
+            </a:r>
+          </a:p>
+          <a:p>
+            <a:pPr lvl="2"/>
+            <a:r>
+              <a:rPr lang="en-US" sz="1800" dirty="0">
+                <a:latin typeface="Times New Roman"/>
+                <a:cs typeface="Calibri" panose="020F0502020204030204"/>
+              </a:rPr>
+              <a:t>Public Health: Number of beds in hospitals/health care institutions, number of medical personnel</a:t>
+            </a:r>
+          </a:p>
+          <a:p>
+            <a:pPr lvl="2"/>
+            <a:r>
+              <a:rPr lang="en-US" sz="1800" dirty="0">
+                <a:latin typeface="Times New Roman"/>
+                <a:cs typeface="Calibri" panose="020F0502020204030204"/>
+              </a:rPr>
+              <a:t>Other: forest Coverage rate, population affected by natural disasters</a:t>
+            </a:r>
+          </a:p>
+          <a:p>
+            <a:pPr lvl="1"/>
+            <a:r>
+              <a:rPr lang="en-US" sz="2000" dirty="0">
+                <a:latin typeface="Times New Roman"/>
+                <a:cs typeface="Calibri" panose="020F0502020204030204"/>
+              </a:rPr>
+              <a:t>Dummy variables: Fundamental changes in health care or pollution policies </a:t>
+            </a:r>
+          </a:p>
+          <a:p>
+            <a:pPr lvl="2"/>
+            <a:endParaRPr lang="en-US" sz="1600" dirty="0">
+              <a:latin typeface="Times New Roman"/>
+              <a:cs typeface="Calibri" panose="020F0502020204030204"/>
+            </a:endParaRPr>
+          </a:p>
+          <a:p>
+            <a:pPr lvl="2"/>
+            <a:endParaRPr lang="en-US" sz="1600" dirty="0">
+              <a:latin typeface="Times New Roman"/>
+              <a:cs typeface="Calibri" panose="020F0502020204030204"/>
+            </a:endParaRPr>
+          </a:p>
+          <a:p>
+            <a:endParaRPr lang="de-AT" dirty="0">
+              <a:cs typeface="Calibri" panose="020F0502020204030204"/>
+            </a:endParaRPr>
           </a:p>
         </p:txBody>
       </p:sp>
     </p:spTree>
     <p:extLst>
       <p:ext uri="{BB962C8B-B14F-4D97-AF65-F5344CB8AC3E}">
-        <p14:creationId xmlns:p14="http://schemas.microsoft.com/office/powerpoint/2010/main" val="3629649981"/>
+        <p14:creationId xmlns:p14="http://schemas.microsoft.com/office/powerpoint/2010/main" val="2047371201"/>
       </p:ext>
     </p:extLst>
   </p:cSld>
@@ -4054,7 +6323,7 @@
         </p:nvSpPr>
         <p:spPr>
           <a:xfrm>
-            <a:off x="838200" y="365125"/>
+            <a:off x="838200" y="346075"/>
             <a:ext cx="10515600" cy="1069699"/>
           </a:xfrm>
         </p:spPr>
@@ -4064,27 +6333,34 @@
           </a:bodyPr>
           <a:lstStyle/>
           <a:p>
-            <a:r>
-              <a:rPr lang="de-AT" dirty="0"/>
-              <a:t>Health Care </a:t>
-            </a:r>
-            <a:r>
-              <a:rPr lang="de-AT" dirty="0" err="1"/>
+            <a:pPr algn="ctr"/>
+            <a:r>
+              <a:rPr lang="de-AT" dirty="0">
+                <a:latin typeface="Times New Roman" panose="02020603050405020304" pitchFamily="18" charset="0"/>
+                <a:cs typeface="Times New Roman" panose="02020603050405020304" pitchFamily="18" charset="0"/>
+              </a:rPr>
+              <a:t>A Closer Look: Health Care </a:t>
+            </a:r>
+            <a:r>
+              <a:rPr lang="de-AT" dirty="0" err="1">
+                <a:latin typeface="Times New Roman" panose="02020603050405020304" pitchFamily="18" charset="0"/>
+                <a:cs typeface="Times New Roman" panose="02020603050405020304" pitchFamily="18" charset="0"/>
+              </a:rPr>
               <a:t>Expenditure</a:t>
             </a:r>
-            <a:r>
-              <a:rPr lang="de-AT" dirty="0"/>
-              <a:t> </a:t>
-            </a:r>
+            <a:endParaRPr lang="en-US" dirty="0">
+              <a:latin typeface="Times New Roman" panose="02020603050405020304" pitchFamily="18" charset="0"/>
+              <a:cs typeface="Times New Roman" panose="02020603050405020304" pitchFamily="18" charset="0"/>
+            </a:endParaRPr>
           </a:p>
         </p:txBody>
       </p:sp>
       <p:pic>
         <p:nvPicPr>
-          <p:cNvPr id="9" name="Picture 8" descr="Map&#10;&#10;Description automatically generated">
-            <a:extLst>
-              <a:ext uri="{FF2B5EF4-FFF2-40B4-BE49-F238E27FC236}">
-                <a16:creationId xmlns:a16="http://schemas.microsoft.com/office/drawing/2014/main" id="{F1464DD4-F25B-EC02-469A-8B4B49F88659}"/>
+          <p:cNvPr id="11" name="Grafik 11" descr="Ein Bild, das Karte enthält.&#10;&#10;Beschreibung automatisch generiert.">
+            <a:extLst>
+              <a:ext uri="{FF2B5EF4-FFF2-40B4-BE49-F238E27FC236}">
+                <a16:creationId xmlns:a16="http://schemas.microsoft.com/office/drawing/2014/main" id="{6345C3BA-2545-BBCA-9488-2178D934252C}"/>
               </a:ext>
             </a:extLst>
           </p:cNvPr>
@@ -4094,21 +6370,15 @@
           <p:nvPr/>
         </p:nvPicPr>
         <p:blipFill>
-          <a:blip r:embed="rId2">
-            <a:extLst>
-              <a:ext uri="{28A0092B-C50C-407E-A947-70E740481C1C}">
-                <a14:useLocalDpi xmlns:a14="http://schemas.microsoft.com/office/drawing/2010/main" val="0"/>
-              </a:ext>
-            </a:extLst>
-          </a:blip>
+          <a:blip r:embed="rId2"/>
           <a:stretch>
             <a:fillRect/>
           </a:stretch>
         </p:blipFill>
         <p:spPr>
           <a:xfrm>
-            <a:off x="141610" y="1698599"/>
-            <a:ext cx="5841618" cy="3830569"/>
+            <a:off x="556181" y="1998012"/>
+            <a:ext cx="5244542" cy="3439044"/>
           </a:xfrm>
           <a:prstGeom prst="rect">
             <a:avLst/>
@@ -4117,10 +6387,10 @@
       </p:pic>
       <p:pic>
         <p:nvPicPr>
-          <p:cNvPr id="14" name="Picture 13" descr="Map&#10;&#10;Description automatically generated">
-            <a:extLst>
-              <a:ext uri="{FF2B5EF4-FFF2-40B4-BE49-F238E27FC236}">
-                <a16:creationId xmlns:a16="http://schemas.microsoft.com/office/drawing/2014/main" id="{A320B7F0-7DC6-B184-7A98-F728C37D909B}"/>
+          <p:cNvPr id="12" name="Grafik 12" descr="Ein Bild, das Karte enthält.&#10;&#10;Beschreibung automatisch generiert.">
+            <a:extLst>
+              <a:ext uri="{FF2B5EF4-FFF2-40B4-BE49-F238E27FC236}">
+                <a16:creationId xmlns:a16="http://schemas.microsoft.com/office/drawing/2014/main" id="{619BC511-05A2-A7B3-4AC0-81C86E09A733}"/>
               </a:ext>
             </a:extLst>
           </p:cNvPr>
@@ -4130,21 +6400,15 @@
           <p:nvPr/>
         </p:nvPicPr>
         <p:blipFill>
-          <a:blip r:embed="rId3">
-            <a:extLst>
-              <a:ext uri="{28A0092B-C50C-407E-A947-70E740481C1C}">
-                <a14:useLocalDpi xmlns:a14="http://schemas.microsoft.com/office/drawing/2010/main" val="0"/>
-              </a:ext>
-            </a:extLst>
-          </a:blip>
+          <a:blip r:embed="rId3"/>
           <a:stretch>
             <a:fillRect/>
           </a:stretch>
         </p:blipFill>
         <p:spPr>
           <a:xfrm>
-            <a:off x="6096000" y="1698599"/>
-            <a:ext cx="5841618" cy="3830569"/>
+            <a:off x="6391277" y="1998013"/>
+            <a:ext cx="5244542" cy="3439044"/>
           </a:xfrm>
           <a:prstGeom prst="rect">
             <a:avLst/>
@@ -4183,10 +6447,10 @@
       </p:grpSpPr>
       <p:sp>
         <p:nvSpPr>
-          <p:cNvPr id="2" name="Title 1">
-            <a:extLst>
-              <a:ext uri="{FF2B5EF4-FFF2-40B4-BE49-F238E27FC236}">
-                <a16:creationId xmlns:a16="http://schemas.microsoft.com/office/drawing/2014/main" id="{DC37769C-68EF-9A16-5E91-B24068F361C9}"/>
+          <p:cNvPr id="2" name="Titel 1">
+            <a:extLst>
+              <a:ext uri="{FF2B5EF4-FFF2-40B4-BE49-F238E27FC236}">
+                <a16:creationId xmlns:a16="http://schemas.microsoft.com/office/drawing/2014/main" id="{2A8F8DD3-63A6-3B13-E68E-D035184C8DA5}"/>
               </a:ext>
             </a:extLst>
           </p:cNvPr>
@@ -4199,39 +6463,44 @@
         </p:nvSpPr>
         <p:spPr>
           <a:xfrm>
-            <a:off x="838200" y="188536"/>
-            <a:ext cx="10515600" cy="546755"/>
+            <a:off x="838200" y="319442"/>
+            <a:ext cx="10515600" cy="1069699"/>
           </a:xfrm>
         </p:spPr>
         <p:txBody>
           <a:bodyPr>
-            <a:normAutofit fontScale="90000"/>
+            <a:normAutofit/>
           </a:bodyPr>
           <a:lstStyle/>
           <a:p>
-            <a:r>
-              <a:rPr lang="de-AT" dirty="0"/>
-              <a:t>Air Pollution Variables</a:t>
-            </a:r>
-            <a:endParaRPr lang="en-US" dirty="0"/>
+            <a:pPr algn="ctr"/>
+            <a:r>
+              <a:rPr lang="de-AT" dirty="0">
+                <a:latin typeface="Times New Roman" panose="02020603050405020304" pitchFamily="18" charset="0"/>
+                <a:cs typeface="Times New Roman" panose="02020603050405020304" pitchFamily="18" charset="0"/>
+              </a:rPr>
+              <a:t>A Closer Look: Pollution Variables</a:t>
+            </a:r>
+            <a:endParaRPr lang="en-US" dirty="0">
+              <a:latin typeface="Times New Roman" panose="02020603050405020304" pitchFamily="18" charset="0"/>
+              <a:cs typeface="Times New Roman" panose="02020603050405020304" pitchFamily="18" charset="0"/>
+            </a:endParaRPr>
           </a:p>
         </p:txBody>
       </p:sp>
       <p:pic>
         <p:nvPicPr>
-          <p:cNvPr id="8" name="Content Placeholder 7" descr="Map&#10;&#10;Description automatically generated">
-            <a:extLst>
-              <a:ext uri="{FF2B5EF4-FFF2-40B4-BE49-F238E27FC236}">
-                <a16:creationId xmlns:a16="http://schemas.microsoft.com/office/drawing/2014/main" id="{C07C83C7-1419-5770-B086-6DEA6DAF3552}"/>
+          <p:cNvPr id="5" name="Picture 4" descr="Map&#10;&#10;Description automatically generated">
+            <a:extLst>
+              <a:ext uri="{FF2B5EF4-FFF2-40B4-BE49-F238E27FC236}">
+                <a16:creationId xmlns:a16="http://schemas.microsoft.com/office/drawing/2014/main" id="{62684574-E463-FE41-0369-56DE3186E0C5}"/>
               </a:ext>
             </a:extLst>
           </p:cNvPr>
           <p:cNvPicPr>
-            <a:picLocks noGrp="1" noChangeAspect="1"/>
+            <a:picLocks noChangeAspect="1"/>
           </p:cNvPicPr>
-          <p:nvPr>
-            <p:ph idx="1"/>
-          </p:nvPr>
+          <p:nvPr/>
         </p:nvPicPr>
         <p:blipFill>
           <a:blip r:embed="rId2">
@@ -4247,41 +6516,8 @@
         </p:blipFill>
         <p:spPr>
           <a:xfrm>
-            <a:off x="993606" y="682090"/>
-            <a:ext cx="4652657" cy="3050924"/>
-          </a:xfrm>
-        </p:spPr>
-      </p:pic>
-      <p:pic>
-        <p:nvPicPr>
-          <p:cNvPr id="12" name="Picture 11" descr="Map&#10;&#10;Description automatically generated">
-            <a:extLst>
-              <a:ext uri="{FF2B5EF4-FFF2-40B4-BE49-F238E27FC236}">
-                <a16:creationId xmlns:a16="http://schemas.microsoft.com/office/drawing/2014/main" id="{76353D38-7407-24F8-5699-8E673409F245}"/>
-              </a:ext>
-            </a:extLst>
-          </p:cNvPr>
-          <p:cNvPicPr>
-            <a:picLocks noChangeAspect="1"/>
-          </p:cNvPicPr>
-          <p:nvPr/>
-        </p:nvPicPr>
-        <p:blipFill>
-          <a:blip r:embed="rId3">
-            <a:extLst>
-              <a:ext uri="{28A0092B-C50C-407E-A947-70E740481C1C}">
-                <a14:useLocalDpi xmlns:a14="http://schemas.microsoft.com/office/drawing/2010/main" val="0"/>
-              </a:ext>
-            </a:extLst>
-          </a:blip>
-          <a:stretch>
-            <a:fillRect/>
-          </a:stretch>
-        </p:blipFill>
-        <p:spPr>
-          <a:xfrm>
-            <a:off x="3532914" y="3802055"/>
-            <a:ext cx="4537510" cy="2975416"/>
+            <a:off x="747199" y="1389142"/>
+            <a:ext cx="4313240" cy="2828352"/>
           </a:xfrm>
           <a:prstGeom prst="rect">
             <a:avLst/>
@@ -4290,10 +6526,46 @@
       </p:pic>
       <p:pic>
         <p:nvPicPr>
-          <p:cNvPr id="14" name="Picture 13" descr="Map&#10;&#10;Description automatically generated">
-            <a:extLst>
-              <a:ext uri="{FF2B5EF4-FFF2-40B4-BE49-F238E27FC236}">
-                <a16:creationId xmlns:a16="http://schemas.microsoft.com/office/drawing/2014/main" id="{295A21ED-CF6F-11D5-88DF-448300F4B10B}"/>
+          <p:cNvPr id="9" name="Picture 8" descr="Map&#10;&#10;Description automatically generated">
+            <a:extLst>
+              <a:ext uri="{FF2B5EF4-FFF2-40B4-BE49-F238E27FC236}">
+                <a16:creationId xmlns:a16="http://schemas.microsoft.com/office/drawing/2014/main" id="{5639AA58-8F5C-D526-A8D1-2F8A414529CF}"/>
+              </a:ext>
+            </a:extLst>
+          </p:cNvPr>
+          <p:cNvPicPr>
+            <a:picLocks noChangeAspect="1"/>
+          </p:cNvPicPr>
+          <p:nvPr/>
+        </p:nvPicPr>
+        <p:blipFill>
+          <a:blip r:embed="rId3">
+            <a:extLst>
+              <a:ext uri="{28A0092B-C50C-407E-A947-70E740481C1C}">
+                <a14:useLocalDpi xmlns:a14="http://schemas.microsoft.com/office/drawing/2010/main" val="0"/>
+              </a:ext>
+            </a:extLst>
+          </a:blip>
+          <a:stretch>
+            <a:fillRect/>
+          </a:stretch>
+        </p:blipFill>
+        <p:spPr>
+          <a:xfrm>
+            <a:off x="7131562" y="1389142"/>
+            <a:ext cx="4313240" cy="2828352"/>
+          </a:xfrm>
+          <a:prstGeom prst="rect">
+            <a:avLst/>
+          </a:prstGeom>
+        </p:spPr>
+      </p:pic>
+      <p:pic>
+        <p:nvPicPr>
+          <p:cNvPr id="7" name="Picture 6" descr="Map&#10;&#10;Description automatically generated">
+            <a:extLst>
+              <a:ext uri="{FF2B5EF4-FFF2-40B4-BE49-F238E27FC236}">
+                <a16:creationId xmlns:a16="http://schemas.microsoft.com/office/drawing/2014/main" id="{642AF006-92B5-0515-5DCD-6EE5CF5A7973}"/>
               </a:ext>
             </a:extLst>
           </p:cNvPr>
@@ -4316,8 +6588,8 @@
         </p:blipFill>
         <p:spPr>
           <a:xfrm>
-            <a:off x="5710576" y="682090"/>
-            <a:ext cx="4635410" cy="3039613"/>
+            <a:off x="3939380" y="3710206"/>
+            <a:ext cx="4313240" cy="2828352"/>
           </a:xfrm>
           <a:prstGeom prst="rect">
             <a:avLst/>
@@ -4327,7 +6599,7 @@
     </p:spTree>
     <p:extLst>
       <p:ext uri="{BB962C8B-B14F-4D97-AF65-F5344CB8AC3E}">
-        <p14:creationId xmlns:p14="http://schemas.microsoft.com/office/powerpoint/2010/main" val="3681023647"/>
+        <p14:creationId xmlns:p14="http://schemas.microsoft.com/office/powerpoint/2010/main" val="4798945"/>
       </p:ext>
     </p:extLst>
   </p:cSld>
@@ -4356,10 +6628,10 @@
       </p:grpSpPr>
       <p:sp>
         <p:nvSpPr>
-          <p:cNvPr id="2" name="Titel 1">
-            <a:extLst>
-              <a:ext uri="{FF2B5EF4-FFF2-40B4-BE49-F238E27FC236}">
-                <a16:creationId xmlns:a16="http://schemas.microsoft.com/office/drawing/2014/main" id="{9EEC5185-102E-DA9F-595D-858DB0B45BEC}"/>
+          <p:cNvPr id="2" name="Title 1">
+            <a:extLst>
+              <a:ext uri="{FF2B5EF4-FFF2-40B4-BE49-F238E27FC236}">
+                <a16:creationId xmlns:a16="http://schemas.microsoft.com/office/drawing/2014/main" id="{476D9CCD-6E09-7DBF-DE87-EFA542254A40}"/>
               </a:ext>
             </a:extLst>
           </p:cNvPr>
@@ -4379,15 +6651,16 @@
               <a:rPr lang="de-AT" dirty="0"/>
               <a:t>Appendix</a:t>
             </a:r>
-          </a:p>
-        </p:txBody>
-      </p:sp>
-      <p:sp>
-        <p:nvSpPr>
-          <p:cNvPr id="3" name="Inhaltsplatzhalter 2">
-            <a:extLst>
-              <a:ext uri="{FF2B5EF4-FFF2-40B4-BE49-F238E27FC236}">
-                <a16:creationId xmlns:a16="http://schemas.microsoft.com/office/drawing/2014/main" id="{08F623A3-E7F8-FB9D-F64E-825D0F5590E1}"/>
+            <a:endParaRPr lang="en-US" dirty="0"/>
+          </a:p>
+        </p:txBody>
+      </p:sp>
+      <p:sp>
+        <p:nvSpPr>
+          <p:cNvPr id="3" name="Content Placeholder 2">
+            <a:extLst>
+              <a:ext uri="{FF2B5EF4-FFF2-40B4-BE49-F238E27FC236}">
+                <a16:creationId xmlns:a16="http://schemas.microsoft.com/office/drawing/2014/main" id="{BF93E947-BB68-6561-313F-5BFBEBAA84D0}"/>
               </a:ext>
             </a:extLst>
           </p:cNvPr>
@@ -4403,14 +6676,535 @@
           <a:bodyPr/>
           <a:lstStyle/>
           <a:p>
-            <a:endParaRPr lang="de-AT"/>
+            <a:endParaRPr lang="en-US"/>
           </a:p>
         </p:txBody>
       </p:sp>
     </p:spTree>
     <p:extLst>
       <p:ext uri="{BB962C8B-B14F-4D97-AF65-F5344CB8AC3E}">
-        <p14:creationId xmlns:p14="http://schemas.microsoft.com/office/powerpoint/2010/main" val="74645456"/>
+        <p14:creationId xmlns:p14="http://schemas.microsoft.com/office/powerpoint/2010/main" val="3148913186"/>
+      </p:ext>
+    </p:extLst>
+  </p:cSld>
+  <p:clrMapOvr>
+    <a:masterClrMapping/>
+  </p:clrMapOvr>
+</p:sld>
+</file>
+
+<file path=ppt/slides/slide8.xml><?xml version="1.0" encoding="utf-8"?>
+<p:sld xmlns:a="http://schemas.openxmlformats.org/drawingml/2006/main" xmlns:r="http://schemas.openxmlformats.org/officeDocument/2006/relationships" xmlns:p="http://schemas.openxmlformats.org/presentationml/2006/main">
+  <p:cSld>
+    <p:spTree>
+      <p:nvGrpSpPr>
+        <p:cNvPr id="1" name=""/>
+        <p:cNvGrpSpPr/>
+        <p:nvPr/>
+      </p:nvGrpSpPr>
+      <p:grpSpPr>
+        <a:xfrm>
+          <a:off x="0" y="0"/>
+          <a:ext cx="0" cy="0"/>
+          <a:chOff x="0" y="0"/>
+          <a:chExt cx="0" cy="0"/>
+        </a:xfrm>
+      </p:grpSpPr>
+      <p:sp>
+        <p:nvSpPr>
+          <p:cNvPr id="2" name="Titel 1">
+            <a:extLst>
+              <a:ext uri="{FF2B5EF4-FFF2-40B4-BE49-F238E27FC236}">
+                <a16:creationId xmlns:a16="http://schemas.microsoft.com/office/drawing/2014/main" id="{7473A63C-F0C4-C1A1-2EC9-473218828EAC}"/>
+              </a:ext>
+            </a:extLst>
+          </p:cNvPr>
+          <p:cNvSpPr>
+            <a:spLocks noGrp="1"/>
+          </p:cNvSpPr>
+          <p:nvPr>
+            <p:ph type="title"/>
+          </p:nvPr>
+        </p:nvSpPr>
+        <p:spPr/>
+        <p:txBody>
+          <a:bodyPr/>
+          <a:lstStyle/>
+          <a:p>
+            <a:r>
+              <a:rPr lang="de-AT" dirty="0">
+                <a:latin typeface="Times New Roman" panose="02020603050405020304" pitchFamily="18" charset="0"/>
+                <a:cs typeface="Times New Roman" panose="02020603050405020304" pitchFamily="18" charset="0"/>
+              </a:rPr>
+              <a:t>Reference Paper and Method </a:t>
+            </a:r>
+          </a:p>
+        </p:txBody>
+      </p:sp>
+      <p:sp>
+        <p:nvSpPr>
+          <p:cNvPr id="3" name="Inhaltsplatzhalter 2">
+            <a:extLst>
+              <a:ext uri="{FF2B5EF4-FFF2-40B4-BE49-F238E27FC236}">
+                <a16:creationId xmlns:a16="http://schemas.microsoft.com/office/drawing/2014/main" id="{96AC0CC4-0001-CB02-8FE5-BB5C661A5E38}"/>
+              </a:ext>
+            </a:extLst>
+          </p:cNvPr>
+          <p:cNvSpPr>
+            <a:spLocks noGrp="1"/>
+          </p:cNvSpPr>
+          <p:nvPr>
+            <p:ph idx="1"/>
+          </p:nvPr>
+        </p:nvSpPr>
+        <p:spPr>
+          <a:xfrm>
+            <a:off x="838200" y="1387475"/>
+            <a:ext cx="10515600" cy="5105400"/>
+          </a:xfrm>
+        </p:spPr>
+        <p:txBody>
+          <a:bodyPr>
+            <a:normAutofit fontScale="92500" lnSpcReduction="10000"/>
+          </a:bodyPr>
+          <a:lstStyle/>
+          <a:p>
+            <a:r>
+              <a:rPr lang="de-AT" sz="1600" dirty="0"/>
+              <a:t>Mention source</a:t>
+            </a:r>
+          </a:p>
+          <a:p>
+            <a:r>
+              <a:rPr lang="de-AT" sz="1600" dirty="0"/>
+              <a:t>Mention </a:t>
+            </a:r>
+            <a:r>
+              <a:rPr lang="de-AT" sz="1600" dirty="0" err="1"/>
+              <a:t>controls</a:t>
+            </a:r>
+            <a:r>
+              <a:rPr lang="de-AT" sz="1600" dirty="0"/>
+              <a:t>: Dummy </a:t>
+            </a:r>
+            <a:r>
+              <a:rPr lang="de-AT" sz="1600" dirty="0" err="1"/>
+              <a:t>healthreform</a:t>
+            </a:r>
+            <a:r>
+              <a:rPr lang="de-AT" sz="1600" dirty="0"/>
+              <a:t> (ganz kurz anschneiden) </a:t>
+            </a:r>
+          </a:p>
+          <a:p>
+            <a:r>
+              <a:rPr lang="de-AT" sz="1600" dirty="0"/>
+              <a:t>Final </a:t>
+            </a:r>
+            <a:r>
+              <a:rPr lang="de-AT" sz="1600" dirty="0" err="1"/>
+              <a:t>method</a:t>
+            </a:r>
+            <a:r>
+              <a:rPr lang="de-AT" sz="1600" dirty="0"/>
+              <a:t>, </a:t>
+            </a:r>
+            <a:r>
+              <a:rPr lang="de-AT" sz="1600" dirty="0" err="1"/>
+              <a:t>data</a:t>
+            </a:r>
+            <a:r>
+              <a:rPr lang="de-AT" sz="1600" dirty="0"/>
+              <a:t> </a:t>
+            </a:r>
+            <a:r>
+              <a:rPr lang="de-AT" sz="1600" dirty="0" err="1"/>
+              <a:t>set</a:t>
+            </a:r>
+            <a:r>
+              <a:rPr lang="de-AT" sz="1600" dirty="0"/>
+              <a:t> </a:t>
+            </a:r>
+            <a:r>
+              <a:rPr lang="de-AT" sz="1600" dirty="0" err="1"/>
+              <a:t>chosen</a:t>
+            </a:r>
+            <a:endParaRPr lang="de-AT" sz="1600" dirty="0"/>
+          </a:p>
+          <a:p>
+            <a:r>
+              <a:rPr lang="de-AT" dirty="0" err="1"/>
+              <a:t>How</a:t>
+            </a:r>
+            <a:r>
+              <a:rPr lang="de-AT" dirty="0"/>
+              <a:t> </a:t>
+            </a:r>
+            <a:r>
+              <a:rPr lang="de-AT" dirty="0" err="1"/>
+              <a:t>many</a:t>
+            </a:r>
+            <a:r>
+              <a:rPr lang="de-AT" dirty="0"/>
+              <a:t> </a:t>
+            </a:r>
+            <a:r>
+              <a:rPr lang="de-AT" dirty="0" err="1"/>
+              <a:t>years</a:t>
+            </a:r>
+            <a:r>
+              <a:rPr lang="de-AT" dirty="0"/>
+              <a:t>? 2011-2019 wäre nicht schlecht weil wir alle Pollution Daten haben </a:t>
+            </a:r>
+          </a:p>
+          <a:p>
+            <a:r>
+              <a:rPr lang="de-AT" dirty="0" err="1"/>
+              <a:t>Spatial</a:t>
+            </a:r>
+            <a:r>
+              <a:rPr lang="de-AT" dirty="0"/>
+              <a:t> </a:t>
+            </a:r>
+            <a:r>
+              <a:rPr lang="de-AT" dirty="0" err="1"/>
+              <a:t>Durbin</a:t>
+            </a:r>
+            <a:r>
+              <a:rPr lang="de-AT" dirty="0"/>
+              <a:t> Error </a:t>
+            </a:r>
+            <a:r>
+              <a:rPr lang="de-AT" dirty="0" err="1"/>
+              <a:t>model</a:t>
+            </a:r>
+            <a:r>
+              <a:rPr lang="de-AT" dirty="0"/>
+              <a:t>: SLX and SEM mix </a:t>
+            </a:r>
+          </a:p>
+          <a:p>
+            <a:r>
+              <a:rPr lang="de-AT" sz="2000" dirty="0" err="1"/>
+              <a:t>Extentsion</a:t>
+            </a:r>
+            <a:r>
+              <a:rPr lang="de-AT" sz="2000" dirty="0"/>
+              <a:t> </a:t>
+            </a:r>
+            <a:r>
+              <a:rPr lang="de-AT" sz="2000" dirty="0" err="1"/>
+              <a:t>to</a:t>
+            </a:r>
+            <a:r>
+              <a:rPr lang="de-AT" sz="2000" dirty="0"/>
+              <a:t> </a:t>
+            </a:r>
+            <a:r>
+              <a:rPr lang="de-AT" sz="2000" dirty="0" err="1"/>
+              <a:t>the</a:t>
+            </a:r>
+            <a:r>
+              <a:rPr lang="de-AT" sz="2000" dirty="0"/>
+              <a:t> </a:t>
+            </a:r>
+            <a:r>
+              <a:rPr lang="de-AT" sz="2000" dirty="0" err="1"/>
+              <a:t>authors</a:t>
+            </a:r>
+            <a:r>
+              <a:rPr lang="de-AT" sz="2000" dirty="0"/>
+              <a:t> </a:t>
+            </a:r>
+            <a:r>
+              <a:rPr lang="de-AT" sz="2000" dirty="0" err="1"/>
+              <a:t>who</a:t>
+            </a:r>
+            <a:r>
+              <a:rPr lang="de-AT" sz="2000" dirty="0"/>
+              <a:t> just </a:t>
+            </a:r>
+            <a:r>
+              <a:rPr lang="de-AT" sz="2000" dirty="0" err="1"/>
+              <a:t>did</a:t>
+            </a:r>
+            <a:r>
+              <a:rPr lang="de-AT" sz="2000" dirty="0"/>
+              <a:t> </a:t>
+            </a:r>
+            <a:r>
+              <a:rPr lang="de-AT" sz="2000" dirty="0" err="1"/>
+              <a:t>the</a:t>
+            </a:r>
+            <a:r>
+              <a:rPr lang="de-AT" sz="2000" dirty="0"/>
+              <a:t> SAR and SEM Model (</a:t>
+            </a:r>
+            <a:r>
+              <a:rPr lang="de-AT" sz="2000" dirty="0" err="1"/>
+              <a:t>none</a:t>
+            </a:r>
+            <a:r>
+              <a:rPr lang="de-AT" sz="2000" dirty="0"/>
+              <a:t> SLX, KNN but not </a:t>
+            </a:r>
+            <a:r>
+              <a:rPr lang="de-AT" sz="2000" dirty="0" err="1"/>
+              <a:t>which</a:t>
+            </a:r>
+            <a:r>
+              <a:rPr lang="de-AT" sz="2000" dirty="0"/>
+              <a:t> n=)</a:t>
+            </a:r>
+          </a:p>
+          <a:p>
+            <a:r>
+              <a:rPr lang="de-AT" sz="2000" dirty="0" err="1"/>
+              <a:t>We</a:t>
+            </a:r>
+            <a:r>
+              <a:rPr lang="de-AT" sz="2000" dirty="0"/>
+              <a:t> will check </a:t>
+            </a:r>
+            <a:r>
+              <a:rPr lang="de-AT" sz="2000" dirty="0" err="1"/>
+              <a:t>for</a:t>
+            </a:r>
+            <a:r>
+              <a:rPr lang="de-AT" sz="2000" dirty="0"/>
+              <a:t> </a:t>
+            </a:r>
+            <a:r>
+              <a:rPr lang="de-AT" sz="2000" dirty="0" err="1"/>
+              <a:t>this</a:t>
+            </a:r>
+            <a:r>
+              <a:rPr lang="de-AT" sz="2000" dirty="0"/>
+              <a:t>! But </a:t>
+            </a:r>
+            <a:r>
+              <a:rPr lang="de-AT" sz="2000" dirty="0" err="1"/>
+              <a:t>we</a:t>
+            </a:r>
+            <a:r>
+              <a:rPr lang="de-AT" sz="2000" dirty="0"/>
+              <a:t> </a:t>
+            </a:r>
+            <a:r>
+              <a:rPr lang="de-AT" sz="2000" dirty="0" err="1"/>
+              <a:t>think</a:t>
+            </a:r>
+            <a:r>
+              <a:rPr lang="de-AT" sz="2000" dirty="0"/>
+              <a:t> </a:t>
+            </a:r>
+            <a:r>
+              <a:rPr lang="de-AT" sz="2000" dirty="0" err="1"/>
+              <a:t>that</a:t>
+            </a:r>
+            <a:r>
+              <a:rPr lang="de-AT" sz="2000" dirty="0"/>
+              <a:t> </a:t>
+            </a:r>
+            <a:r>
+              <a:rPr lang="de-AT" sz="2000" dirty="0" err="1"/>
+              <a:t>this</a:t>
+            </a:r>
+            <a:r>
+              <a:rPr lang="de-AT" sz="2000" dirty="0"/>
+              <a:t> </a:t>
+            </a:r>
+            <a:r>
+              <a:rPr lang="de-AT" sz="2000" dirty="0" err="1"/>
+              <a:t>is</a:t>
+            </a:r>
+            <a:r>
+              <a:rPr lang="de-AT" sz="2000" dirty="0"/>
+              <a:t> </a:t>
+            </a:r>
+            <a:r>
+              <a:rPr lang="de-AT" sz="2000" dirty="0" err="1"/>
+              <a:t>better</a:t>
+            </a:r>
+            <a:r>
+              <a:rPr lang="de-AT" sz="2000" dirty="0"/>
+              <a:t> </a:t>
+            </a:r>
+            <a:r>
+              <a:rPr lang="de-AT" sz="2000" dirty="0" err="1"/>
+              <a:t>because</a:t>
+            </a:r>
+            <a:r>
+              <a:rPr lang="de-AT" sz="2000" dirty="0"/>
+              <a:t> of </a:t>
+            </a:r>
+            <a:r>
+              <a:rPr lang="de-AT" sz="2000" dirty="0" err="1"/>
+              <a:t>blabla</a:t>
+            </a:r>
+            <a:endParaRPr lang="de-AT" sz="2000" dirty="0"/>
+          </a:p>
+          <a:p>
+            <a:r>
+              <a:rPr lang="de-AT" sz="2000" dirty="0" err="1"/>
+              <a:t>No</a:t>
+            </a:r>
+            <a:r>
+              <a:rPr lang="de-AT" sz="2000" dirty="0"/>
+              <a:t> </a:t>
+            </a:r>
+            <a:r>
+              <a:rPr lang="de-AT" sz="2000" dirty="0" err="1"/>
+              <a:t>dummy</a:t>
+            </a:r>
+            <a:r>
+              <a:rPr lang="de-AT" sz="2000" dirty="0"/>
+              <a:t> </a:t>
+            </a:r>
+            <a:r>
+              <a:rPr lang="de-AT" sz="2000" dirty="0" err="1"/>
+              <a:t>for</a:t>
+            </a:r>
+            <a:r>
+              <a:rPr lang="de-AT" sz="2000" dirty="0"/>
+              <a:t> </a:t>
+            </a:r>
+            <a:r>
+              <a:rPr lang="de-AT" sz="2000" dirty="0" err="1"/>
+              <a:t>financial</a:t>
+            </a:r>
+            <a:r>
+              <a:rPr lang="de-AT" sz="2000" dirty="0"/>
+              <a:t> </a:t>
+            </a:r>
+            <a:r>
+              <a:rPr lang="de-AT" sz="2000" dirty="0" err="1"/>
+              <a:t>crisis</a:t>
+            </a:r>
+            <a:r>
+              <a:rPr lang="de-AT" sz="2000" dirty="0"/>
+              <a:t> </a:t>
+            </a:r>
+          </a:p>
+          <a:p>
+            <a:r>
+              <a:rPr lang="de-AT" sz="2000" dirty="0"/>
+              <a:t>SAR: </a:t>
+            </a:r>
+            <a:r>
+              <a:rPr lang="de-AT" sz="2000" dirty="0" err="1"/>
+              <a:t>Manskis</a:t>
+            </a:r>
+            <a:r>
+              <a:rPr lang="de-AT" sz="2000" dirty="0"/>
+              <a:t> Reflexion Problem!</a:t>
+            </a:r>
+          </a:p>
+          <a:p>
+            <a:r>
+              <a:rPr lang="de-AT" sz="2000" dirty="0"/>
+              <a:t>2 coole Sachen: </a:t>
+            </a:r>
+          </a:p>
+          <a:p>
+            <a:r>
+              <a:rPr lang="de-AT" sz="2000" dirty="0"/>
+              <a:t>Age -&gt; superwichtig für </a:t>
+            </a:r>
+            <a:r>
+              <a:rPr lang="de-AT" sz="2000" dirty="0" err="1"/>
+              <a:t>healthcare</a:t>
+            </a:r>
+            <a:r>
+              <a:rPr lang="de-AT" sz="2000" dirty="0"/>
+              <a:t> </a:t>
+            </a:r>
+            <a:r>
+              <a:rPr lang="de-AT" sz="2000" dirty="0" err="1"/>
+              <a:t>obv</a:t>
+            </a:r>
+            <a:r>
+              <a:rPr lang="de-AT" sz="2000" dirty="0"/>
+              <a:t> (</a:t>
+            </a:r>
+            <a:r>
+              <a:rPr lang="de-AT" sz="2000" dirty="0" err="1"/>
+              <a:t>socioeconomic</a:t>
+            </a:r>
+            <a:r>
+              <a:rPr lang="de-AT" sz="2000" dirty="0"/>
+              <a:t> variable </a:t>
+            </a:r>
+            <a:r>
+              <a:rPr lang="de-AT" sz="2000" dirty="0" err="1"/>
+              <a:t>evtl</a:t>
+            </a:r>
+            <a:r>
+              <a:rPr lang="de-AT" sz="2000" dirty="0"/>
+              <a:t> noch beschaffen)</a:t>
+            </a:r>
+          </a:p>
+          <a:p>
+            <a:r>
+              <a:rPr lang="de-AT" sz="2000" dirty="0" err="1"/>
+              <a:t>Exipenditure</a:t>
+            </a:r>
+            <a:r>
+              <a:rPr lang="de-AT" sz="2000" dirty="0"/>
+              <a:t> variable wurde Inflationsbereinigt! (VPI an Health Care </a:t>
+            </a:r>
+            <a:r>
+              <a:rPr lang="de-AT" sz="2000" dirty="0" err="1"/>
+              <a:t>vars</a:t>
+            </a:r>
+            <a:r>
+              <a:rPr lang="de-AT" sz="2000" dirty="0"/>
+              <a:t>) </a:t>
+            </a:r>
+          </a:p>
+          <a:p>
+            <a:r>
+              <a:rPr lang="de-AT" sz="2000" dirty="0" err="1"/>
+              <a:t>Heteroskedasticity</a:t>
+            </a:r>
+            <a:r>
+              <a:rPr lang="de-AT" sz="2000" dirty="0"/>
+              <a:t> wegen der </a:t>
+            </a:r>
+            <a:r>
+              <a:rPr lang="de-AT" sz="2000" dirty="0" err="1"/>
+              <a:t>heterogenität</a:t>
+            </a:r>
+            <a:r>
+              <a:rPr lang="de-AT" sz="2000" dirty="0"/>
+              <a:t> der </a:t>
+            </a:r>
+            <a:r>
+              <a:rPr lang="de-AT" sz="2000" dirty="0" err="1"/>
+              <a:t>regionen</a:t>
+            </a:r>
+            <a:r>
+              <a:rPr lang="de-AT" sz="2000" dirty="0"/>
+              <a:t> ein </a:t>
+            </a:r>
+            <a:r>
+              <a:rPr lang="de-AT" sz="2000" dirty="0" err="1"/>
+              <a:t>problem</a:t>
+            </a:r>
+            <a:r>
+              <a:rPr lang="de-AT" sz="2000" dirty="0"/>
+              <a:t> werden könnte </a:t>
+            </a:r>
+          </a:p>
+          <a:p>
+            <a:endParaRPr lang="de-AT" sz="2000" dirty="0"/>
+          </a:p>
+        </p:txBody>
+      </p:sp>
+    </p:spTree>
+    <p:extLst>
+      <p:ext uri="{BB962C8B-B14F-4D97-AF65-F5344CB8AC3E}">
+        <p14:creationId xmlns:p14="http://schemas.microsoft.com/office/powerpoint/2010/main" val="3629649981"/>
       </p:ext>
     </p:extLst>
   </p:cSld>
@@ -4713,4 +7507,543 @@
     </a:ext>
   </a:extLst>
 </a:theme>
+</file>
+
+<file path=ppt/theme/theme2.xml><?xml version="1.0" encoding="utf-8"?>
+<a:theme xmlns:a="http://schemas.openxmlformats.org/drawingml/2006/main" name="Office">
+  <a:themeElements>
+    <a:clrScheme name="Office">
+      <a:dk1>
+        <a:sysClr val="windowText" lastClr="000000"/>
+      </a:dk1>
+      <a:lt1>
+        <a:sysClr val="window" lastClr="FFFFFF"/>
+      </a:lt1>
+      <a:dk2>
+        <a:srgbClr val="44546A"/>
+      </a:dk2>
+      <a:lt2>
+        <a:srgbClr val="E7E6E6"/>
+      </a:lt2>
+      <a:accent1>
+        <a:srgbClr val="4472C4"/>
+      </a:accent1>
+      <a:accent2>
+        <a:srgbClr val="ED7D31"/>
+      </a:accent2>
+      <a:accent3>
+        <a:srgbClr val="A5A5A5"/>
+      </a:accent3>
+      <a:accent4>
+        <a:srgbClr val="FFC000"/>
+      </a:accent4>
+      <a:accent5>
+        <a:srgbClr val="5B9BD5"/>
+      </a:accent5>
+      <a:accent6>
+        <a:srgbClr val="70AD47"/>
+      </a:accent6>
+      <a:hlink>
+        <a:srgbClr val="0563C1"/>
+      </a:hlink>
+      <a:folHlink>
+        <a:srgbClr val="954F72"/>
+      </a:folHlink>
+    </a:clrScheme>
+    <a:fontScheme name="Office">
+      <a:majorFont>
+        <a:latin typeface="Calibri Light" panose="020F0302020204030204"/>
+        <a:ea typeface=""/>
+        <a:cs typeface=""/>
+        <a:font script="Jpan" typeface="游ゴシック Light"/>
+        <a:font script="Hang" typeface="맑은 고딕"/>
+        <a:font script="Hans" typeface="等线 Light"/>
+        <a:font script="Hant" typeface="新細明體"/>
+        <a:font script="Arab" typeface="Times New Roman"/>
+        <a:font script="Hebr" typeface="Times New Roman"/>
+        <a:font script="Thai" typeface="Angsana New"/>
+        <a:font script="Ethi" typeface="Nyala"/>
+        <a:font script="Beng" typeface="Vrinda"/>
+        <a:font script="Gujr" typeface="Shruti"/>
+        <a:font script="Khmr" typeface="MoolBoran"/>
+        <a:font script="Knda" typeface="Tunga"/>
+        <a:font script="Guru" typeface="Raavi"/>
+        <a:font script="Cans" typeface="Euphemia"/>
+        <a:font script="Cher" typeface="Plantagenet Cherokee"/>
+        <a:font script="Yiii" typeface="Microsoft Yi Baiti"/>
+        <a:font script="Tibt" typeface="Microsoft Himalaya"/>
+        <a:font script="Thaa" typeface="MV Boli"/>
+        <a:font script="Deva" typeface="Mangal"/>
+        <a:font script="Telu" typeface="Gautami"/>
+        <a:font script="Taml" typeface="Latha"/>
+        <a:font script="Syrc" typeface="Estrangelo Edessa"/>
+        <a:font script="Orya" typeface="Kalinga"/>
+        <a:font script="Mlym" typeface="Kartika"/>
+        <a:font script="Laoo" typeface="DokChampa"/>
+        <a:font script="Sinh" typeface="Iskoola Pota"/>
+        <a:font script="Mong" typeface="Mongolian Baiti"/>
+        <a:font script="Viet" typeface="Times New Roman"/>
+        <a:font script="Uigh" typeface="Microsoft Uighur"/>
+        <a:font script="Geor" typeface="Sylfaen"/>
+        <a:font script="Armn" typeface="Arial"/>
+        <a:font script="Bugi" typeface="Leelawadee UI"/>
+        <a:font script="Bopo" typeface="Microsoft JhengHei"/>
+        <a:font script="Java" typeface="Javanese Text"/>
+        <a:font script="Lisu" typeface="Segoe UI"/>
+        <a:font script="Mymr" typeface="Myanmar Text"/>
+        <a:font script="Nkoo" typeface="Ebrima"/>
+        <a:font script="Olck" typeface="Nirmala UI"/>
+        <a:font script="Osma" typeface="Ebrima"/>
+        <a:font script="Phag" typeface="Phagspa"/>
+        <a:font script="Syrn" typeface="Estrangelo Edessa"/>
+        <a:font script="Syrj" typeface="Estrangelo Edessa"/>
+        <a:font script="Syre" typeface="Estrangelo Edessa"/>
+        <a:font script="Sora" typeface="Nirmala UI"/>
+        <a:font script="Tale" typeface="Microsoft Tai Le"/>
+        <a:font script="Talu" typeface="Microsoft New Tai Lue"/>
+        <a:font script="Tfng" typeface="Ebrima"/>
+      </a:majorFont>
+      <a:minorFont>
+        <a:latin typeface="Calibri" panose="020F0502020204030204"/>
+        <a:ea typeface=""/>
+        <a:cs typeface=""/>
+        <a:font script="Jpan" typeface="游ゴシック"/>
+        <a:font script="Hang" typeface="맑은 고딕"/>
+        <a:font script="Hans" typeface="等线"/>
+        <a:font script="Hant" typeface="新細明體"/>
+        <a:font script="Arab" typeface="Arial"/>
+        <a:font script="Hebr" typeface="Arial"/>
+        <a:font script="Thai" typeface="Cordia New"/>
+        <a:font script="Ethi" typeface="Nyala"/>
+        <a:font script="Beng" typeface="Vrinda"/>
+        <a:font script="Gujr" typeface="Shruti"/>
+        <a:font script="Khmr" typeface="DaunPenh"/>
+        <a:font script="Knda" typeface="Tunga"/>
+        <a:font script="Guru" typeface="Raavi"/>
+        <a:font script="Cans" typeface="Euphemia"/>
+        <a:font script="Cher" typeface="Plantagenet Cherokee"/>
+        <a:font script="Yiii" typeface="Microsoft Yi Baiti"/>
+        <a:font script="Tibt" typeface="Microsoft Himalaya"/>
+        <a:font script="Thaa" typeface="MV Boli"/>
+        <a:font script="Deva" typeface="Mangal"/>
+        <a:font script="Telu" typeface="Gautami"/>
+        <a:font script="Taml" typeface="Latha"/>
+        <a:font script="Syrc" typeface="Estrangelo Edessa"/>
+        <a:font script="Orya" typeface="Kalinga"/>
+        <a:font script="Mlym" typeface="Kartika"/>
+        <a:font script="Laoo" typeface="DokChampa"/>
+        <a:font script="Sinh" typeface="Iskoola Pota"/>
+        <a:font script="Mong" typeface="Mongolian Baiti"/>
+        <a:font script="Viet" typeface="Arial"/>
+        <a:font script="Uigh" typeface="Microsoft Uighur"/>
+        <a:font script="Geor" typeface="Sylfaen"/>
+        <a:font script="Armn" typeface="Arial"/>
+        <a:font script="Bugi" typeface="Leelawadee UI"/>
+        <a:font script="Bopo" typeface="Microsoft JhengHei"/>
+        <a:font script="Java" typeface="Javanese Text"/>
+        <a:font script="Lisu" typeface="Segoe UI"/>
+        <a:font script="Mymr" typeface="Myanmar Text"/>
+        <a:font script="Nkoo" typeface="Ebrima"/>
+        <a:font script="Olck" typeface="Nirmala UI"/>
+        <a:font script="Osma" typeface="Ebrima"/>
+        <a:font script="Phag" typeface="Phagspa"/>
+        <a:font script="Syrn" typeface="Estrangelo Edessa"/>
+        <a:font script="Syrj" typeface="Estrangelo Edessa"/>
+        <a:font script="Syre" typeface="Estrangelo Edessa"/>
+        <a:font script="Sora" typeface="Nirmala UI"/>
+        <a:font script="Tale" typeface="Microsoft Tai Le"/>
+        <a:font script="Talu" typeface="Microsoft New Tai Lue"/>
+        <a:font script="Tfng" typeface="Ebrima"/>
+      </a:minorFont>
+    </a:fontScheme>
+    <a:fmtScheme name="Office">
+      <a:fillStyleLst>
+        <a:solidFill>
+          <a:schemeClr val="phClr"/>
+        </a:solidFill>
+        <a:gradFill rotWithShape="1">
+          <a:gsLst>
+            <a:gs pos="0">
+              <a:schemeClr val="phClr">
+                <a:lumMod val="110000"/>
+                <a:satMod val="105000"/>
+                <a:tint val="67000"/>
+              </a:schemeClr>
+            </a:gs>
+            <a:gs pos="50000">
+              <a:schemeClr val="phClr">
+                <a:lumMod val="105000"/>
+                <a:satMod val="103000"/>
+                <a:tint val="73000"/>
+              </a:schemeClr>
+            </a:gs>
+            <a:gs pos="100000">
+              <a:schemeClr val="phClr">
+                <a:lumMod val="105000"/>
+                <a:satMod val="109000"/>
+                <a:tint val="81000"/>
+              </a:schemeClr>
+            </a:gs>
+          </a:gsLst>
+          <a:lin ang="5400000" scaled="0"/>
+        </a:gradFill>
+        <a:gradFill rotWithShape="1">
+          <a:gsLst>
+            <a:gs pos="0">
+              <a:schemeClr val="phClr">
+                <a:satMod val="103000"/>
+                <a:lumMod val="102000"/>
+                <a:tint val="94000"/>
+              </a:schemeClr>
+            </a:gs>
+            <a:gs pos="50000">
+              <a:schemeClr val="phClr">
+                <a:satMod val="110000"/>
+                <a:lumMod val="100000"/>
+                <a:shade val="100000"/>
+              </a:schemeClr>
+            </a:gs>
+            <a:gs pos="100000">
+              <a:schemeClr val="phClr">
+                <a:lumMod val="99000"/>
+                <a:satMod val="120000"/>
+                <a:shade val="78000"/>
+              </a:schemeClr>
+            </a:gs>
+          </a:gsLst>
+          <a:lin ang="5400000" scaled="0"/>
+        </a:gradFill>
+      </a:fillStyleLst>
+      <a:lnStyleLst>
+        <a:ln w="6350" cap="flat" cmpd="sng" algn="ctr">
+          <a:solidFill>
+            <a:schemeClr val="phClr"/>
+          </a:solidFill>
+          <a:prstDash val="solid"/>
+          <a:miter lim="800000"/>
+        </a:ln>
+        <a:ln w="12700" cap="flat" cmpd="sng" algn="ctr">
+          <a:solidFill>
+            <a:schemeClr val="phClr"/>
+          </a:solidFill>
+          <a:prstDash val="solid"/>
+          <a:miter lim="800000"/>
+        </a:ln>
+        <a:ln w="19050" cap="flat" cmpd="sng" algn="ctr">
+          <a:solidFill>
+            <a:schemeClr val="phClr"/>
+          </a:solidFill>
+          <a:prstDash val="solid"/>
+          <a:miter lim="800000"/>
+        </a:ln>
+      </a:lnStyleLst>
+      <a:effectStyleLst>
+        <a:effectStyle>
+          <a:effectLst/>
+        </a:effectStyle>
+        <a:effectStyle>
+          <a:effectLst/>
+        </a:effectStyle>
+        <a:effectStyle>
+          <a:effectLst>
+            <a:outerShdw blurRad="57150" dist="19050" dir="5400000" algn="ctr" rotWithShape="0">
+              <a:srgbClr val="000000">
+                <a:alpha val="63000"/>
+              </a:srgbClr>
+            </a:outerShdw>
+          </a:effectLst>
+        </a:effectStyle>
+      </a:effectStyleLst>
+      <a:bgFillStyleLst>
+        <a:solidFill>
+          <a:schemeClr val="phClr"/>
+        </a:solidFill>
+        <a:solidFill>
+          <a:schemeClr val="phClr">
+            <a:tint val="95000"/>
+            <a:satMod val="170000"/>
+          </a:schemeClr>
+        </a:solidFill>
+        <a:gradFill rotWithShape="1">
+          <a:gsLst>
+            <a:gs pos="0">
+              <a:schemeClr val="phClr">
+                <a:tint val="93000"/>
+                <a:satMod val="150000"/>
+                <a:shade val="98000"/>
+                <a:lumMod val="102000"/>
+              </a:schemeClr>
+            </a:gs>
+            <a:gs pos="50000">
+              <a:schemeClr val="phClr">
+                <a:tint val="98000"/>
+                <a:satMod val="130000"/>
+                <a:shade val="90000"/>
+                <a:lumMod val="103000"/>
+              </a:schemeClr>
+            </a:gs>
+            <a:gs pos="100000">
+              <a:schemeClr val="phClr">
+                <a:shade val="63000"/>
+                <a:satMod val="120000"/>
+              </a:schemeClr>
+            </a:gs>
+          </a:gsLst>
+          <a:lin ang="5400000" scaled="0"/>
+        </a:gradFill>
+      </a:bgFillStyleLst>
+    </a:fmtScheme>
+  </a:themeElements>
+  <a:objectDefaults/>
+  <a:extraClrSchemeLst/>
+  <a:extLst>
+    <a:ext uri="{05A4C25C-085E-4340-85A3-A5531E510DB2}">
+      <thm15:themeFamily xmlns:thm15="http://schemas.microsoft.com/office/thememl/2012/main" name="Office Theme" id="{62F939B6-93AF-4DB8-9C6B-D6C7DFDC589F}" vid="{4A3C46E8-61CC-4603-A589-7422A47A8E4A}"/>
+    </a:ext>
+  </a:extLst>
+</a:theme>
+</file>
+
+<file path=customXml/item1.xml><?xml version="1.0" encoding="utf-8"?>
+<?mso-contentType ?>
+<FormTemplates xmlns="http://schemas.microsoft.com/sharepoint/v3/contenttype/forms">
+  <Display>DocumentLibraryForm</Display>
+  <Edit>DocumentLibraryForm</Edit>
+  <New>DocumentLibraryForm</New>
+</FormTemplates>
+</file>
+
+<file path=customXml/item2.xml><?xml version="1.0" encoding="utf-8"?>
+<p:properties xmlns:p="http://schemas.microsoft.com/office/2006/metadata/properties" xmlns:xsi="http://www.w3.org/2001/XMLSchema-instance" xmlns:pc="http://schemas.microsoft.com/office/infopath/2007/PartnerControls">
+  <documentManagement/>
+</p:properties>
+</file>
+
+<file path=customXml/item3.xml><?xml version="1.0" encoding="utf-8"?>
+<ct:contentTypeSchema xmlns:ct="http://schemas.microsoft.com/office/2006/metadata/contentType" xmlns:ma="http://schemas.microsoft.com/office/2006/metadata/properties/metaAttributes" ct:_="" ma:_="" ma:contentTypeName="Dokument" ma:contentTypeID="0x010100E7AAD70C24A804479948B9EB66F27A2E" ma:contentTypeVersion="7" ma:contentTypeDescription="Ein neues Dokument erstellen." ma:contentTypeScope="" ma:versionID="33589997ff861a1654f9133993d08da1">
+  <xsd:schema xmlns:xsd="http://www.w3.org/2001/XMLSchema" xmlns:xs="http://www.w3.org/2001/XMLSchema" xmlns:p="http://schemas.microsoft.com/office/2006/metadata/properties" xmlns:ns3="2112690d-8fbd-4dde-b184-017736a41022" xmlns:ns4="b2c5215f-c487-40de-9387-411188aa7b9b" targetNamespace="http://schemas.microsoft.com/office/2006/metadata/properties" ma:root="true" ma:fieldsID="02d08f04d9427adaa6e87d88aaae0fbe" ns3:_="" ns4:_="">
+    <xsd:import namespace="2112690d-8fbd-4dde-b184-017736a41022"/>
+    <xsd:import namespace="b2c5215f-c487-40de-9387-411188aa7b9b"/>
+    <xsd:element name="properties">
+      <xsd:complexType>
+        <xsd:sequence>
+          <xsd:element name="documentManagement">
+            <xsd:complexType>
+              <xsd:all>
+                <xsd:element ref="ns3:MediaServiceMetadata" minOccurs="0"/>
+                <xsd:element ref="ns3:MediaServiceFastMetadata" minOccurs="0"/>
+                <xsd:element ref="ns4:SharedWithUsers" minOccurs="0"/>
+                <xsd:element ref="ns4:SharedWithDetails" minOccurs="0"/>
+                <xsd:element ref="ns4:SharingHintHash" minOccurs="0"/>
+                <xsd:element ref="ns3:MediaServiceAutoKeyPoints" minOccurs="0"/>
+                <xsd:element ref="ns3:MediaServiceKeyPoints" minOccurs="0"/>
+              </xsd:all>
+            </xsd:complexType>
+          </xsd:element>
+        </xsd:sequence>
+      </xsd:complexType>
+    </xsd:element>
+  </xsd:schema>
+  <xsd:schema xmlns:xsd="http://www.w3.org/2001/XMLSchema" xmlns:xs="http://www.w3.org/2001/XMLSchema" xmlns:dms="http://schemas.microsoft.com/office/2006/documentManagement/types" xmlns:pc="http://schemas.microsoft.com/office/infopath/2007/PartnerControls" targetNamespace="2112690d-8fbd-4dde-b184-017736a41022" elementFormDefault="qualified">
+    <xsd:import namespace="http://schemas.microsoft.com/office/2006/documentManagement/types"/>
+    <xsd:import namespace="http://schemas.microsoft.com/office/infopath/2007/PartnerControls"/>
+    <xsd:element name="MediaServiceMetadata" ma:index="8" nillable="true" ma:displayName="MediaServiceMetadata" ma:hidden="true" ma:internalName="MediaServiceMetadata" ma:readOnly="true">
+      <xsd:simpleType>
+        <xsd:restriction base="dms:Note"/>
+      </xsd:simpleType>
+    </xsd:element>
+    <xsd:element name="MediaServiceFastMetadata" ma:index="9" nillable="true" ma:displayName="MediaServiceFastMetadata" ma:hidden="true" ma:internalName="MediaServiceFastMetadata" ma:readOnly="true">
+      <xsd:simpleType>
+        <xsd:restriction base="dms:Note"/>
+      </xsd:simpleType>
+    </xsd:element>
+    <xsd:element name="MediaServiceAutoKeyPoints" ma:index="13" nillable="true" ma:displayName="MediaServiceAutoKeyPoints" ma:hidden="true" ma:internalName="MediaServiceAutoKeyPoints" ma:readOnly="true">
+      <xsd:simpleType>
+        <xsd:restriction base="dms:Note"/>
+      </xsd:simpleType>
+    </xsd:element>
+    <xsd:element name="MediaServiceKeyPoints" ma:index="14" nillable="true" ma:displayName="KeyPoints" ma:internalName="MediaServiceKeyPoints" ma:readOnly="true">
+      <xsd:simpleType>
+        <xsd:restriction base="dms:Note">
+          <xsd:maxLength value="255"/>
+        </xsd:restriction>
+      </xsd:simpleType>
+    </xsd:element>
+  </xsd:schema>
+  <xsd:schema xmlns:xsd="http://www.w3.org/2001/XMLSchema" xmlns:xs="http://www.w3.org/2001/XMLSchema" xmlns:dms="http://schemas.microsoft.com/office/2006/documentManagement/types" xmlns:pc="http://schemas.microsoft.com/office/infopath/2007/PartnerControls" targetNamespace="b2c5215f-c487-40de-9387-411188aa7b9b" elementFormDefault="qualified">
+    <xsd:import namespace="http://schemas.microsoft.com/office/2006/documentManagement/types"/>
+    <xsd:import namespace="http://schemas.microsoft.com/office/infopath/2007/PartnerControls"/>
+    <xsd:element name="SharedWithUsers" ma:index="10" nillable="true" ma:displayName="Freigegeben für" ma:internalName="SharedWithUsers" ma:readOnly="true">
+      <xsd:complexType>
+        <xsd:complexContent>
+          <xsd:extension base="dms:UserMulti">
+            <xsd:sequence>
+              <xsd:element name="UserInfo" minOccurs="0" maxOccurs="unbounded">
+                <xsd:complexType>
+                  <xsd:sequence>
+                    <xsd:element name="DisplayName" type="xsd:string" minOccurs="0"/>
+                    <xsd:element name="AccountId" type="dms:UserId" minOccurs="0" nillable="true"/>
+                    <xsd:element name="AccountType" type="xsd:string" minOccurs="0"/>
+                  </xsd:sequence>
+                </xsd:complexType>
+              </xsd:element>
+            </xsd:sequence>
+          </xsd:extension>
+        </xsd:complexContent>
+      </xsd:complexType>
+    </xsd:element>
+    <xsd:element name="SharedWithDetails" ma:index="11" nillable="true" ma:displayName="Freigegeben für - Details" ma:internalName="SharedWithDetails" ma:readOnly="true">
+      <xsd:simpleType>
+        <xsd:restriction base="dms:Note">
+          <xsd:maxLength value="255"/>
+        </xsd:restriction>
+      </xsd:simpleType>
+    </xsd:element>
+    <xsd:element name="SharingHintHash" ma:index="12" nillable="true" ma:displayName="Freigabehinweishash" ma:hidden="true" ma:internalName="SharingHintHash" ma:readOnly="true">
+      <xsd:simpleType>
+        <xsd:restriction base="dms:Text"/>
+      </xsd:simpleType>
+    </xsd:element>
+  </xsd:schema>
+  <xsd:schema xmlns="http://schemas.openxmlformats.org/package/2006/metadata/core-properties" xmlns:xsd="http://www.w3.org/2001/XMLSchema" xmlns:xsi="http://www.w3.org/2001/XMLSchema-instance" xmlns:dc="http://purl.org/dc/elements/1.1/" xmlns:dcterms="http://purl.org/dc/terms/" xmlns:odoc="http://schemas.microsoft.com/internal/obd" targetNamespace="http://schemas.openxmlformats.org/package/2006/metadata/core-properties" elementFormDefault="qualified" attributeFormDefault="unqualified" blockDefault="#all">
+    <xsd:import namespace="http://purl.org/dc/elements/1.1/" schemaLocation="http://dublincore.org/schemas/xmls/qdc/2003/04/02/dc.xsd"/>
+    <xsd:import namespace="http://purl.org/dc/terms/" schemaLocation="http://dublincore.org/schemas/xmls/qdc/2003/04/02/dcterms.xsd"/>
+    <xsd:element name="coreProperties" type="CT_coreProperties"/>
+    <xsd:complexType name="CT_coreProperties">
+      <xsd:all>
+        <xsd:element ref="dc:creator" minOccurs="0" maxOccurs="1"/>
+        <xsd:element ref="dcterms:created" minOccurs="0" maxOccurs="1"/>
+        <xsd:element ref="dc:identifier" minOccurs="0" maxOccurs="1"/>
+        <xsd:element name="contentType" minOccurs="0" maxOccurs="1" type="xsd:string" ma:index="0" ma:displayName="Inhaltstyp"/>
+        <xsd:element ref="dc:title" minOccurs="0" maxOccurs="1" ma:index="4" ma:displayName="Titel"/>
+        <xsd:element ref="dc:subject" minOccurs="0" maxOccurs="1"/>
+        <xsd:element ref="dc:description" minOccurs="0" maxOccurs="1"/>
+        <xsd:element name="keywords" minOccurs="0" maxOccurs="1" type="xsd:string"/>
+        <xsd:element ref="dc:language" minOccurs="0" maxOccurs="1"/>
+        <xsd:element name="category" minOccurs="0" maxOccurs="1" type="xsd:string"/>
+        <xsd:element name="version" minOccurs="0" maxOccurs="1" type="xsd:string"/>
+        <xsd:element name="revision" minOccurs="0" maxOccurs="1" type="xsd:string">
+          <xsd:annotation>
+            <xsd:documentation>
+                        This value indicates the number of saves or revisions. The application is responsible for updating this value after each revision.
+                    </xsd:documentation>
+          </xsd:annotation>
+        </xsd:element>
+        <xsd:element name="lastModifiedBy" minOccurs="0" maxOccurs="1" type="xsd:string"/>
+        <xsd:element ref="dcterms:modified" minOccurs="0" maxOccurs="1"/>
+        <xsd:element name="contentStatus" minOccurs="0" maxOccurs="1" type="xsd:string"/>
+      </xsd:all>
+    </xsd:complexType>
+  </xsd:schema>
+  <xs:schema xmlns:pc="http://schemas.microsoft.com/office/infopath/2007/PartnerControls" xmlns:xs="http://www.w3.org/2001/XMLSchema" targetNamespace="http://schemas.microsoft.com/office/infopath/2007/PartnerControls" elementFormDefault="qualified" attributeFormDefault="unqualified">
+    <xs:element name="Person">
+      <xs:complexType>
+        <xs:sequence>
+          <xs:element ref="pc:DisplayName" minOccurs="0"/>
+          <xs:element ref="pc:AccountId" minOccurs="0"/>
+          <xs:element ref="pc:AccountType" minOccurs="0"/>
+        </xs:sequence>
+      </xs:complexType>
+    </xs:element>
+    <xs:element name="DisplayName" type="xs:string"/>
+    <xs:element name="AccountId" type="xs:string"/>
+    <xs:element name="AccountType" type="xs:string"/>
+    <xs:element name="BDCAssociatedEntity">
+      <xs:complexType>
+        <xs:sequence>
+          <xs:element ref="pc:BDCEntity" minOccurs="0" maxOccurs="unbounded"/>
+        </xs:sequence>
+        <xs:attribute ref="pc:EntityNamespace"/>
+        <xs:attribute ref="pc:EntityName"/>
+        <xs:attribute ref="pc:SystemInstanceName"/>
+        <xs:attribute ref="pc:AssociationName"/>
+      </xs:complexType>
+    </xs:element>
+    <xs:attribute name="EntityNamespace" type="xs:string"/>
+    <xs:attribute name="EntityName" type="xs:string"/>
+    <xs:attribute name="SystemInstanceName" type="xs:string"/>
+    <xs:attribute name="AssociationName" type="xs:string"/>
+    <xs:element name="BDCEntity">
+      <xs:complexType>
+        <xs:sequence>
+          <xs:element ref="pc:EntityDisplayName" minOccurs="0"/>
+          <xs:element ref="pc:EntityInstanceReference" minOccurs="0"/>
+          <xs:element ref="pc:EntityId1" minOccurs="0"/>
+          <xs:element ref="pc:EntityId2" minOccurs="0"/>
+          <xs:element ref="pc:EntityId3" minOccurs="0"/>
+          <xs:element ref="pc:EntityId4" minOccurs="0"/>
+          <xs:element ref="pc:EntityId5" minOccurs="0"/>
+        </xs:sequence>
+      </xs:complexType>
+    </xs:element>
+    <xs:element name="EntityDisplayName" type="xs:string"/>
+    <xs:element name="EntityInstanceReference" type="xs:string"/>
+    <xs:element name="EntityId1" type="xs:string"/>
+    <xs:element name="EntityId2" type="xs:string"/>
+    <xs:element name="EntityId3" type="xs:string"/>
+    <xs:element name="EntityId4" type="xs:string"/>
+    <xs:element name="EntityId5" type="xs:string"/>
+    <xs:element name="Terms">
+      <xs:complexType>
+        <xs:sequence>
+          <xs:element ref="pc:TermInfo" minOccurs="0" maxOccurs="unbounded"/>
+        </xs:sequence>
+      </xs:complexType>
+    </xs:element>
+    <xs:element name="TermInfo">
+      <xs:complexType>
+        <xs:sequence>
+          <xs:element ref="pc:TermName" minOccurs="0"/>
+          <xs:element ref="pc:TermId" minOccurs="0"/>
+        </xs:sequence>
+      </xs:complexType>
+    </xs:element>
+    <xs:element name="TermName" type="xs:string"/>
+    <xs:element name="TermId" type="xs:string"/>
+  </xs:schema>
+</ct:contentTypeSchema>
+</file>
+
+<file path=customXml/itemProps1.xml><?xml version="1.0" encoding="utf-8"?>
+<ds:datastoreItem xmlns:ds="http://schemas.openxmlformats.org/officeDocument/2006/customXml" ds:itemID="{44A10801-897B-422D-9F4F-185BFA00F090}">
+  <ds:schemaRefs>
+    <ds:schemaRef ds:uri="http://schemas.microsoft.com/sharepoint/v3/contenttype/forms"/>
+  </ds:schemaRefs>
+</ds:datastoreItem>
+</file>
+
+<file path=customXml/itemProps2.xml><?xml version="1.0" encoding="utf-8"?>
+<ds:datastoreItem xmlns:ds="http://schemas.openxmlformats.org/officeDocument/2006/customXml" ds:itemID="{1A945982-6DDA-4449-AA1C-C156F8ACD906}">
+  <ds:schemaRefs>
+    <ds:schemaRef ds:uri="http://schemas.microsoft.com/office/2006/documentManagement/types"/>
+    <ds:schemaRef ds:uri="http://schemas.microsoft.com/office/infopath/2007/PartnerControls"/>
+    <ds:schemaRef ds:uri="http://purl.org/dc/elements/1.1/"/>
+    <ds:schemaRef ds:uri="http://schemas.microsoft.com/office/2006/metadata/properties"/>
+    <ds:schemaRef ds:uri="http://purl.org/dc/terms/"/>
+    <ds:schemaRef ds:uri="http://schemas.openxmlformats.org/package/2006/metadata/core-properties"/>
+    <ds:schemaRef ds:uri="b2c5215f-c487-40de-9387-411188aa7b9b"/>
+    <ds:schemaRef ds:uri="2112690d-8fbd-4dde-b184-017736a41022"/>
+    <ds:schemaRef ds:uri="http://www.w3.org/XML/1998/namespace"/>
+    <ds:schemaRef ds:uri="http://purl.org/dc/dcmitype/"/>
+  </ds:schemaRefs>
+</ds:datastoreItem>
+</file>
+
+<file path=customXml/itemProps3.xml><?xml version="1.0" encoding="utf-8"?>
+<ds:datastoreItem xmlns:ds="http://schemas.openxmlformats.org/officeDocument/2006/customXml" ds:itemID="{6519E644-C84B-4459-8EE8-EDA73965CF06}">
+  <ds:schemaRefs>
+    <ds:schemaRef ds:uri="2112690d-8fbd-4dde-b184-017736a41022"/>
+    <ds:schemaRef ds:uri="b2c5215f-c487-40de-9387-411188aa7b9b"/>
+    <ds:schemaRef ds:uri="http://purl.org/dc/elements/1.1/"/>
+    <ds:schemaRef ds:uri="http://purl.org/dc/terms/"/>
+    <ds:schemaRef ds:uri="http://schemas.microsoft.com/internal/obd"/>
+    <ds:schemaRef ds:uri="http://schemas.microsoft.com/office/2006/documentManagement/types"/>
+    <ds:schemaRef ds:uri="http://schemas.microsoft.com/office/2006/metadata/contentType"/>
+    <ds:schemaRef ds:uri="http://schemas.microsoft.com/office/2006/metadata/properties"/>
+    <ds:schemaRef ds:uri="http://schemas.microsoft.com/office/2006/metadata/properties/metaAttributes"/>
+    <ds:schemaRef ds:uri="http://schemas.microsoft.com/office/infopath/2007/PartnerControls"/>
+    <ds:schemaRef ds:uri="http://schemas.openxmlformats.org/package/2006/metadata/core-properties"/>
+    <ds:schemaRef ds:uri="http://www.w3.org/2001/XMLSchema"/>
+  </ds:schemaRefs>
+</ds:datastoreItem>
 </file>
--- a/Presentations/First Presentation/midterm_presentation.pptx
+++ b/Presentations/First Presentation/midterm_presentation.pptx
@@ -146,18 +146,33 @@
   <pc:docChgLst>
     <pc:chgData name="Fabian Blasch" userId="91b698f49155f71e" providerId="LiveId" clId="{0395F17D-FFF9-436E-8366-C55E86C035E9}"/>
     <pc:docChg chg="undo custSel addSld delSld modSld">
-      <pc:chgData name="Fabian Blasch" userId="91b698f49155f71e" providerId="LiveId" clId="{0395F17D-FFF9-436E-8366-C55E86C035E9}" dt="2022-12-09T07:58:21.722" v="149" actId="20577"/>
+      <pc:chgData name="Fabian Blasch" userId="91b698f49155f71e" providerId="LiveId" clId="{0395F17D-FFF9-436E-8366-C55E86C035E9}" dt="2022-12-09T09:46:13.262" v="162" actId="20577"/>
       <pc:docMkLst>
         <pc:docMk/>
       </pc:docMkLst>
+      <pc:sldChg chg="modSp mod">
+        <pc:chgData name="Fabian Blasch" userId="91b698f49155f71e" providerId="LiveId" clId="{0395F17D-FFF9-436E-8366-C55E86C035E9}" dt="2022-12-09T09:41:33.588" v="160" actId="20577"/>
+        <pc:sldMkLst>
+          <pc:docMk/>
+          <pc:sldMk cId="2047371201" sldId="258"/>
+        </pc:sldMkLst>
+        <pc:spChg chg="mod">
+          <ac:chgData name="Fabian Blasch" userId="91b698f49155f71e" providerId="LiveId" clId="{0395F17D-FFF9-436E-8366-C55E86C035E9}" dt="2022-12-09T09:41:33.588" v="160" actId="20577"/>
+          <ac:spMkLst>
+            <pc:docMk/>
+            <pc:sldMk cId="2047371201" sldId="258"/>
+            <ac:spMk id="3" creationId="{DEDF9EB0-5345-58C2-FDCB-40FBEE577700}"/>
+          </ac:spMkLst>
+        </pc:spChg>
+      </pc:sldChg>
       <pc:sldChg chg="addSp delSp modSp mod">
-        <pc:chgData name="Fabian Blasch" userId="91b698f49155f71e" providerId="LiveId" clId="{0395F17D-FFF9-436E-8366-C55E86C035E9}" dt="2022-12-09T07:57:40.646" v="104" actId="21"/>
+        <pc:chgData name="Fabian Blasch" userId="91b698f49155f71e" providerId="LiveId" clId="{0395F17D-FFF9-436E-8366-C55E86C035E9}" dt="2022-12-09T09:32:31.500" v="158" actId="1076"/>
         <pc:sldMkLst>
           <pc:docMk/>
           <pc:sldMk cId="1115239791" sldId="260"/>
         </pc:sldMkLst>
         <pc:spChg chg="mod">
-          <ac:chgData name="Fabian Blasch" userId="91b698f49155f71e" providerId="LiveId" clId="{0395F17D-FFF9-436E-8366-C55E86C035E9}" dt="2022-12-09T07:57:40.646" v="104" actId="21"/>
+          <ac:chgData name="Fabian Blasch" userId="91b698f49155f71e" providerId="LiveId" clId="{0395F17D-FFF9-436E-8366-C55E86C035E9}" dt="2022-12-09T09:32:16.566" v="153" actId="14100"/>
           <ac:spMkLst>
             <pc:docMk/>
             <pc:sldMk cId="1115239791" sldId="260"/>
@@ -181,7 +196,7 @@
           </ac:spMkLst>
         </pc:spChg>
         <pc:picChg chg="mod">
-          <ac:chgData name="Fabian Blasch" userId="91b698f49155f71e" providerId="LiveId" clId="{0395F17D-FFF9-436E-8366-C55E86C035E9}" dt="2022-12-09T07:56:03.785" v="26" actId="14100"/>
+          <ac:chgData name="Fabian Blasch" userId="91b698f49155f71e" providerId="LiveId" clId="{0395F17D-FFF9-436E-8366-C55E86C035E9}" dt="2022-12-09T09:32:31.500" v="158" actId="1076"/>
           <ac:picMkLst>
             <pc:docMk/>
             <pc:sldMk cId="1115239791" sldId="260"/>
@@ -189,7 +204,7 @@
           </ac:picMkLst>
         </pc:picChg>
         <pc:picChg chg="mod">
-          <ac:chgData name="Fabian Blasch" userId="91b698f49155f71e" providerId="LiveId" clId="{0395F17D-FFF9-436E-8366-C55E86C035E9}" dt="2022-12-09T07:56:06.521" v="27" actId="14100"/>
+          <ac:chgData name="Fabian Blasch" userId="91b698f49155f71e" providerId="LiveId" clId="{0395F17D-FFF9-436E-8366-C55E86C035E9}" dt="2022-12-09T09:32:28.418" v="157" actId="1076"/>
           <ac:picMkLst>
             <pc:docMk/>
             <pc:sldMk cId="1115239791" sldId="260"/>
@@ -211,14 +226,29 @@
           <pc:sldMk cId="3681023647" sldId="262"/>
         </pc:sldMkLst>
       </pc:sldChg>
+      <pc:sldChg chg="modSp mod">
+        <pc:chgData name="Fabian Blasch" userId="91b698f49155f71e" providerId="LiveId" clId="{0395F17D-FFF9-436E-8366-C55E86C035E9}" dt="2022-12-09T09:46:13.262" v="162" actId="20577"/>
+        <pc:sldMkLst>
+          <pc:docMk/>
+          <pc:sldMk cId="2162715094" sldId="263"/>
+        </pc:sldMkLst>
+        <pc:spChg chg="mod">
+          <ac:chgData name="Fabian Blasch" userId="91b698f49155f71e" providerId="LiveId" clId="{0395F17D-FFF9-436E-8366-C55E86C035E9}" dt="2022-12-09T09:46:13.262" v="162" actId="20577"/>
+          <ac:spMkLst>
+            <pc:docMk/>
+            <pc:sldMk cId="2162715094" sldId="263"/>
+            <ac:spMk id="3" creationId="{67A7A445-6663-13BF-9BCF-2A9B8FDF9221}"/>
+          </ac:spMkLst>
+        </pc:spChg>
+      </pc:sldChg>
       <pc:sldChg chg="addSp delSp modSp mod">
-        <pc:chgData name="Fabian Blasch" userId="91b698f49155f71e" providerId="LiveId" clId="{0395F17D-FFF9-436E-8366-C55E86C035E9}" dt="2022-12-09T07:57:56.811" v="134" actId="20577"/>
+        <pc:chgData name="Fabian Blasch" userId="91b698f49155f71e" providerId="LiveId" clId="{0395F17D-FFF9-436E-8366-C55E86C035E9}" dt="2022-12-09T09:32:07.576" v="152" actId="27636"/>
         <pc:sldMkLst>
           <pc:docMk/>
           <pc:sldMk cId="4798945" sldId="264"/>
         </pc:sldMkLst>
         <pc:spChg chg="mod">
-          <ac:chgData name="Fabian Blasch" userId="91b698f49155f71e" providerId="LiveId" clId="{0395F17D-FFF9-436E-8366-C55E86C035E9}" dt="2022-12-09T07:57:56.811" v="134" actId="20577"/>
+          <ac:chgData name="Fabian Blasch" userId="91b698f49155f71e" providerId="LiveId" clId="{0395F17D-FFF9-436E-8366-C55E86C035E9}" dt="2022-12-09T09:32:07.576" v="152" actId="27636"/>
           <ac:spMkLst>
             <pc:docMk/>
             <pc:sldMk cId="4798945" sldId="264"/>
@@ -5966,7 +5996,7 @@
                 <a:latin typeface="Times New Roman"/>
                 <a:cs typeface="Calibri"/>
               </a:rPr>
-              <a:t>crisis</a:t>
+              <a:t>crises</a:t>
             </a:r>
             <a:r>
               <a:rPr lang="de-DE" sz="2200" dirty="0">
@@ -6172,7 +6202,7 @@
                 <a:latin typeface="Times New Roman"/>
                 <a:cs typeface="Times New Roman"/>
               </a:rPr>
-              <a:t>Number of observations per variable: 2011-2018 and 31 Chinese Provinces</a:t>
+              <a:t>Number of observations per variable: 2011-2019 and 31 Chinese Provinces</a:t>
             </a:r>
           </a:p>
           <a:p>
@@ -6324,7 +6354,7 @@
         <p:spPr>
           <a:xfrm>
             <a:off x="838200" y="346075"/>
-            <a:ext cx="10515600" cy="1069699"/>
+            <a:ext cx="10515600" cy="843533"/>
           </a:xfrm>
         </p:spPr>
         <p:txBody>
@@ -6377,8 +6407,8 @@
         </p:blipFill>
         <p:spPr>
           <a:xfrm>
-            <a:off x="556181" y="1998012"/>
-            <a:ext cx="5244542" cy="3439044"/>
+            <a:off x="423016" y="1890944"/>
+            <a:ext cx="5448436" cy="3572745"/>
           </a:xfrm>
           <a:prstGeom prst="rect">
             <a:avLst/>
@@ -6407,8 +6437,8 @@
         </p:blipFill>
         <p:spPr>
           <a:xfrm>
-            <a:off x="6391277" y="1998013"/>
-            <a:ext cx="5244542" cy="3439044"/>
+            <a:off x="6361162" y="1890944"/>
+            <a:ext cx="5407822" cy="3546113"/>
           </a:xfrm>
           <a:prstGeom prst="rect">
             <a:avLst/>
@@ -6464,12 +6494,12 @@
         <p:spPr>
           <a:xfrm>
             <a:off x="838200" y="319442"/>
-            <a:ext cx="10515600" cy="1069699"/>
+            <a:ext cx="10515600" cy="683735"/>
           </a:xfrm>
         </p:spPr>
         <p:txBody>
           <a:bodyPr>
-            <a:normAutofit/>
+            <a:normAutofit fontScale="90000"/>
           </a:bodyPr>
           <a:lstStyle/>
           <a:p>
@@ -7805,18 +7835,18 @@
 </file>
 
 <file path=customXml/item1.xml><?xml version="1.0" encoding="utf-8"?>
+<p:properties xmlns:p="http://schemas.microsoft.com/office/2006/metadata/properties" xmlns:xsi="http://www.w3.org/2001/XMLSchema-instance" xmlns:pc="http://schemas.microsoft.com/office/infopath/2007/PartnerControls">
+  <documentManagement/>
+</p:properties>
+</file>
+
+<file path=customXml/item2.xml><?xml version="1.0" encoding="utf-8"?>
 <?mso-contentType ?>
 <FormTemplates xmlns="http://schemas.microsoft.com/sharepoint/v3/contenttype/forms">
   <Display>DocumentLibraryForm</Display>
   <Edit>DocumentLibraryForm</Edit>
   <New>DocumentLibraryForm</New>
 </FormTemplates>
-</file>
-
-<file path=customXml/item2.xml><?xml version="1.0" encoding="utf-8"?>
-<p:properties xmlns:p="http://schemas.microsoft.com/office/2006/metadata/properties" xmlns:xsi="http://www.w3.org/2001/XMLSchema-instance" xmlns:pc="http://schemas.microsoft.com/office/infopath/2007/PartnerControls">
-  <documentManagement/>
-</p:properties>
 </file>
 
 <file path=customXml/item3.xml><?xml version="1.0" encoding="utf-8"?>
@@ -8005,14 +8035,6 @@
 </file>
 
 <file path=customXml/itemProps1.xml><?xml version="1.0" encoding="utf-8"?>
-<ds:datastoreItem xmlns:ds="http://schemas.openxmlformats.org/officeDocument/2006/customXml" ds:itemID="{44A10801-897B-422D-9F4F-185BFA00F090}">
-  <ds:schemaRefs>
-    <ds:schemaRef ds:uri="http://schemas.microsoft.com/sharepoint/v3/contenttype/forms"/>
-  </ds:schemaRefs>
-</ds:datastoreItem>
-</file>
-
-<file path=customXml/itemProps2.xml><?xml version="1.0" encoding="utf-8"?>
 <ds:datastoreItem xmlns:ds="http://schemas.openxmlformats.org/officeDocument/2006/customXml" ds:itemID="{1A945982-6DDA-4449-AA1C-C156F8ACD906}">
   <ds:schemaRefs>
     <ds:schemaRef ds:uri="http://schemas.microsoft.com/office/2006/documentManagement/types"/>
@@ -8025,6 +8047,14 @@
     <ds:schemaRef ds:uri="2112690d-8fbd-4dde-b184-017736a41022"/>
     <ds:schemaRef ds:uri="http://www.w3.org/XML/1998/namespace"/>
     <ds:schemaRef ds:uri="http://purl.org/dc/dcmitype/"/>
+  </ds:schemaRefs>
+</ds:datastoreItem>
+</file>
+
+<file path=customXml/itemProps2.xml><?xml version="1.0" encoding="utf-8"?>
+<ds:datastoreItem xmlns:ds="http://schemas.openxmlformats.org/officeDocument/2006/customXml" ds:itemID="{44A10801-897B-422D-9F4F-185BFA00F090}">
+  <ds:schemaRefs>
+    <ds:schemaRef ds:uri="http://schemas.microsoft.com/sharepoint/v3/contenttype/forms"/>
   </ds:schemaRefs>
 </ds:datastoreItem>
 </file>

--- a/Presentations/First Presentation/midterm_presentation.pptx
+++ b/Presentations/First Presentation/midterm_presentation.pptx
@@ -5,7 +5,7 @@
     <p:sldMasterId id="2147483648" r:id="rId4"/>
   </p:sldMasterIdLst>
   <p:notesMasterIdLst>
-    <p:notesMasterId r:id="rId13"/>
+    <p:notesMasterId r:id="rId11"/>
   </p:notesMasterIdLst>
   <p:sldIdLst>
     <p:sldId id="256" r:id="rId5"/>
@@ -14,8 +14,6 @@
     <p:sldId id="258" r:id="rId8"/>
     <p:sldId id="260" r:id="rId9"/>
     <p:sldId id="264" r:id="rId10"/>
-    <p:sldId id="265" r:id="rId11"/>
-    <p:sldId id="259" r:id="rId12"/>
   </p:sldIdLst>
   <p:sldSz cx="12192000" cy="6858000"/>
   <p:notesSz cx="6858000" cy="9144000"/>
@@ -146,7 +144,7 @@
   <pc:docChgLst>
     <pc:chgData name="Fabian Blasch" userId="91b698f49155f71e" providerId="LiveId" clId="{0395F17D-FFF9-436E-8366-C55E86C035E9}"/>
     <pc:docChg chg="undo custSel addSld delSld modSld">
-      <pc:chgData name="Fabian Blasch" userId="91b698f49155f71e" providerId="LiveId" clId="{0395F17D-FFF9-436E-8366-C55E86C035E9}" dt="2022-12-09T09:46:13.262" v="162" actId="20577"/>
+      <pc:chgData name="Fabian Blasch" userId="91b698f49155f71e" providerId="LiveId" clId="{0395F17D-FFF9-436E-8366-C55E86C035E9}" dt="2022-12-09T13:31:01.994" v="415" actId="20577"/>
       <pc:docMkLst>
         <pc:docMk/>
       </pc:docMkLst>
@@ -165,8 +163,15 @@
           </ac:spMkLst>
         </pc:spChg>
       </pc:sldChg>
-      <pc:sldChg chg="addSp delSp modSp mod">
-        <pc:chgData name="Fabian Blasch" userId="91b698f49155f71e" providerId="LiveId" clId="{0395F17D-FFF9-436E-8366-C55E86C035E9}" dt="2022-12-09T09:32:31.500" v="158" actId="1076"/>
+      <pc:sldChg chg="del">
+        <pc:chgData name="Fabian Blasch" userId="91b698f49155f71e" providerId="LiveId" clId="{0395F17D-FFF9-436E-8366-C55E86C035E9}" dt="2022-12-09T13:11:57.884" v="167" actId="2696"/>
+        <pc:sldMkLst>
+          <pc:docMk/>
+          <pc:sldMk cId="3629649981" sldId="259"/>
+        </pc:sldMkLst>
+      </pc:sldChg>
+      <pc:sldChg chg="addSp delSp modSp mod modNotesTx">
+        <pc:chgData name="Fabian Blasch" userId="91b698f49155f71e" providerId="LiveId" clId="{0395F17D-FFF9-436E-8366-C55E86C035E9}" dt="2022-12-09T13:29:11.155" v="374" actId="20577"/>
         <pc:sldMkLst>
           <pc:docMk/>
           <pc:sldMk cId="1115239791" sldId="260"/>
@@ -227,13 +232,13 @@
         </pc:sldMkLst>
       </pc:sldChg>
       <pc:sldChg chg="modSp mod">
-        <pc:chgData name="Fabian Blasch" userId="91b698f49155f71e" providerId="LiveId" clId="{0395F17D-FFF9-436E-8366-C55E86C035E9}" dt="2022-12-09T09:46:13.262" v="162" actId="20577"/>
+        <pc:chgData name="Fabian Blasch" userId="91b698f49155f71e" providerId="LiveId" clId="{0395F17D-FFF9-436E-8366-C55E86C035E9}" dt="2022-12-09T13:10:58.269" v="166" actId="20577"/>
         <pc:sldMkLst>
           <pc:docMk/>
           <pc:sldMk cId="2162715094" sldId="263"/>
         </pc:sldMkLst>
         <pc:spChg chg="mod">
-          <ac:chgData name="Fabian Blasch" userId="91b698f49155f71e" providerId="LiveId" clId="{0395F17D-FFF9-436E-8366-C55E86C035E9}" dt="2022-12-09T09:46:13.262" v="162" actId="20577"/>
+          <ac:chgData name="Fabian Blasch" userId="91b698f49155f71e" providerId="LiveId" clId="{0395F17D-FFF9-436E-8366-C55E86C035E9}" dt="2022-12-09T13:10:58.269" v="166" actId="20577"/>
           <ac:spMkLst>
             <pc:docMk/>
             <pc:sldMk cId="2162715094" sldId="263"/>
@@ -241,8 +246,8 @@
           </ac:spMkLst>
         </pc:spChg>
       </pc:sldChg>
-      <pc:sldChg chg="addSp delSp modSp mod">
-        <pc:chgData name="Fabian Blasch" userId="91b698f49155f71e" providerId="LiveId" clId="{0395F17D-FFF9-436E-8366-C55E86C035E9}" dt="2022-12-09T09:32:07.576" v="152" actId="27636"/>
+      <pc:sldChg chg="addSp delSp modSp mod modNotesTx">
+        <pc:chgData name="Fabian Blasch" userId="91b698f49155f71e" providerId="LiveId" clId="{0395F17D-FFF9-436E-8366-C55E86C035E9}" dt="2022-12-09T13:31:01.994" v="415" actId="20577"/>
         <pc:sldMkLst>
           <pc:docMk/>
           <pc:sldMk cId="4798945" sldId="264"/>
@@ -296,8 +301,8 @@
           </ac:picMkLst>
         </pc:picChg>
       </pc:sldChg>
-      <pc:sldChg chg="modSp new mod">
-        <pc:chgData name="Fabian Blasch" userId="91b698f49155f71e" providerId="LiveId" clId="{0395F17D-FFF9-436E-8366-C55E86C035E9}" dt="2022-12-09T07:58:21.722" v="149" actId="20577"/>
+      <pc:sldChg chg="modSp new del mod">
+        <pc:chgData name="Fabian Blasch" userId="91b698f49155f71e" providerId="LiveId" clId="{0395F17D-FFF9-436E-8366-C55E86C035E9}" dt="2022-12-09T13:12:04.289" v="168" actId="2696"/>
         <pc:sldMkLst>
           <pc:docMk/>
           <pc:sldMk cId="3148913186" sldId="265"/>
@@ -796,6 +801,293 @@
     <p:extLst>
       <p:ext uri="{BB962C8B-B14F-4D97-AF65-F5344CB8AC3E}">
         <p14:creationId xmlns:p14="http://schemas.microsoft.com/office/powerpoint/2010/main" val="2436567732"/>
+      </p:ext>
+    </p:extLst>
+  </p:cSld>
+  <p:clrMapOvr>
+    <a:masterClrMapping/>
+  </p:clrMapOvr>
+</p:notes>
+</file>
+
+<file path=ppt/notesSlides/notesSlide2.xml><?xml version="1.0" encoding="utf-8"?>
+<p:notes xmlns:a="http://schemas.openxmlformats.org/drawingml/2006/main" xmlns:r="http://schemas.openxmlformats.org/officeDocument/2006/relationships" xmlns:p="http://schemas.openxmlformats.org/presentationml/2006/main">
+  <p:cSld>
+    <p:spTree>
+      <p:nvGrpSpPr>
+        <p:cNvPr id="1" name=""/>
+        <p:cNvGrpSpPr/>
+        <p:nvPr/>
+      </p:nvGrpSpPr>
+      <p:grpSpPr>
+        <a:xfrm>
+          <a:off x="0" y="0"/>
+          <a:ext cx="0" cy="0"/>
+          <a:chOff x="0" y="0"/>
+          <a:chExt cx="0" cy="0"/>
+        </a:xfrm>
+      </p:grpSpPr>
+      <p:sp>
+        <p:nvSpPr>
+          <p:cNvPr id="2" name="Slide Image Placeholder 1"/>
+          <p:cNvSpPr>
+            <a:spLocks noGrp="1" noRot="1" noChangeAspect="1"/>
+          </p:cNvSpPr>
+          <p:nvPr>
+            <p:ph type="sldImg"/>
+          </p:nvPr>
+        </p:nvSpPr>
+        <p:spPr/>
+      </p:sp>
+      <p:sp>
+        <p:nvSpPr>
+          <p:cNvPr id="3" name="Notes Placeholder 2"/>
+          <p:cNvSpPr>
+            <a:spLocks noGrp="1"/>
+          </p:cNvSpPr>
+          <p:nvPr>
+            <p:ph type="body" idx="1"/>
+          </p:nvPr>
+        </p:nvSpPr>
+        <p:spPr/>
+        <p:txBody>
+          <a:bodyPr/>
+          <a:lstStyle/>
+          <a:p>
+            <a:pPr marL="171450" indent="-171450">
+              <a:buFontTx/>
+              <a:buChar char="-"/>
+            </a:pPr>
+            <a:r>
+              <a:rPr lang="de-AT" dirty="0" err="1"/>
+              <a:t>Heathcare</a:t>
+            </a:r>
+            <a:r>
+              <a:rPr lang="de-AT" dirty="0"/>
+              <a:t> </a:t>
+            </a:r>
+            <a:r>
+              <a:rPr lang="de-AT" dirty="0" err="1"/>
+              <a:t>costs</a:t>
+            </a:r>
+            <a:r>
+              <a:rPr lang="de-AT" dirty="0"/>
+              <a:t> </a:t>
+            </a:r>
+            <a:r>
+              <a:rPr lang="de-AT" dirty="0" err="1"/>
+              <a:t>increasing</a:t>
+            </a:r>
+            <a:r>
+              <a:rPr lang="de-AT" dirty="0"/>
+              <a:t> in time -&gt; </a:t>
+            </a:r>
+            <a:r>
+              <a:rPr lang="de-AT" dirty="0" err="1"/>
+              <a:t>population</a:t>
+            </a:r>
+            <a:r>
+              <a:rPr lang="de-AT" dirty="0"/>
+              <a:t> </a:t>
+            </a:r>
+            <a:r>
+              <a:rPr lang="de-AT" dirty="0" err="1"/>
+              <a:t>increase</a:t>
+            </a:r>
+            <a:endParaRPr lang="de-AT" dirty="0"/>
+          </a:p>
+          <a:p>
+            <a:pPr marL="171450" indent="-171450">
+              <a:buFontTx/>
+              <a:buChar char="-"/>
+            </a:pPr>
+            <a:r>
+              <a:rPr lang="de-AT" dirty="0" err="1"/>
+              <a:t>Local</a:t>
+            </a:r>
+            <a:r>
+              <a:rPr lang="de-AT" dirty="0"/>
+              <a:t> </a:t>
+            </a:r>
+            <a:r>
+              <a:rPr lang="de-AT" dirty="0" err="1"/>
+              <a:t>morans</a:t>
+            </a:r>
+            <a:r>
+              <a:rPr lang="de-AT" dirty="0"/>
+              <a:t> </a:t>
+            </a:r>
+            <a:r>
+              <a:rPr lang="de-AT" dirty="0" err="1"/>
+              <a:t>stable</a:t>
+            </a:r>
+            <a:r>
+              <a:rPr lang="de-AT" dirty="0"/>
+              <a:t> </a:t>
+            </a:r>
+            <a:r>
+              <a:rPr lang="de-AT" dirty="0" err="1"/>
+              <a:t>over</a:t>
+            </a:r>
+            <a:r>
+              <a:rPr lang="de-AT" dirty="0"/>
+              <a:t> time </a:t>
+            </a:r>
+          </a:p>
+          <a:p>
+            <a:pPr marL="628650" lvl="1" indent="-171450">
+              <a:buFontTx/>
+              <a:buChar char="-"/>
+            </a:pPr>
+            <a:r>
+              <a:rPr lang="de-AT" dirty="0" err="1"/>
+              <a:t>Used</a:t>
+            </a:r>
+            <a:r>
+              <a:rPr lang="de-AT" dirty="0"/>
+              <a:t> KNN, n = 3</a:t>
+            </a:r>
+          </a:p>
+        </p:txBody>
+      </p:sp>
+      <p:sp>
+        <p:nvSpPr>
+          <p:cNvPr id="4" name="Slide Number Placeholder 3"/>
+          <p:cNvSpPr>
+            <a:spLocks noGrp="1"/>
+          </p:cNvSpPr>
+          <p:nvPr>
+            <p:ph type="sldNum" sz="quarter" idx="5"/>
+          </p:nvPr>
+        </p:nvSpPr>
+        <p:spPr/>
+        <p:txBody>
+          <a:bodyPr/>
+          <a:lstStyle/>
+          <a:p>
+            <a:fld id="{A5791E63-305A-4BC8-BB2F-5C65240E1513}" type="slidenum">
+              <a:rPr lang="de-AT" smtClean="0"/>
+              <a:t>5</a:t>
+            </a:fld>
+            <a:endParaRPr lang="de-AT"/>
+          </a:p>
+        </p:txBody>
+      </p:sp>
+    </p:spTree>
+    <p:extLst>
+      <p:ext uri="{BB962C8B-B14F-4D97-AF65-F5344CB8AC3E}">
+        <p14:creationId xmlns:p14="http://schemas.microsoft.com/office/powerpoint/2010/main" val="4137708246"/>
+      </p:ext>
+    </p:extLst>
+  </p:cSld>
+  <p:clrMapOvr>
+    <a:masterClrMapping/>
+  </p:clrMapOvr>
+</p:notes>
+</file>
+
+<file path=ppt/notesSlides/notesSlide3.xml><?xml version="1.0" encoding="utf-8"?>
+<p:notes xmlns:a="http://schemas.openxmlformats.org/drawingml/2006/main" xmlns:r="http://schemas.openxmlformats.org/officeDocument/2006/relationships" xmlns:p="http://schemas.openxmlformats.org/presentationml/2006/main">
+  <p:cSld>
+    <p:spTree>
+      <p:nvGrpSpPr>
+        <p:cNvPr id="1" name=""/>
+        <p:cNvGrpSpPr/>
+        <p:nvPr/>
+      </p:nvGrpSpPr>
+      <p:grpSpPr>
+        <a:xfrm>
+          <a:off x="0" y="0"/>
+          <a:ext cx="0" cy="0"/>
+          <a:chOff x="0" y="0"/>
+          <a:chExt cx="0" cy="0"/>
+        </a:xfrm>
+      </p:grpSpPr>
+      <p:sp>
+        <p:nvSpPr>
+          <p:cNvPr id="2" name="Slide Image Placeholder 1"/>
+          <p:cNvSpPr>
+            <a:spLocks noGrp="1" noRot="1" noChangeAspect="1"/>
+          </p:cNvSpPr>
+          <p:nvPr>
+            <p:ph type="sldImg"/>
+          </p:nvPr>
+        </p:nvSpPr>
+        <p:spPr/>
+      </p:sp>
+      <p:sp>
+        <p:nvSpPr>
+          <p:cNvPr id="3" name="Notes Placeholder 2"/>
+          <p:cNvSpPr>
+            <a:spLocks noGrp="1"/>
+          </p:cNvSpPr>
+          <p:nvPr>
+            <p:ph type="body" idx="1"/>
+          </p:nvPr>
+        </p:nvSpPr>
+        <p:spPr/>
+        <p:txBody>
+          <a:bodyPr/>
+          <a:lstStyle/>
+          <a:p>
+            <a:pPr marL="171450" indent="-171450">
+              <a:buFontTx/>
+              <a:buChar char="-"/>
+            </a:pPr>
+            <a:r>
+              <a:rPr lang="de-AT" dirty="0" err="1"/>
+              <a:t>Explain</a:t>
+            </a:r>
+            <a:r>
+              <a:rPr lang="de-AT" dirty="0"/>
+              <a:t> </a:t>
+            </a:r>
+            <a:r>
+              <a:rPr lang="de-AT" dirty="0" err="1"/>
+              <a:t>Waste</a:t>
+            </a:r>
+            <a:r>
+              <a:rPr lang="de-AT" dirty="0"/>
+              <a:t> Gas Variables</a:t>
+            </a:r>
+            <a:endParaRPr lang="en-US" dirty="0"/>
+          </a:p>
+          <a:p>
+            <a:pPr marL="171450" indent="-171450">
+              <a:buFontTx/>
+              <a:buChar char="-"/>
+            </a:pPr>
+            <a:endParaRPr lang="de-AT" dirty="0"/>
+          </a:p>
+        </p:txBody>
+      </p:sp>
+      <p:sp>
+        <p:nvSpPr>
+          <p:cNvPr id="4" name="Slide Number Placeholder 3"/>
+          <p:cNvSpPr>
+            <a:spLocks noGrp="1"/>
+          </p:cNvSpPr>
+          <p:nvPr>
+            <p:ph type="sldNum" sz="quarter" idx="5"/>
+          </p:nvPr>
+        </p:nvSpPr>
+        <p:spPr/>
+        <p:txBody>
+          <a:bodyPr/>
+          <a:lstStyle/>
+          <a:p>
+            <a:fld id="{A5791E63-305A-4BC8-BB2F-5C65240E1513}" type="slidenum">
+              <a:rPr lang="de-AT" smtClean="0"/>
+              <a:t>6</a:t>
+            </a:fld>
+            <a:endParaRPr lang="de-AT"/>
+          </a:p>
+        </p:txBody>
+      </p:sp>
+    </p:spTree>
+    <p:extLst>
+      <p:ext uri="{BB962C8B-B14F-4D97-AF65-F5344CB8AC3E}">
+        <p14:creationId xmlns:p14="http://schemas.microsoft.com/office/powerpoint/2010/main" val="3529531926"/>
       </p:ext>
     </p:extLst>
   </p:cSld>
@@ -5517,7 +5809,7 @@
                 <a:latin typeface="Times New Roman"/>
                 <a:cs typeface="Calibri"/>
               </a:rPr>
-              <a:t>Heteroscedasticity</a:t>
+              <a:t>Heteroskedasticity</a:t>
             </a:r>
             <a:r>
               <a:rPr lang="de-DE" sz="2000" i="1" dirty="0">
@@ -5996,7 +6288,7 @@
                 <a:latin typeface="Times New Roman"/>
                 <a:cs typeface="Calibri"/>
               </a:rPr>
-              <a:t>crises</a:t>
+              <a:t>crisis</a:t>
             </a:r>
             <a:r>
               <a:rPr lang="de-DE" sz="2200" dirty="0">
@@ -6400,7 +6692,7 @@
           <p:nvPr/>
         </p:nvPicPr>
         <p:blipFill>
-          <a:blip r:embed="rId2"/>
+          <a:blip r:embed="rId3"/>
           <a:stretch>
             <a:fillRect/>
           </a:stretch>
@@ -6430,7 +6722,7 @@
           <p:nvPr/>
         </p:nvPicPr>
         <p:blipFill>
-          <a:blip r:embed="rId3"/>
+          <a:blip r:embed="rId4"/>
           <a:stretch>
             <a:fillRect/>
           </a:stretch>
@@ -6533,7 +6825,7 @@
           <p:nvPr/>
         </p:nvPicPr>
         <p:blipFill>
-          <a:blip r:embed="rId2">
+          <a:blip r:embed="rId3">
             <a:extLst>
               <a:ext uri="{28A0092B-C50C-407E-A947-70E740481C1C}">
                 <a14:useLocalDpi xmlns:a14="http://schemas.microsoft.com/office/drawing/2010/main" val="0"/>
@@ -6569,7 +6861,7 @@
           <p:nvPr/>
         </p:nvPicPr>
         <p:blipFill>
-          <a:blip r:embed="rId3">
+          <a:blip r:embed="rId4">
             <a:extLst>
               <a:ext uri="{28A0092B-C50C-407E-A947-70E740481C1C}">
                 <a14:useLocalDpi xmlns:a14="http://schemas.microsoft.com/office/drawing/2010/main" val="0"/>
@@ -6605,7 +6897,7 @@
           <p:nvPr/>
         </p:nvPicPr>
         <p:blipFill>
-          <a:blip r:embed="rId4">
+          <a:blip r:embed="rId5">
             <a:extLst>
               <a:ext uri="{28A0092B-C50C-407E-A947-70E740481C1C}">
                 <a14:useLocalDpi xmlns:a14="http://schemas.microsoft.com/office/drawing/2010/main" val="0"/>
@@ -6630,611 +6922,6 @@
     <p:extLst>
       <p:ext uri="{BB962C8B-B14F-4D97-AF65-F5344CB8AC3E}">
         <p14:creationId xmlns:p14="http://schemas.microsoft.com/office/powerpoint/2010/main" val="4798945"/>
-      </p:ext>
-    </p:extLst>
-  </p:cSld>
-  <p:clrMapOvr>
-    <a:masterClrMapping/>
-  </p:clrMapOvr>
-</p:sld>
-</file>
-
-<file path=ppt/slides/slide7.xml><?xml version="1.0" encoding="utf-8"?>
-<p:sld xmlns:a="http://schemas.openxmlformats.org/drawingml/2006/main" xmlns:r="http://schemas.openxmlformats.org/officeDocument/2006/relationships" xmlns:p="http://schemas.openxmlformats.org/presentationml/2006/main">
-  <p:cSld>
-    <p:spTree>
-      <p:nvGrpSpPr>
-        <p:cNvPr id="1" name=""/>
-        <p:cNvGrpSpPr/>
-        <p:nvPr/>
-      </p:nvGrpSpPr>
-      <p:grpSpPr>
-        <a:xfrm>
-          <a:off x="0" y="0"/>
-          <a:ext cx="0" cy="0"/>
-          <a:chOff x="0" y="0"/>
-          <a:chExt cx="0" cy="0"/>
-        </a:xfrm>
-      </p:grpSpPr>
-      <p:sp>
-        <p:nvSpPr>
-          <p:cNvPr id="2" name="Title 1">
-            <a:extLst>
-              <a:ext uri="{FF2B5EF4-FFF2-40B4-BE49-F238E27FC236}">
-                <a16:creationId xmlns:a16="http://schemas.microsoft.com/office/drawing/2014/main" id="{476D9CCD-6E09-7DBF-DE87-EFA542254A40}"/>
-              </a:ext>
-            </a:extLst>
-          </p:cNvPr>
-          <p:cNvSpPr>
-            <a:spLocks noGrp="1"/>
-          </p:cNvSpPr>
-          <p:nvPr>
-            <p:ph type="title"/>
-          </p:nvPr>
-        </p:nvSpPr>
-        <p:spPr/>
-        <p:txBody>
-          <a:bodyPr/>
-          <a:lstStyle/>
-          <a:p>
-            <a:r>
-              <a:rPr lang="de-AT" dirty="0"/>
-              <a:t>Appendix</a:t>
-            </a:r>
-            <a:endParaRPr lang="en-US" dirty="0"/>
-          </a:p>
-        </p:txBody>
-      </p:sp>
-      <p:sp>
-        <p:nvSpPr>
-          <p:cNvPr id="3" name="Content Placeholder 2">
-            <a:extLst>
-              <a:ext uri="{FF2B5EF4-FFF2-40B4-BE49-F238E27FC236}">
-                <a16:creationId xmlns:a16="http://schemas.microsoft.com/office/drawing/2014/main" id="{BF93E947-BB68-6561-313F-5BFBEBAA84D0}"/>
-              </a:ext>
-            </a:extLst>
-          </p:cNvPr>
-          <p:cNvSpPr>
-            <a:spLocks noGrp="1"/>
-          </p:cNvSpPr>
-          <p:nvPr>
-            <p:ph idx="1"/>
-          </p:nvPr>
-        </p:nvSpPr>
-        <p:spPr/>
-        <p:txBody>
-          <a:bodyPr/>
-          <a:lstStyle/>
-          <a:p>
-            <a:endParaRPr lang="en-US"/>
-          </a:p>
-        </p:txBody>
-      </p:sp>
-    </p:spTree>
-    <p:extLst>
-      <p:ext uri="{BB962C8B-B14F-4D97-AF65-F5344CB8AC3E}">
-        <p14:creationId xmlns:p14="http://schemas.microsoft.com/office/powerpoint/2010/main" val="3148913186"/>
-      </p:ext>
-    </p:extLst>
-  </p:cSld>
-  <p:clrMapOvr>
-    <a:masterClrMapping/>
-  </p:clrMapOvr>
-</p:sld>
-</file>
-
-<file path=ppt/slides/slide8.xml><?xml version="1.0" encoding="utf-8"?>
-<p:sld xmlns:a="http://schemas.openxmlformats.org/drawingml/2006/main" xmlns:r="http://schemas.openxmlformats.org/officeDocument/2006/relationships" xmlns:p="http://schemas.openxmlformats.org/presentationml/2006/main">
-  <p:cSld>
-    <p:spTree>
-      <p:nvGrpSpPr>
-        <p:cNvPr id="1" name=""/>
-        <p:cNvGrpSpPr/>
-        <p:nvPr/>
-      </p:nvGrpSpPr>
-      <p:grpSpPr>
-        <a:xfrm>
-          <a:off x="0" y="0"/>
-          <a:ext cx="0" cy="0"/>
-          <a:chOff x="0" y="0"/>
-          <a:chExt cx="0" cy="0"/>
-        </a:xfrm>
-      </p:grpSpPr>
-      <p:sp>
-        <p:nvSpPr>
-          <p:cNvPr id="2" name="Titel 1">
-            <a:extLst>
-              <a:ext uri="{FF2B5EF4-FFF2-40B4-BE49-F238E27FC236}">
-                <a16:creationId xmlns:a16="http://schemas.microsoft.com/office/drawing/2014/main" id="{7473A63C-F0C4-C1A1-2EC9-473218828EAC}"/>
-              </a:ext>
-            </a:extLst>
-          </p:cNvPr>
-          <p:cNvSpPr>
-            <a:spLocks noGrp="1"/>
-          </p:cNvSpPr>
-          <p:nvPr>
-            <p:ph type="title"/>
-          </p:nvPr>
-        </p:nvSpPr>
-        <p:spPr/>
-        <p:txBody>
-          <a:bodyPr/>
-          <a:lstStyle/>
-          <a:p>
-            <a:r>
-              <a:rPr lang="de-AT" dirty="0">
-                <a:latin typeface="Times New Roman" panose="02020603050405020304" pitchFamily="18" charset="0"/>
-                <a:cs typeface="Times New Roman" panose="02020603050405020304" pitchFamily="18" charset="0"/>
-              </a:rPr>
-              <a:t>Reference Paper and Method </a:t>
-            </a:r>
-          </a:p>
-        </p:txBody>
-      </p:sp>
-      <p:sp>
-        <p:nvSpPr>
-          <p:cNvPr id="3" name="Inhaltsplatzhalter 2">
-            <a:extLst>
-              <a:ext uri="{FF2B5EF4-FFF2-40B4-BE49-F238E27FC236}">
-                <a16:creationId xmlns:a16="http://schemas.microsoft.com/office/drawing/2014/main" id="{96AC0CC4-0001-CB02-8FE5-BB5C661A5E38}"/>
-              </a:ext>
-            </a:extLst>
-          </p:cNvPr>
-          <p:cNvSpPr>
-            <a:spLocks noGrp="1"/>
-          </p:cNvSpPr>
-          <p:nvPr>
-            <p:ph idx="1"/>
-          </p:nvPr>
-        </p:nvSpPr>
-        <p:spPr>
-          <a:xfrm>
-            <a:off x="838200" y="1387475"/>
-            <a:ext cx="10515600" cy="5105400"/>
-          </a:xfrm>
-        </p:spPr>
-        <p:txBody>
-          <a:bodyPr>
-            <a:normAutofit fontScale="92500" lnSpcReduction="10000"/>
-          </a:bodyPr>
-          <a:lstStyle/>
-          <a:p>
-            <a:r>
-              <a:rPr lang="de-AT" sz="1600" dirty="0"/>
-              <a:t>Mention source</a:t>
-            </a:r>
-          </a:p>
-          <a:p>
-            <a:r>
-              <a:rPr lang="de-AT" sz="1600" dirty="0"/>
-              <a:t>Mention </a:t>
-            </a:r>
-            <a:r>
-              <a:rPr lang="de-AT" sz="1600" dirty="0" err="1"/>
-              <a:t>controls</a:t>
-            </a:r>
-            <a:r>
-              <a:rPr lang="de-AT" sz="1600" dirty="0"/>
-              <a:t>: Dummy </a:t>
-            </a:r>
-            <a:r>
-              <a:rPr lang="de-AT" sz="1600" dirty="0" err="1"/>
-              <a:t>healthreform</a:t>
-            </a:r>
-            <a:r>
-              <a:rPr lang="de-AT" sz="1600" dirty="0"/>
-              <a:t> (ganz kurz anschneiden) </a:t>
-            </a:r>
-          </a:p>
-          <a:p>
-            <a:r>
-              <a:rPr lang="de-AT" sz="1600" dirty="0"/>
-              <a:t>Final </a:t>
-            </a:r>
-            <a:r>
-              <a:rPr lang="de-AT" sz="1600" dirty="0" err="1"/>
-              <a:t>method</a:t>
-            </a:r>
-            <a:r>
-              <a:rPr lang="de-AT" sz="1600" dirty="0"/>
-              <a:t>, </a:t>
-            </a:r>
-            <a:r>
-              <a:rPr lang="de-AT" sz="1600" dirty="0" err="1"/>
-              <a:t>data</a:t>
-            </a:r>
-            <a:r>
-              <a:rPr lang="de-AT" sz="1600" dirty="0"/>
-              <a:t> </a:t>
-            </a:r>
-            <a:r>
-              <a:rPr lang="de-AT" sz="1600" dirty="0" err="1"/>
-              <a:t>set</a:t>
-            </a:r>
-            <a:r>
-              <a:rPr lang="de-AT" sz="1600" dirty="0"/>
-              <a:t> </a:t>
-            </a:r>
-            <a:r>
-              <a:rPr lang="de-AT" sz="1600" dirty="0" err="1"/>
-              <a:t>chosen</a:t>
-            </a:r>
-            <a:endParaRPr lang="de-AT" sz="1600" dirty="0"/>
-          </a:p>
-          <a:p>
-            <a:r>
-              <a:rPr lang="de-AT" dirty="0" err="1"/>
-              <a:t>How</a:t>
-            </a:r>
-            <a:r>
-              <a:rPr lang="de-AT" dirty="0"/>
-              <a:t> </a:t>
-            </a:r>
-            <a:r>
-              <a:rPr lang="de-AT" dirty="0" err="1"/>
-              <a:t>many</a:t>
-            </a:r>
-            <a:r>
-              <a:rPr lang="de-AT" dirty="0"/>
-              <a:t> </a:t>
-            </a:r>
-            <a:r>
-              <a:rPr lang="de-AT" dirty="0" err="1"/>
-              <a:t>years</a:t>
-            </a:r>
-            <a:r>
-              <a:rPr lang="de-AT" dirty="0"/>
-              <a:t>? 2011-2019 wäre nicht schlecht weil wir alle Pollution Daten haben </a:t>
-            </a:r>
-          </a:p>
-          <a:p>
-            <a:r>
-              <a:rPr lang="de-AT" dirty="0" err="1"/>
-              <a:t>Spatial</a:t>
-            </a:r>
-            <a:r>
-              <a:rPr lang="de-AT" dirty="0"/>
-              <a:t> </a:t>
-            </a:r>
-            <a:r>
-              <a:rPr lang="de-AT" dirty="0" err="1"/>
-              <a:t>Durbin</a:t>
-            </a:r>
-            <a:r>
-              <a:rPr lang="de-AT" dirty="0"/>
-              <a:t> Error </a:t>
-            </a:r>
-            <a:r>
-              <a:rPr lang="de-AT" dirty="0" err="1"/>
-              <a:t>model</a:t>
-            </a:r>
-            <a:r>
-              <a:rPr lang="de-AT" dirty="0"/>
-              <a:t>: SLX and SEM mix </a:t>
-            </a:r>
-          </a:p>
-          <a:p>
-            <a:r>
-              <a:rPr lang="de-AT" sz="2000" dirty="0" err="1"/>
-              <a:t>Extentsion</a:t>
-            </a:r>
-            <a:r>
-              <a:rPr lang="de-AT" sz="2000" dirty="0"/>
-              <a:t> </a:t>
-            </a:r>
-            <a:r>
-              <a:rPr lang="de-AT" sz="2000" dirty="0" err="1"/>
-              <a:t>to</a:t>
-            </a:r>
-            <a:r>
-              <a:rPr lang="de-AT" sz="2000" dirty="0"/>
-              <a:t> </a:t>
-            </a:r>
-            <a:r>
-              <a:rPr lang="de-AT" sz="2000" dirty="0" err="1"/>
-              <a:t>the</a:t>
-            </a:r>
-            <a:r>
-              <a:rPr lang="de-AT" sz="2000" dirty="0"/>
-              <a:t> </a:t>
-            </a:r>
-            <a:r>
-              <a:rPr lang="de-AT" sz="2000" dirty="0" err="1"/>
-              <a:t>authors</a:t>
-            </a:r>
-            <a:r>
-              <a:rPr lang="de-AT" sz="2000" dirty="0"/>
-              <a:t> </a:t>
-            </a:r>
-            <a:r>
-              <a:rPr lang="de-AT" sz="2000" dirty="0" err="1"/>
-              <a:t>who</a:t>
-            </a:r>
-            <a:r>
-              <a:rPr lang="de-AT" sz="2000" dirty="0"/>
-              <a:t> just </a:t>
-            </a:r>
-            <a:r>
-              <a:rPr lang="de-AT" sz="2000" dirty="0" err="1"/>
-              <a:t>did</a:t>
-            </a:r>
-            <a:r>
-              <a:rPr lang="de-AT" sz="2000" dirty="0"/>
-              <a:t> </a:t>
-            </a:r>
-            <a:r>
-              <a:rPr lang="de-AT" sz="2000" dirty="0" err="1"/>
-              <a:t>the</a:t>
-            </a:r>
-            <a:r>
-              <a:rPr lang="de-AT" sz="2000" dirty="0"/>
-              <a:t> SAR and SEM Model (</a:t>
-            </a:r>
-            <a:r>
-              <a:rPr lang="de-AT" sz="2000" dirty="0" err="1"/>
-              <a:t>none</a:t>
-            </a:r>
-            <a:r>
-              <a:rPr lang="de-AT" sz="2000" dirty="0"/>
-              <a:t> SLX, KNN but not </a:t>
-            </a:r>
-            <a:r>
-              <a:rPr lang="de-AT" sz="2000" dirty="0" err="1"/>
-              <a:t>which</a:t>
-            </a:r>
-            <a:r>
-              <a:rPr lang="de-AT" sz="2000" dirty="0"/>
-              <a:t> n=)</a:t>
-            </a:r>
-          </a:p>
-          <a:p>
-            <a:r>
-              <a:rPr lang="de-AT" sz="2000" dirty="0" err="1"/>
-              <a:t>We</a:t>
-            </a:r>
-            <a:r>
-              <a:rPr lang="de-AT" sz="2000" dirty="0"/>
-              <a:t> will check </a:t>
-            </a:r>
-            <a:r>
-              <a:rPr lang="de-AT" sz="2000" dirty="0" err="1"/>
-              <a:t>for</a:t>
-            </a:r>
-            <a:r>
-              <a:rPr lang="de-AT" sz="2000" dirty="0"/>
-              <a:t> </a:t>
-            </a:r>
-            <a:r>
-              <a:rPr lang="de-AT" sz="2000" dirty="0" err="1"/>
-              <a:t>this</a:t>
-            </a:r>
-            <a:r>
-              <a:rPr lang="de-AT" sz="2000" dirty="0"/>
-              <a:t>! But </a:t>
-            </a:r>
-            <a:r>
-              <a:rPr lang="de-AT" sz="2000" dirty="0" err="1"/>
-              <a:t>we</a:t>
-            </a:r>
-            <a:r>
-              <a:rPr lang="de-AT" sz="2000" dirty="0"/>
-              <a:t> </a:t>
-            </a:r>
-            <a:r>
-              <a:rPr lang="de-AT" sz="2000" dirty="0" err="1"/>
-              <a:t>think</a:t>
-            </a:r>
-            <a:r>
-              <a:rPr lang="de-AT" sz="2000" dirty="0"/>
-              <a:t> </a:t>
-            </a:r>
-            <a:r>
-              <a:rPr lang="de-AT" sz="2000" dirty="0" err="1"/>
-              <a:t>that</a:t>
-            </a:r>
-            <a:r>
-              <a:rPr lang="de-AT" sz="2000" dirty="0"/>
-              <a:t> </a:t>
-            </a:r>
-            <a:r>
-              <a:rPr lang="de-AT" sz="2000" dirty="0" err="1"/>
-              <a:t>this</a:t>
-            </a:r>
-            <a:r>
-              <a:rPr lang="de-AT" sz="2000" dirty="0"/>
-              <a:t> </a:t>
-            </a:r>
-            <a:r>
-              <a:rPr lang="de-AT" sz="2000" dirty="0" err="1"/>
-              <a:t>is</a:t>
-            </a:r>
-            <a:r>
-              <a:rPr lang="de-AT" sz="2000" dirty="0"/>
-              <a:t> </a:t>
-            </a:r>
-            <a:r>
-              <a:rPr lang="de-AT" sz="2000" dirty="0" err="1"/>
-              <a:t>better</a:t>
-            </a:r>
-            <a:r>
-              <a:rPr lang="de-AT" sz="2000" dirty="0"/>
-              <a:t> </a:t>
-            </a:r>
-            <a:r>
-              <a:rPr lang="de-AT" sz="2000" dirty="0" err="1"/>
-              <a:t>because</a:t>
-            </a:r>
-            <a:r>
-              <a:rPr lang="de-AT" sz="2000" dirty="0"/>
-              <a:t> of </a:t>
-            </a:r>
-            <a:r>
-              <a:rPr lang="de-AT" sz="2000" dirty="0" err="1"/>
-              <a:t>blabla</a:t>
-            </a:r>
-            <a:endParaRPr lang="de-AT" sz="2000" dirty="0"/>
-          </a:p>
-          <a:p>
-            <a:r>
-              <a:rPr lang="de-AT" sz="2000" dirty="0" err="1"/>
-              <a:t>No</a:t>
-            </a:r>
-            <a:r>
-              <a:rPr lang="de-AT" sz="2000" dirty="0"/>
-              <a:t> </a:t>
-            </a:r>
-            <a:r>
-              <a:rPr lang="de-AT" sz="2000" dirty="0" err="1"/>
-              <a:t>dummy</a:t>
-            </a:r>
-            <a:r>
-              <a:rPr lang="de-AT" sz="2000" dirty="0"/>
-              <a:t> </a:t>
-            </a:r>
-            <a:r>
-              <a:rPr lang="de-AT" sz="2000" dirty="0" err="1"/>
-              <a:t>for</a:t>
-            </a:r>
-            <a:r>
-              <a:rPr lang="de-AT" sz="2000" dirty="0"/>
-              <a:t> </a:t>
-            </a:r>
-            <a:r>
-              <a:rPr lang="de-AT" sz="2000" dirty="0" err="1"/>
-              <a:t>financial</a:t>
-            </a:r>
-            <a:r>
-              <a:rPr lang="de-AT" sz="2000" dirty="0"/>
-              <a:t> </a:t>
-            </a:r>
-            <a:r>
-              <a:rPr lang="de-AT" sz="2000" dirty="0" err="1"/>
-              <a:t>crisis</a:t>
-            </a:r>
-            <a:r>
-              <a:rPr lang="de-AT" sz="2000" dirty="0"/>
-              <a:t> </a:t>
-            </a:r>
-          </a:p>
-          <a:p>
-            <a:r>
-              <a:rPr lang="de-AT" sz="2000" dirty="0"/>
-              <a:t>SAR: </a:t>
-            </a:r>
-            <a:r>
-              <a:rPr lang="de-AT" sz="2000" dirty="0" err="1"/>
-              <a:t>Manskis</a:t>
-            </a:r>
-            <a:r>
-              <a:rPr lang="de-AT" sz="2000" dirty="0"/>
-              <a:t> Reflexion Problem!</a:t>
-            </a:r>
-          </a:p>
-          <a:p>
-            <a:r>
-              <a:rPr lang="de-AT" sz="2000" dirty="0"/>
-              <a:t>2 coole Sachen: </a:t>
-            </a:r>
-          </a:p>
-          <a:p>
-            <a:r>
-              <a:rPr lang="de-AT" sz="2000" dirty="0"/>
-              <a:t>Age -&gt; superwichtig für </a:t>
-            </a:r>
-            <a:r>
-              <a:rPr lang="de-AT" sz="2000" dirty="0" err="1"/>
-              <a:t>healthcare</a:t>
-            </a:r>
-            <a:r>
-              <a:rPr lang="de-AT" sz="2000" dirty="0"/>
-              <a:t> </a:t>
-            </a:r>
-            <a:r>
-              <a:rPr lang="de-AT" sz="2000" dirty="0" err="1"/>
-              <a:t>obv</a:t>
-            </a:r>
-            <a:r>
-              <a:rPr lang="de-AT" sz="2000" dirty="0"/>
-              <a:t> (</a:t>
-            </a:r>
-            <a:r>
-              <a:rPr lang="de-AT" sz="2000" dirty="0" err="1"/>
-              <a:t>socioeconomic</a:t>
-            </a:r>
-            <a:r>
-              <a:rPr lang="de-AT" sz="2000" dirty="0"/>
-              <a:t> variable </a:t>
-            </a:r>
-            <a:r>
-              <a:rPr lang="de-AT" sz="2000" dirty="0" err="1"/>
-              <a:t>evtl</a:t>
-            </a:r>
-            <a:r>
-              <a:rPr lang="de-AT" sz="2000" dirty="0"/>
-              <a:t> noch beschaffen)</a:t>
-            </a:r>
-          </a:p>
-          <a:p>
-            <a:r>
-              <a:rPr lang="de-AT" sz="2000" dirty="0" err="1"/>
-              <a:t>Exipenditure</a:t>
-            </a:r>
-            <a:r>
-              <a:rPr lang="de-AT" sz="2000" dirty="0"/>
-              <a:t> variable wurde Inflationsbereinigt! (VPI an Health Care </a:t>
-            </a:r>
-            <a:r>
-              <a:rPr lang="de-AT" sz="2000" dirty="0" err="1"/>
-              <a:t>vars</a:t>
-            </a:r>
-            <a:r>
-              <a:rPr lang="de-AT" sz="2000" dirty="0"/>
-              <a:t>) </a:t>
-            </a:r>
-          </a:p>
-          <a:p>
-            <a:r>
-              <a:rPr lang="de-AT" sz="2000" dirty="0" err="1"/>
-              <a:t>Heteroskedasticity</a:t>
-            </a:r>
-            <a:r>
-              <a:rPr lang="de-AT" sz="2000" dirty="0"/>
-              <a:t> wegen der </a:t>
-            </a:r>
-            <a:r>
-              <a:rPr lang="de-AT" sz="2000" dirty="0" err="1"/>
-              <a:t>heterogenität</a:t>
-            </a:r>
-            <a:r>
-              <a:rPr lang="de-AT" sz="2000" dirty="0"/>
-              <a:t> der </a:t>
-            </a:r>
-            <a:r>
-              <a:rPr lang="de-AT" sz="2000" dirty="0" err="1"/>
-              <a:t>regionen</a:t>
-            </a:r>
-            <a:r>
-              <a:rPr lang="de-AT" sz="2000" dirty="0"/>
-              <a:t> ein </a:t>
-            </a:r>
-            <a:r>
-              <a:rPr lang="de-AT" sz="2000" dirty="0" err="1"/>
-              <a:t>problem</a:t>
-            </a:r>
-            <a:r>
-              <a:rPr lang="de-AT" sz="2000" dirty="0"/>
-              <a:t> werden könnte </a:t>
-            </a:r>
-          </a:p>
-          <a:p>
-            <a:endParaRPr lang="de-AT" sz="2000" dirty="0"/>
-          </a:p>
-        </p:txBody>
-      </p:sp>
-    </p:spTree>
-    <p:extLst>
-      <p:ext uri="{BB962C8B-B14F-4D97-AF65-F5344CB8AC3E}">
-        <p14:creationId xmlns:p14="http://schemas.microsoft.com/office/powerpoint/2010/main" val="3629649981"/>
       </p:ext>
     </p:extLst>
   </p:cSld>
@@ -7835,18 +7522,18 @@
 </file>
 
 <file path=customXml/item1.xml><?xml version="1.0" encoding="utf-8"?>
-<p:properties xmlns:p="http://schemas.microsoft.com/office/2006/metadata/properties" xmlns:xsi="http://www.w3.org/2001/XMLSchema-instance" xmlns:pc="http://schemas.microsoft.com/office/infopath/2007/PartnerControls">
-  <documentManagement/>
-</p:properties>
-</file>
-
-<file path=customXml/item2.xml><?xml version="1.0" encoding="utf-8"?>
 <?mso-contentType ?>
 <FormTemplates xmlns="http://schemas.microsoft.com/sharepoint/v3/contenttype/forms">
   <Display>DocumentLibraryForm</Display>
   <Edit>DocumentLibraryForm</Edit>
   <New>DocumentLibraryForm</New>
 </FormTemplates>
+</file>
+
+<file path=customXml/item2.xml><?xml version="1.0" encoding="utf-8"?>
+<p:properties xmlns:p="http://schemas.microsoft.com/office/2006/metadata/properties" xmlns:xsi="http://www.w3.org/2001/XMLSchema-instance" xmlns:pc="http://schemas.microsoft.com/office/infopath/2007/PartnerControls">
+  <documentManagement/>
+</p:properties>
 </file>
 
 <file path=customXml/item3.xml><?xml version="1.0" encoding="utf-8"?>
@@ -8035,6 +7722,14 @@
 </file>
 
 <file path=customXml/itemProps1.xml><?xml version="1.0" encoding="utf-8"?>
+<ds:datastoreItem xmlns:ds="http://schemas.openxmlformats.org/officeDocument/2006/customXml" ds:itemID="{44A10801-897B-422D-9F4F-185BFA00F090}">
+  <ds:schemaRefs>
+    <ds:schemaRef ds:uri="http://schemas.microsoft.com/sharepoint/v3/contenttype/forms"/>
+  </ds:schemaRefs>
+</ds:datastoreItem>
+</file>
+
+<file path=customXml/itemProps2.xml><?xml version="1.0" encoding="utf-8"?>
 <ds:datastoreItem xmlns:ds="http://schemas.openxmlformats.org/officeDocument/2006/customXml" ds:itemID="{1A945982-6DDA-4449-AA1C-C156F8ACD906}">
   <ds:schemaRefs>
     <ds:schemaRef ds:uri="http://schemas.microsoft.com/office/2006/documentManagement/types"/>
@@ -8047,14 +7742,6 @@
     <ds:schemaRef ds:uri="2112690d-8fbd-4dde-b184-017736a41022"/>
     <ds:schemaRef ds:uri="http://www.w3.org/XML/1998/namespace"/>
     <ds:schemaRef ds:uri="http://purl.org/dc/dcmitype/"/>
-  </ds:schemaRefs>
-</ds:datastoreItem>
-</file>
-
-<file path=customXml/itemProps2.xml><?xml version="1.0" encoding="utf-8"?>
-<ds:datastoreItem xmlns:ds="http://schemas.openxmlformats.org/officeDocument/2006/customXml" ds:itemID="{44A10801-897B-422D-9F4F-185BFA00F090}">
-  <ds:schemaRefs>
-    <ds:schemaRef ds:uri="http://schemas.microsoft.com/sharepoint/v3/contenttype/forms"/>
   </ds:schemaRefs>
 </ds:datastoreItem>
 </file>

--- a/Presentations/First Presentation/midterm_presentation.pptx
+++ b/Presentations/First Presentation/midterm_presentation.pptx
@@ -144,7 +144,7 @@
   <pc:docChgLst>
     <pc:chgData name="Fabian Blasch" userId="91b698f49155f71e" providerId="LiveId" clId="{0395F17D-FFF9-436E-8366-C55E86C035E9}"/>
     <pc:docChg chg="undo custSel addSld delSld modSld">
-      <pc:chgData name="Fabian Blasch" userId="91b698f49155f71e" providerId="LiveId" clId="{0395F17D-FFF9-436E-8366-C55E86C035E9}" dt="2022-12-09T13:31:01.994" v="415" actId="20577"/>
+      <pc:chgData name="Fabian Blasch" userId="91b698f49155f71e" providerId="LiveId" clId="{0395F17D-FFF9-436E-8366-C55E86C035E9}" dt="2022-12-09T14:37:08.284" v="416" actId="20577"/>
       <pc:docMkLst>
         <pc:docMk/>
       </pc:docMkLst>
@@ -231,8 +231,8 @@
           <pc:sldMk cId="3681023647" sldId="262"/>
         </pc:sldMkLst>
       </pc:sldChg>
-      <pc:sldChg chg="modSp mod">
-        <pc:chgData name="Fabian Blasch" userId="91b698f49155f71e" providerId="LiveId" clId="{0395F17D-FFF9-436E-8366-C55E86C035E9}" dt="2022-12-09T13:10:58.269" v="166" actId="20577"/>
+      <pc:sldChg chg="modSp mod modNotesTx">
+        <pc:chgData name="Fabian Blasch" userId="91b698f49155f71e" providerId="LiveId" clId="{0395F17D-FFF9-436E-8366-C55E86C035E9}" dt="2022-12-09T14:37:08.284" v="416" actId="20577"/>
         <pc:sldMkLst>
           <pc:docMk/>
           <pc:sldMk cId="2162715094" sldId="263"/>
@@ -715,62 +715,7 @@
           <a:bodyPr/>
           <a:lstStyle/>
           <a:p>
-            <a:r>
-              <a:rPr lang="de-AT" dirty="0" err="1"/>
-              <a:t>Spatial</a:t>
-            </a:r>
-            <a:r>
-              <a:rPr lang="de-AT" dirty="0"/>
-              <a:t> </a:t>
-            </a:r>
-            <a:r>
-              <a:rPr lang="de-AT" dirty="0" err="1"/>
-              <a:t>autocorrelation</a:t>
-            </a:r>
-            <a:r>
-              <a:rPr lang="de-AT" dirty="0"/>
-              <a:t> of </a:t>
-            </a:r>
-            <a:r>
-              <a:rPr lang="de-AT" dirty="0" err="1"/>
-              <a:t>healthcare</a:t>
-            </a:r>
-            <a:r>
-              <a:rPr lang="de-AT" dirty="0"/>
-              <a:t>, </a:t>
-            </a:r>
-            <a:r>
-              <a:rPr lang="de-AT" dirty="0" err="1"/>
-              <a:t>spatial</a:t>
-            </a:r>
-            <a:r>
-              <a:rPr lang="de-AT" dirty="0"/>
-              <a:t> </a:t>
-            </a:r>
-            <a:r>
-              <a:rPr lang="de-AT" dirty="0" err="1"/>
-              <a:t>autocorrelation</a:t>
-            </a:r>
-            <a:r>
-              <a:rPr lang="de-AT" dirty="0"/>
-              <a:t> of </a:t>
-            </a:r>
-            <a:r>
-              <a:rPr lang="de-AT" dirty="0" err="1"/>
-              <a:t>air</a:t>
-            </a:r>
-            <a:r>
-              <a:rPr lang="de-AT" dirty="0"/>
-              <a:t> </a:t>
-            </a:r>
-            <a:r>
-              <a:rPr lang="de-AT" dirty="0" err="1"/>
-              <a:t>pollution</a:t>
-            </a:r>
-            <a:r>
-              <a:rPr lang="de-AT" dirty="0"/>
-              <a:t> </a:t>
-            </a:r>
+            <a:endParaRPr lang="de-AT" dirty="0"/>
           </a:p>
         </p:txBody>
       </p:sp>
@@ -7522,18 +7467,18 @@
 </file>
 
 <file path=customXml/item1.xml><?xml version="1.0" encoding="utf-8"?>
+<p:properties xmlns:p="http://schemas.microsoft.com/office/2006/metadata/properties" xmlns:xsi="http://www.w3.org/2001/XMLSchema-instance" xmlns:pc="http://schemas.microsoft.com/office/infopath/2007/PartnerControls">
+  <documentManagement/>
+</p:properties>
+</file>
+
+<file path=customXml/item2.xml><?xml version="1.0" encoding="utf-8"?>
 <?mso-contentType ?>
 <FormTemplates xmlns="http://schemas.microsoft.com/sharepoint/v3/contenttype/forms">
   <Display>DocumentLibraryForm</Display>
   <Edit>DocumentLibraryForm</Edit>
   <New>DocumentLibraryForm</New>
 </FormTemplates>
-</file>
-
-<file path=customXml/item2.xml><?xml version="1.0" encoding="utf-8"?>
-<p:properties xmlns:p="http://schemas.microsoft.com/office/2006/metadata/properties" xmlns:xsi="http://www.w3.org/2001/XMLSchema-instance" xmlns:pc="http://schemas.microsoft.com/office/infopath/2007/PartnerControls">
-  <documentManagement/>
-</p:properties>
 </file>
 
 <file path=customXml/item3.xml><?xml version="1.0" encoding="utf-8"?>
@@ -7722,14 +7667,6 @@
 </file>
 
 <file path=customXml/itemProps1.xml><?xml version="1.0" encoding="utf-8"?>
-<ds:datastoreItem xmlns:ds="http://schemas.openxmlformats.org/officeDocument/2006/customXml" ds:itemID="{44A10801-897B-422D-9F4F-185BFA00F090}">
-  <ds:schemaRefs>
-    <ds:schemaRef ds:uri="http://schemas.microsoft.com/sharepoint/v3/contenttype/forms"/>
-  </ds:schemaRefs>
-</ds:datastoreItem>
-</file>
-
-<file path=customXml/itemProps2.xml><?xml version="1.0" encoding="utf-8"?>
 <ds:datastoreItem xmlns:ds="http://schemas.openxmlformats.org/officeDocument/2006/customXml" ds:itemID="{1A945982-6DDA-4449-AA1C-C156F8ACD906}">
   <ds:schemaRefs>
     <ds:schemaRef ds:uri="http://schemas.microsoft.com/office/2006/documentManagement/types"/>
@@ -7742,6 +7679,14 @@
     <ds:schemaRef ds:uri="2112690d-8fbd-4dde-b184-017736a41022"/>
     <ds:schemaRef ds:uri="http://www.w3.org/XML/1998/namespace"/>
     <ds:schemaRef ds:uri="http://purl.org/dc/dcmitype/"/>
+  </ds:schemaRefs>
+</ds:datastoreItem>
+</file>
+
+<file path=customXml/itemProps2.xml><?xml version="1.0" encoding="utf-8"?>
+<ds:datastoreItem xmlns:ds="http://schemas.openxmlformats.org/officeDocument/2006/customXml" ds:itemID="{44A10801-897B-422D-9F4F-185BFA00F090}">
+  <ds:schemaRefs>
+    <ds:schemaRef ds:uri="http://schemas.microsoft.com/sharepoint/v3/contenttype/forms"/>
   </ds:schemaRefs>
 </ds:datastoreItem>
 </file>
